--- a/site/docs/2.1.0/img/structured-streaming.pptx
+++ b/site/docs/2.1.0/img/structured-streaming.pptx
@@ -10,6 +10,7 @@
     <p:sldId id="257" r:id="rId4"/>
     <p:sldId id="259" r:id="rId5"/>
     <p:sldId id="260" r:id="rId6"/>
+    <p:sldId id="261" r:id="rId7"/>
   </p:sldIdLst>
   <p:sldSz cx="12192000" cy="6858000"/>
   <p:notesSz cx="6858000" cy="9144000"/>
@@ -247,7 +248,7 @@
           <a:p>
             <a:fld id="{66B02B72-AB41-C343-9175-0553C21C4E77}" type="datetimeFigureOut">
               <a:rPr lang="en-US" smtClean="0"/>
-              <a:t>6/30/16</a:t>
+              <a:t>12/21/16</a:t>
             </a:fld>
             <a:endParaRPr lang="en-US"/>
           </a:p>
@@ -417,7 +418,7 @@
           <a:p>
             <a:fld id="{66B02B72-AB41-C343-9175-0553C21C4E77}" type="datetimeFigureOut">
               <a:rPr lang="en-US" smtClean="0"/>
-              <a:t>6/30/16</a:t>
+              <a:t>12/21/16</a:t>
             </a:fld>
             <a:endParaRPr lang="en-US"/>
           </a:p>
@@ -597,7 +598,7 @@
           <a:p>
             <a:fld id="{66B02B72-AB41-C343-9175-0553C21C4E77}" type="datetimeFigureOut">
               <a:rPr lang="en-US" smtClean="0"/>
-              <a:t>6/30/16</a:t>
+              <a:t>12/21/16</a:t>
             </a:fld>
             <a:endParaRPr lang="en-US"/>
           </a:p>
@@ -767,7 +768,7 @@
           <a:p>
             <a:fld id="{66B02B72-AB41-C343-9175-0553C21C4E77}" type="datetimeFigureOut">
               <a:rPr lang="en-US" smtClean="0"/>
-              <a:t>6/30/16</a:t>
+              <a:t>12/21/16</a:t>
             </a:fld>
             <a:endParaRPr lang="en-US"/>
           </a:p>
@@ -1013,7 +1014,7 @@
           <a:p>
             <a:fld id="{66B02B72-AB41-C343-9175-0553C21C4E77}" type="datetimeFigureOut">
               <a:rPr lang="en-US" smtClean="0"/>
-              <a:t>6/30/16</a:t>
+              <a:t>12/21/16</a:t>
             </a:fld>
             <a:endParaRPr lang="en-US"/>
           </a:p>
@@ -1245,7 +1246,7 @@
           <a:p>
             <a:fld id="{66B02B72-AB41-C343-9175-0553C21C4E77}" type="datetimeFigureOut">
               <a:rPr lang="en-US" smtClean="0"/>
-              <a:t>6/30/16</a:t>
+              <a:t>12/21/16</a:t>
             </a:fld>
             <a:endParaRPr lang="en-US"/>
           </a:p>
@@ -1612,7 +1613,7 @@
           <a:p>
             <a:fld id="{66B02B72-AB41-C343-9175-0553C21C4E77}" type="datetimeFigureOut">
               <a:rPr lang="en-US" smtClean="0"/>
-              <a:t>6/30/16</a:t>
+              <a:t>12/21/16</a:t>
             </a:fld>
             <a:endParaRPr lang="en-US"/>
           </a:p>
@@ -1730,7 +1731,7 @@
           <a:p>
             <a:fld id="{66B02B72-AB41-C343-9175-0553C21C4E77}" type="datetimeFigureOut">
               <a:rPr lang="en-US" smtClean="0"/>
-              <a:t>6/30/16</a:t>
+              <a:t>12/21/16</a:t>
             </a:fld>
             <a:endParaRPr lang="en-US"/>
           </a:p>
@@ -1825,7 +1826,7 @@
           <a:p>
             <a:fld id="{66B02B72-AB41-C343-9175-0553C21C4E77}" type="datetimeFigureOut">
               <a:rPr lang="en-US" smtClean="0"/>
-              <a:t>6/30/16</a:t>
+              <a:t>12/21/16</a:t>
             </a:fld>
             <a:endParaRPr lang="en-US"/>
           </a:p>
@@ -2102,7 +2103,7 @@
           <a:p>
             <a:fld id="{66B02B72-AB41-C343-9175-0553C21C4E77}" type="datetimeFigureOut">
               <a:rPr lang="en-US" smtClean="0"/>
-              <a:t>6/30/16</a:t>
+              <a:t>12/21/16</a:t>
             </a:fld>
             <a:endParaRPr lang="en-US"/>
           </a:p>
@@ -2355,7 +2356,7 @@
           <a:p>
             <a:fld id="{66B02B72-AB41-C343-9175-0553C21C4E77}" type="datetimeFigureOut">
               <a:rPr lang="en-US" smtClean="0"/>
-              <a:t>6/30/16</a:t>
+              <a:t>12/21/16</a:t>
             </a:fld>
             <a:endParaRPr lang="en-US"/>
           </a:p>
@@ -2568,7 +2569,7 @@
           <a:p>
             <a:fld id="{66B02B72-AB41-C343-9175-0553C21C4E77}" type="datetimeFigureOut">
               <a:rPr lang="en-US" smtClean="0"/>
-              <a:t>6/30/16</a:t>
+              <a:t>12/21/16</a:t>
             </a:fld>
             <a:endParaRPr lang="en-US"/>
           </a:p>
@@ -13571,7 +13572,7 @@
           <p:nvPr>
             <p:extLst>
               <p:ext uri="{D42A27DB-BD31-4B8C-83A1-F6EECF244321}">
-                <p14:modId xmlns:p14="http://schemas.microsoft.com/office/powerpoint/2010/main" val="460499284"/>
+                <p14:modId xmlns:p14="http://schemas.microsoft.com/office/powerpoint/2010/main" val="917172331"/>
               </p:ext>
             </p:extLst>
           </p:nvPr>
@@ -14135,7 +14136,7 @@
                         <a:defRPr/>
                       </a:pPr>
                       <a:r>
-                        <a:rPr lang="en-US" sz="1200" b="0" i="0" dirty="0" smtClean="0">
+                        <a:rPr lang="en-US" sz="1200" b="1" i="0" dirty="0" smtClean="0">
                           <a:latin typeface="Source Sans Pro Light" charset="0"/>
                           <a:ea typeface="Source Sans Pro Light" charset="0"/>
                           <a:cs typeface="Source Sans Pro Light" charset="0"/>
@@ -14172,14 +14173,14 @@
                     <a:p>
                       <a:pPr algn="ctr"/>
                       <a:r>
-                        <a:rPr lang="en-US" sz="1200" b="0" i="0" dirty="0" smtClean="0">
+                        <a:rPr lang="en-US" sz="1200" b="1" i="0" dirty="0" smtClean="0">
                           <a:latin typeface="Source Sans Pro Light" charset="0"/>
                           <a:ea typeface="Source Sans Pro Light" charset="0"/>
                           <a:cs typeface="Source Sans Pro Light" charset="0"/>
                         </a:rPr>
                         <a:t>owl</a:t>
                       </a:r>
-                      <a:endParaRPr lang="en-US" sz="1200" b="0" i="0" dirty="0">
+                      <a:endParaRPr lang="en-US" sz="1200" b="1" i="0" dirty="0">
                         <a:latin typeface="Source Sans Pro Light" charset="0"/>
                         <a:ea typeface="Source Sans Pro Light" charset="0"/>
                         <a:cs typeface="Source Sans Pro Light" charset="0"/>
@@ -14205,14 +14206,14 @@
                     <a:p>
                       <a:pPr algn="ctr"/>
                       <a:r>
-                        <a:rPr lang="en-US" sz="1200" b="0" i="0" dirty="0" smtClean="0">
+                        <a:rPr lang="en-US" sz="1200" b="1" i="0" dirty="0" smtClean="0">
                           <a:latin typeface="Source Sans Pro Light" charset="0"/>
                           <a:ea typeface="Source Sans Pro Light" charset="0"/>
                           <a:cs typeface="Source Sans Pro Light" charset="0"/>
                         </a:rPr>
                         <a:t>2</a:t>
                       </a:r>
-                      <a:endParaRPr lang="en-US" sz="1200" b="0" i="0" dirty="0">
+                      <a:endParaRPr lang="en-US" sz="1200" b="1" i="0" dirty="0">
                         <a:latin typeface="Source Sans Pro Light" charset="0"/>
                         <a:ea typeface="Source Sans Pro Light" charset="0"/>
                         <a:cs typeface="Source Sans Pro Light" charset="0"/>
@@ -14604,8 +14605,8 @@
         </p:nvSpPr>
         <p:spPr>
           <a:xfrm>
-            <a:off x="7179144" y="4159443"/>
-            <a:ext cx="2558714" cy="584775"/>
+            <a:off x="7510164" y="4159443"/>
+            <a:ext cx="1896673" cy="584775"/>
           </a:xfrm>
           <a:prstGeom prst="rect">
             <a:avLst/>
@@ -14638,18 +14639,7 @@
                 <a:ea typeface="Source Sans Pro Light" charset="0"/>
                 <a:cs typeface="Source Sans Pro Light" charset="0"/>
               </a:rPr>
-              <a:t>ounts incremented </a:t>
-            </a:r>
-            <a:r>
-              <a:rPr lang="en-US" sz="1600" b="0" i="0" dirty="0" smtClean="0">
-                <a:solidFill>
-                  <a:srgbClr val="C00000"/>
-                </a:solidFill>
-                <a:latin typeface="Source Sans Pro Light" charset="0"/>
-                <a:ea typeface="Source Sans Pro Light" charset="0"/>
-                <a:cs typeface="Source Sans Pro Light" charset="0"/>
-              </a:rPr>
-              <a:t>only for </a:t>
+              <a:t>ounts updated for </a:t>
             </a:r>
           </a:p>
           <a:p>
@@ -14685,29 +14675,7 @@
                 <a:ea typeface="Source Sans Pro Light" charset="0"/>
                 <a:cs typeface="Source Sans Pro Light" charset="0"/>
               </a:rPr>
-              <a:t>12:00 </a:t>
-            </a:r>
-            <a:r>
-              <a:rPr lang="en-US" sz="1600" dirty="0" smtClean="0">
-                <a:solidFill>
-                  <a:srgbClr val="C00000"/>
-                </a:solidFill>
-                <a:latin typeface="Source Sans Pro Light" charset="0"/>
-                <a:ea typeface="Source Sans Pro Light" charset="0"/>
-                <a:cs typeface="Source Sans Pro Light" charset="0"/>
-              </a:rPr>
-              <a:t>- </a:t>
-            </a:r>
-            <a:r>
-              <a:rPr lang="en-US" sz="1600" dirty="0" smtClean="0">
-                <a:solidFill>
-                  <a:srgbClr val="C00000"/>
-                </a:solidFill>
-                <a:latin typeface="Source Sans Pro Light" charset="0"/>
-                <a:ea typeface="Source Sans Pro Light" charset="0"/>
-                <a:cs typeface="Source Sans Pro Light" charset="0"/>
-              </a:rPr>
-              <a:t>12:10</a:t>
+              <a:t>12:00 - 12:10</a:t>
             </a:r>
             <a:endParaRPr lang="en-US" sz="1600" b="0" i="0" dirty="0">
               <a:solidFill>
@@ -15024,6 +14992,5347 @@
     <p:extLst>
       <p:ext uri="{BB962C8B-B14F-4D97-AF65-F5344CB8AC3E}">
         <p14:creationId xmlns:p14="http://schemas.microsoft.com/office/powerpoint/2010/main" val="1807247819"/>
+      </p:ext>
+    </p:extLst>
+  </p:cSld>
+  <p:clrMapOvr>
+    <a:masterClrMapping/>
+  </p:clrMapOvr>
+</p:sld>
+</file>
+
+<file path=ppt/slides/slide6.xml><?xml version="1.0" encoding="utf-8"?>
+<p:sld xmlns:a="http://schemas.openxmlformats.org/drawingml/2006/main" xmlns:r="http://schemas.openxmlformats.org/officeDocument/2006/relationships" xmlns:p="http://schemas.openxmlformats.org/presentationml/2006/main">
+  <p:cSld>
+    <p:spTree>
+      <p:nvGrpSpPr>
+        <p:cNvPr id="1" name=""/>
+        <p:cNvGrpSpPr/>
+        <p:nvPr/>
+      </p:nvGrpSpPr>
+      <p:grpSpPr>
+        <a:xfrm>
+          <a:off x="0" y="0"/>
+          <a:ext cx="0" cy="0"/>
+          <a:chOff x="0" y="0"/>
+          <a:chExt cx="0" cy="0"/>
+        </a:xfrm>
+      </p:grpSpPr>
+      <p:cxnSp>
+        <p:nvCxnSpPr>
+          <p:cNvPr id="115" name="Straight Connector 114"/>
+          <p:cNvCxnSpPr/>
+          <p:nvPr/>
+        </p:nvCxnSpPr>
+        <p:spPr>
+          <a:xfrm>
+            <a:off x="2135054" y="2644196"/>
+            <a:ext cx="8592653" cy="0"/>
+          </a:xfrm>
+          <a:prstGeom prst="line">
+            <a:avLst/>
+          </a:prstGeom>
+          <a:ln>
+            <a:solidFill>
+              <a:schemeClr val="bg1">
+                <a:lumMod val="85000"/>
+              </a:schemeClr>
+            </a:solidFill>
+            <a:prstDash val="sysDot"/>
+          </a:ln>
+        </p:spPr>
+        <p:style>
+          <a:lnRef idx="2">
+            <a:schemeClr val="dk1"/>
+          </a:lnRef>
+          <a:fillRef idx="0">
+            <a:schemeClr val="dk1"/>
+          </a:fillRef>
+          <a:effectRef idx="1">
+            <a:schemeClr val="dk1"/>
+          </a:effectRef>
+          <a:fontRef idx="minor">
+            <a:schemeClr val="tx1"/>
+          </a:fontRef>
+        </p:style>
+      </p:cxnSp>
+      <p:cxnSp>
+        <p:nvCxnSpPr>
+          <p:cNvPr id="120" name="Straight Connector 119"/>
+          <p:cNvCxnSpPr/>
+          <p:nvPr/>
+        </p:nvCxnSpPr>
+        <p:spPr>
+          <a:xfrm>
+            <a:off x="2142678" y="3297254"/>
+            <a:ext cx="8585029" cy="0"/>
+          </a:xfrm>
+          <a:prstGeom prst="line">
+            <a:avLst/>
+          </a:prstGeom>
+          <a:ln>
+            <a:solidFill>
+              <a:schemeClr val="bg1">
+                <a:lumMod val="85000"/>
+              </a:schemeClr>
+            </a:solidFill>
+            <a:prstDash val="sysDot"/>
+          </a:ln>
+        </p:spPr>
+        <p:style>
+          <a:lnRef idx="2">
+            <a:schemeClr val="dk1"/>
+          </a:lnRef>
+          <a:fillRef idx="0">
+            <a:schemeClr val="dk1"/>
+          </a:fillRef>
+          <a:effectRef idx="1">
+            <a:schemeClr val="dk1"/>
+          </a:effectRef>
+          <a:fontRef idx="minor">
+            <a:schemeClr val="tx1"/>
+          </a:fontRef>
+        </p:style>
+      </p:cxnSp>
+      <p:cxnSp>
+        <p:nvCxnSpPr>
+          <p:cNvPr id="121" name="Straight Connector 120"/>
+          <p:cNvCxnSpPr/>
+          <p:nvPr/>
+        </p:nvCxnSpPr>
+        <p:spPr>
+          <a:xfrm>
+            <a:off x="2142677" y="1989981"/>
+            <a:ext cx="8050707" cy="0"/>
+          </a:xfrm>
+          <a:prstGeom prst="line">
+            <a:avLst/>
+          </a:prstGeom>
+          <a:ln>
+            <a:solidFill>
+              <a:schemeClr val="bg1">
+                <a:lumMod val="85000"/>
+              </a:schemeClr>
+            </a:solidFill>
+            <a:prstDash val="sysDot"/>
+          </a:ln>
+        </p:spPr>
+        <p:style>
+          <a:lnRef idx="2">
+            <a:schemeClr val="dk1"/>
+          </a:lnRef>
+          <a:fillRef idx="0">
+            <a:schemeClr val="dk1"/>
+          </a:fillRef>
+          <a:effectRef idx="1">
+            <a:schemeClr val="dk1"/>
+          </a:effectRef>
+          <a:fontRef idx="minor">
+            <a:schemeClr val="tx1"/>
+          </a:fontRef>
+        </p:style>
+      </p:cxnSp>
+      <p:cxnSp>
+        <p:nvCxnSpPr>
+          <p:cNvPr id="122" name="Straight Connector 121"/>
+          <p:cNvCxnSpPr/>
+          <p:nvPr/>
+        </p:nvCxnSpPr>
+        <p:spPr>
+          <a:xfrm>
+            <a:off x="2135053" y="1362832"/>
+            <a:ext cx="8592654" cy="0"/>
+          </a:xfrm>
+          <a:prstGeom prst="line">
+            <a:avLst/>
+          </a:prstGeom>
+          <a:ln>
+            <a:solidFill>
+              <a:schemeClr val="bg1">
+                <a:lumMod val="85000"/>
+              </a:schemeClr>
+            </a:solidFill>
+            <a:prstDash val="sysDot"/>
+          </a:ln>
+        </p:spPr>
+        <p:style>
+          <a:lnRef idx="2">
+            <a:schemeClr val="dk1"/>
+          </a:lnRef>
+          <a:fillRef idx="0">
+            <a:schemeClr val="dk1"/>
+          </a:fillRef>
+          <a:effectRef idx="1">
+            <a:schemeClr val="dk1"/>
+          </a:effectRef>
+          <a:fontRef idx="minor">
+            <a:schemeClr val="tx1"/>
+          </a:fontRef>
+        </p:style>
+      </p:cxnSp>
+      <p:cxnSp>
+        <p:nvCxnSpPr>
+          <p:cNvPr id="4" name="Shape 128"/>
+          <p:cNvCxnSpPr/>
+          <p:nvPr/>
+        </p:nvCxnSpPr>
+        <p:spPr>
+          <a:xfrm>
+            <a:off x="2229993" y="3973722"/>
+            <a:ext cx="8802699" cy="0"/>
+          </a:xfrm>
+          <a:prstGeom prst="straightConnector1">
+            <a:avLst/>
+          </a:prstGeom>
+          <a:noFill/>
+          <a:ln w="28575" cap="flat" cmpd="sng">
+            <a:solidFill>
+              <a:srgbClr val="000000"/>
+            </a:solidFill>
+            <a:prstDash val="solid"/>
+            <a:round/>
+            <a:headEnd type="none" w="lg" len="lg"/>
+            <a:tailEnd type="triangle" w="lg" len="lg"/>
+          </a:ln>
+        </p:spPr>
+      </p:cxnSp>
+      <p:sp>
+        <p:nvSpPr>
+          <p:cNvPr id="14" name="Shape 127"/>
+          <p:cNvSpPr txBox="1"/>
+          <p:nvPr/>
+        </p:nvSpPr>
+        <p:spPr>
+          <a:xfrm>
+            <a:off x="1284844" y="4139543"/>
+            <a:ext cx="2212601" cy="445876"/>
+          </a:xfrm>
+          <a:prstGeom prst="rect">
+            <a:avLst/>
+          </a:prstGeom>
+          <a:noFill/>
+          <a:ln>
+            <a:noFill/>
+          </a:ln>
+        </p:spPr>
+        <p:txBody>
+          <a:bodyPr lIns="91425" tIns="91425" rIns="91425" bIns="91425" anchor="t" anchorCtr="0">
+            <a:noAutofit/>
+          </a:bodyPr>
+          <a:lstStyle/>
+          <a:p>
+            <a:pPr lvl="0" rtl="0">
+              <a:spcBef>
+                <a:spcPts val="0"/>
+              </a:spcBef>
+              <a:buNone/>
+            </a:pPr>
+            <a:r>
+              <a:rPr lang="en-US" sz="1800" dirty="0" smtClean="0">
+                <a:latin typeface="Source Sans Pro Light" charset="0"/>
+                <a:ea typeface="Source Sans Pro Light" charset="0"/>
+                <a:cs typeface="Source Sans Pro Light" charset="0"/>
+              </a:rPr>
+              <a:t>Processing Time</a:t>
+            </a:r>
+          </a:p>
+          <a:p>
+            <a:pPr lvl="0" rtl="0">
+              <a:spcBef>
+                <a:spcPts val="0"/>
+              </a:spcBef>
+              <a:buNone/>
+            </a:pPr>
+            <a:r>
+              <a:rPr lang="en-US" dirty="0" smtClean="0">
+                <a:latin typeface="Source Sans Pro Light" charset="0"/>
+                <a:ea typeface="Source Sans Pro Light" charset="0"/>
+                <a:cs typeface="Source Sans Pro Light" charset="0"/>
+              </a:rPr>
+              <a:t>with </a:t>
+            </a:r>
+            <a:r>
+              <a:rPr lang="en-US" dirty="0" smtClean="0">
+                <a:latin typeface="Source Sans Pro Light" charset="0"/>
+                <a:ea typeface="Source Sans Pro Light" charset="0"/>
+                <a:cs typeface="Source Sans Pro Light" charset="0"/>
+              </a:rPr>
+              <a:t>5 </a:t>
+            </a:r>
+            <a:r>
+              <a:rPr lang="en-US" dirty="0" smtClean="0">
+                <a:latin typeface="Source Sans Pro Light" charset="0"/>
+                <a:ea typeface="Source Sans Pro Light" charset="0"/>
+                <a:cs typeface="Source Sans Pro Light" charset="0"/>
+              </a:rPr>
+              <a:t>min </a:t>
+            </a:r>
+            <a:r>
+              <a:rPr lang="en-US" dirty="0" smtClean="0">
+                <a:latin typeface="Source Sans Pro Light" charset="0"/>
+                <a:ea typeface="Source Sans Pro Light" charset="0"/>
+                <a:cs typeface="Source Sans Pro Light" charset="0"/>
+              </a:rPr>
+              <a:t>triggers</a:t>
+            </a:r>
+            <a:endParaRPr lang="en" sz="1800" dirty="0">
+              <a:latin typeface="Source Sans Pro Light" charset="0"/>
+              <a:ea typeface="Source Sans Pro Light" charset="0"/>
+              <a:cs typeface="Source Sans Pro Light" charset="0"/>
+            </a:endParaRPr>
+          </a:p>
+        </p:txBody>
+      </p:sp>
+      <p:sp>
+        <p:nvSpPr>
+          <p:cNvPr id="46" name="Rectangle 45"/>
+          <p:cNvSpPr/>
+          <p:nvPr/>
+        </p:nvSpPr>
+        <p:spPr>
+          <a:xfrm>
+            <a:off x="5441161" y="5167655"/>
+            <a:ext cx="3588084" cy="738664"/>
+          </a:xfrm>
+          <a:prstGeom prst="rect">
+            <a:avLst/>
+          </a:prstGeom>
+        </p:spPr>
+        <p:txBody>
+          <a:bodyPr wrap="square">
+            <a:spAutoFit/>
+          </a:bodyPr>
+          <a:lstStyle/>
+          <a:p>
+            <a:pPr algn="ctr"/>
+            <a:r>
+              <a:rPr lang="en-US" sz="1400" b="1" i="1" dirty="0" smtClean="0">
+                <a:solidFill>
+                  <a:srgbClr val="C00000"/>
+                </a:solidFill>
+                <a:latin typeface="Source Sans Pro Light" charset="0"/>
+                <a:ea typeface="Source Sans Pro Light" charset="0"/>
+                <a:cs typeface="Source Sans Pro Light" charset="0"/>
+              </a:rPr>
+              <a:t>final counts</a:t>
+            </a:r>
+            <a:r>
+              <a:rPr lang="en-US" sz="1400" dirty="0" smtClean="0">
+                <a:solidFill>
+                  <a:srgbClr val="C00000"/>
+                </a:solidFill>
+                <a:latin typeface="Source Sans Pro Light" charset="0"/>
+                <a:ea typeface="Source Sans Pro Light" charset="0"/>
+                <a:cs typeface="Source Sans Pro Light" charset="0"/>
+              </a:rPr>
+              <a:t> for 12:00 - 12:10 added to table when watermark &gt; 12:10, late data counted, and intermediate state for window cleared </a:t>
+            </a:r>
+            <a:endParaRPr lang="en-US" sz="1400" b="0" i="0" dirty="0">
+              <a:solidFill>
+                <a:srgbClr val="C00000"/>
+              </a:solidFill>
+              <a:latin typeface="Source Sans Pro Light" charset="0"/>
+              <a:ea typeface="Source Sans Pro Light" charset="0"/>
+              <a:cs typeface="Source Sans Pro Light" charset="0"/>
+            </a:endParaRPr>
+          </a:p>
+        </p:txBody>
+      </p:sp>
+      <p:sp>
+        <p:nvSpPr>
+          <p:cNvPr id="47" name="TextBox 46"/>
+          <p:cNvSpPr txBox="1"/>
+          <p:nvPr/>
+        </p:nvSpPr>
+        <p:spPr>
+          <a:xfrm>
+            <a:off x="1273687" y="5761148"/>
+            <a:ext cx="7476955" cy="707886"/>
+          </a:xfrm>
+          <a:prstGeom prst="rect">
+            <a:avLst/>
+          </a:prstGeom>
+          <a:noFill/>
+        </p:spPr>
+        <p:txBody>
+          <a:bodyPr wrap="square" rtlCol="0">
+            <a:spAutoFit/>
+          </a:bodyPr>
+          <a:lstStyle/>
+          <a:p>
+            <a:r>
+              <a:rPr lang="en-US" sz="2000" b="1" dirty="0" smtClean="0">
+                <a:latin typeface="Source Sans Pro Light" charset="0"/>
+                <a:ea typeface="Source Sans Pro Light" charset="0"/>
+                <a:cs typeface="Source Sans Pro Light" charset="0"/>
+              </a:rPr>
+              <a:t>Watermarking</a:t>
+            </a:r>
+            <a:r>
+              <a:rPr lang="en-US" sz="2000" dirty="0" smtClean="0">
+                <a:latin typeface="Source Sans Pro Light" charset="0"/>
+                <a:ea typeface="Source Sans Pro Light" charset="0"/>
+                <a:cs typeface="Source Sans Pro Light" charset="0"/>
+              </a:rPr>
+              <a:t> in </a:t>
+            </a:r>
+            <a:r>
+              <a:rPr lang="en-US" sz="2000" b="1" dirty="0" smtClean="0">
+                <a:latin typeface="Source Sans Pro Light" charset="0"/>
+                <a:ea typeface="Source Sans Pro Light" charset="0"/>
+                <a:cs typeface="Source Sans Pro Light" charset="0"/>
+              </a:rPr>
+              <a:t>Windowed </a:t>
+            </a:r>
+          </a:p>
+          <a:p>
+            <a:r>
+              <a:rPr lang="en-US" sz="2000" b="1" dirty="0" smtClean="0">
+                <a:latin typeface="Source Sans Pro Light" charset="0"/>
+                <a:ea typeface="Source Sans Pro Light" charset="0"/>
+                <a:cs typeface="Source Sans Pro Light" charset="0"/>
+              </a:rPr>
+              <a:t>Grouped Aggregation </a:t>
+            </a:r>
+            <a:r>
+              <a:rPr lang="en-US" sz="2000" dirty="0" smtClean="0">
+                <a:latin typeface="Source Sans Pro Light" charset="0"/>
+                <a:ea typeface="Source Sans Pro Light" charset="0"/>
+                <a:cs typeface="Source Sans Pro Light" charset="0"/>
+              </a:rPr>
+              <a:t>with </a:t>
+            </a:r>
+            <a:r>
+              <a:rPr lang="en-US" sz="2000" b="1" dirty="0" smtClean="0">
+                <a:latin typeface="Source Sans Pro Light" charset="0"/>
+                <a:ea typeface="Source Sans Pro Light" charset="0"/>
+                <a:cs typeface="Source Sans Pro Light" charset="0"/>
+              </a:rPr>
+              <a:t>Append Mode</a:t>
+            </a:r>
+            <a:endParaRPr lang="en-US" sz="2000" b="1" dirty="0">
+              <a:latin typeface="Source Sans Pro Light" charset="0"/>
+              <a:ea typeface="Source Sans Pro Light" charset="0"/>
+              <a:cs typeface="Source Sans Pro Light" charset="0"/>
+            </a:endParaRPr>
+          </a:p>
+        </p:txBody>
+      </p:sp>
+      <p:sp>
+        <p:nvSpPr>
+          <p:cNvPr id="51" name="Rectangle 50"/>
+          <p:cNvSpPr/>
+          <p:nvPr/>
+        </p:nvSpPr>
+        <p:spPr>
+          <a:xfrm>
+            <a:off x="1654608" y="3916606"/>
+            <a:ext cx="570989" cy="307777"/>
+          </a:xfrm>
+          <a:prstGeom prst="rect">
+            <a:avLst/>
+          </a:prstGeom>
+        </p:spPr>
+        <p:txBody>
+          <a:bodyPr wrap="none">
+            <a:spAutoFit/>
+          </a:bodyPr>
+          <a:lstStyle/>
+          <a:p>
+            <a:pPr algn="ctr"/>
+            <a:r>
+              <a:rPr lang="en-US" sz="1400" b="0" i="0" dirty="0" smtClean="0">
+                <a:latin typeface="Source Sans Pro Light" charset="0"/>
+                <a:ea typeface="Source Sans Pro Light" charset="0"/>
+                <a:cs typeface="Source Sans Pro Light" charset="0"/>
+              </a:rPr>
+              <a:t>12:00</a:t>
+            </a:r>
+            <a:endParaRPr lang="en-US" sz="1400" b="0" i="0" dirty="0">
+              <a:latin typeface="Source Sans Pro Light" charset="0"/>
+              <a:ea typeface="Source Sans Pro Light" charset="0"/>
+              <a:cs typeface="Source Sans Pro Light" charset="0"/>
+            </a:endParaRPr>
+          </a:p>
+        </p:txBody>
+      </p:sp>
+      <p:cxnSp>
+        <p:nvCxnSpPr>
+          <p:cNvPr id="53" name="Shape 138"/>
+          <p:cNvCxnSpPr/>
+          <p:nvPr/>
+        </p:nvCxnSpPr>
+        <p:spPr>
+          <a:xfrm flipH="1">
+            <a:off x="3554072" y="500752"/>
+            <a:ext cx="31253" cy="3937112"/>
+          </a:xfrm>
+          <a:prstGeom prst="straightConnector1">
+            <a:avLst/>
+          </a:prstGeom>
+          <a:noFill/>
+          <a:ln w="12700" cap="flat" cmpd="sng">
+            <a:solidFill>
+              <a:schemeClr val="bg1">
+                <a:lumMod val="75000"/>
+              </a:schemeClr>
+            </a:solidFill>
+            <a:prstDash val="sysDot"/>
+            <a:round/>
+            <a:headEnd type="none" w="lg" len="lg"/>
+            <a:tailEnd type="stealth" w="lg" len="lg"/>
+          </a:ln>
+        </p:spPr>
+      </p:cxnSp>
+      <p:cxnSp>
+        <p:nvCxnSpPr>
+          <p:cNvPr id="56" name="Shape 138"/>
+          <p:cNvCxnSpPr/>
+          <p:nvPr/>
+        </p:nvCxnSpPr>
+        <p:spPr>
+          <a:xfrm>
+            <a:off x="4933024" y="509106"/>
+            <a:ext cx="0" cy="3939143"/>
+          </a:xfrm>
+          <a:prstGeom prst="straightConnector1">
+            <a:avLst/>
+          </a:prstGeom>
+          <a:noFill/>
+          <a:ln w="12700" cap="flat" cmpd="sng">
+            <a:solidFill>
+              <a:schemeClr val="bg1">
+                <a:lumMod val="75000"/>
+              </a:schemeClr>
+            </a:solidFill>
+            <a:prstDash val="sysDot"/>
+            <a:round/>
+            <a:headEnd type="none" w="lg" len="lg"/>
+            <a:tailEnd type="stealth" w="lg" len="lg"/>
+          </a:ln>
+        </p:spPr>
+      </p:cxnSp>
+      <p:cxnSp>
+        <p:nvCxnSpPr>
+          <p:cNvPr id="62" name="Shape 138"/>
+          <p:cNvCxnSpPr/>
+          <p:nvPr/>
+        </p:nvCxnSpPr>
+        <p:spPr>
+          <a:xfrm>
+            <a:off x="6282198" y="509106"/>
+            <a:ext cx="0" cy="3939143"/>
+          </a:xfrm>
+          <a:prstGeom prst="straightConnector1">
+            <a:avLst/>
+          </a:prstGeom>
+          <a:noFill/>
+          <a:ln w="12700" cap="flat" cmpd="sng">
+            <a:solidFill>
+              <a:schemeClr val="bg1">
+                <a:lumMod val="75000"/>
+              </a:schemeClr>
+            </a:solidFill>
+            <a:prstDash val="sysDot"/>
+            <a:round/>
+            <a:headEnd type="none" w="lg" len="lg"/>
+            <a:tailEnd type="stealth" w="lg" len="lg"/>
+          </a:ln>
+        </p:spPr>
+      </p:cxnSp>
+      <p:sp>
+        <p:nvSpPr>
+          <p:cNvPr id="32" name="Rectangle 31"/>
+          <p:cNvSpPr/>
+          <p:nvPr/>
+        </p:nvSpPr>
+        <p:spPr>
+          <a:xfrm>
+            <a:off x="1203881" y="0"/>
+            <a:ext cx="9926666" cy="6858000"/>
+          </a:xfrm>
+          <a:prstGeom prst="rect">
+            <a:avLst/>
+          </a:prstGeom>
+          <a:noFill/>
+          <a:ln>
+            <a:noFill/>
+          </a:ln>
+        </p:spPr>
+        <p:style>
+          <a:lnRef idx="2">
+            <a:schemeClr val="accent1">
+              <a:shade val="50000"/>
+            </a:schemeClr>
+          </a:lnRef>
+          <a:fillRef idx="1">
+            <a:schemeClr val="accent1"/>
+          </a:fillRef>
+          <a:effectRef idx="0">
+            <a:schemeClr val="accent1"/>
+          </a:effectRef>
+          <a:fontRef idx="minor">
+            <a:schemeClr val="lt1"/>
+          </a:fontRef>
+        </p:style>
+        <p:txBody>
+          <a:bodyPr rtlCol="0" anchor="ctr"/>
+          <a:lstStyle/>
+          <a:p>
+            <a:pPr algn="ctr"/>
+            <a:endParaRPr lang="en-US"/>
+          </a:p>
+        </p:txBody>
+      </p:sp>
+      <p:cxnSp>
+        <p:nvCxnSpPr>
+          <p:cNvPr id="34" name="Shape 138"/>
+          <p:cNvCxnSpPr/>
+          <p:nvPr/>
+        </p:nvCxnSpPr>
+        <p:spPr>
+          <a:xfrm>
+            <a:off x="7629866" y="509106"/>
+            <a:ext cx="1" cy="3928758"/>
+          </a:xfrm>
+          <a:prstGeom prst="straightConnector1">
+            <a:avLst/>
+          </a:prstGeom>
+          <a:noFill/>
+          <a:ln w="12700" cap="flat" cmpd="sng">
+            <a:solidFill>
+              <a:schemeClr val="bg1">
+                <a:lumMod val="75000"/>
+              </a:schemeClr>
+            </a:solidFill>
+            <a:prstDash val="sysDot"/>
+            <a:round/>
+            <a:headEnd type="none" w="lg" len="lg"/>
+            <a:tailEnd type="stealth" w="lg" len="lg"/>
+          </a:ln>
+        </p:spPr>
+      </p:cxnSp>
+      <p:graphicFrame>
+        <p:nvGraphicFramePr>
+          <p:cNvPr id="48" name="Table 47"/>
+          <p:cNvGraphicFramePr>
+            <a:graphicFrameLocks noGrp="1"/>
+          </p:cNvGraphicFramePr>
+          <p:nvPr>
+            <p:extLst>
+              <p:ext uri="{D42A27DB-BD31-4B8C-83A1-F6EECF244321}">
+                <p14:modId xmlns:p14="http://schemas.microsoft.com/office/powerpoint/2010/main" val="175352973"/>
+              </p:ext>
+            </p:extLst>
+          </p:nvPr>
+        </p:nvGraphicFramePr>
+        <p:xfrm>
+          <a:off x="8350105" y="4467869"/>
+          <a:ext cx="1067441" cy="690228"/>
+        </p:xfrm>
+        <a:graphic>
+          <a:graphicData uri="http://schemas.openxmlformats.org/drawingml/2006/table">
+            <a:tbl>
+              <a:tblPr bandRow="1">
+                <a:tableStyleId>{16D9F66E-5EB9-4882-86FB-DCBF35E3C3E4}</a:tableStyleId>
+              </a:tblPr>
+              <a:tblGrid>
+                <a:gridCol w="730100"/>
+                <a:gridCol w="212651"/>
+                <a:gridCol w="124690"/>
+              </a:tblGrid>
+              <a:tr h="230076">
+                <a:tc>
+                  <a:txBody>
+                    <a:bodyPr/>
+                    <a:lstStyle/>
+                    <a:p>
+                      <a:pPr algn="ctr"/>
+                      <a:r>
+                        <a:rPr lang="en-US" sz="1000" b="0" i="0" dirty="0" smtClean="0">
+                          <a:latin typeface="Source Sans Pro Light" charset="0"/>
+                          <a:ea typeface="Source Sans Pro Light" charset="0"/>
+                          <a:cs typeface="Source Sans Pro Light" charset="0"/>
+                        </a:rPr>
+                        <a:t>12:00</a:t>
+                      </a:r>
+                      <a:r>
+                        <a:rPr lang="en-US" sz="1000" b="0" i="0" baseline="0" dirty="0" smtClean="0">
+                          <a:latin typeface="Source Sans Pro Light" charset="0"/>
+                          <a:ea typeface="Source Sans Pro Light" charset="0"/>
+                          <a:cs typeface="Source Sans Pro Light" charset="0"/>
+                        </a:rPr>
+                        <a:t> - 12:10</a:t>
+                      </a:r>
+                      <a:endParaRPr lang="en-US" sz="1000" b="0" i="0" dirty="0">
+                        <a:latin typeface="Source Sans Pro Light" charset="0"/>
+                        <a:ea typeface="Source Sans Pro Light" charset="0"/>
+                        <a:cs typeface="Source Sans Pro Light" charset="0"/>
+                      </a:endParaRPr>
+                    </a:p>
+                  </a:txBody>
+                  <a:tcPr marL="0" marR="0" marT="26915" marB="26915">
+                    <a:lnL w="28575" cap="flat" cmpd="sng" algn="ctr">
+                      <a:solidFill>
+                        <a:schemeClr val="accent6"/>
+                      </a:solidFill>
+                      <a:prstDash val="solid"/>
+                      <a:round/>
+                      <a:headEnd type="none" w="med" len="med"/>
+                      <a:tailEnd type="none" w="med" len="med"/>
+                    </a:lnL>
+                    <a:lnT w="28575" cap="flat" cmpd="sng" algn="ctr">
+                      <a:solidFill>
+                        <a:schemeClr val="accent6"/>
+                      </a:solidFill>
+                      <a:prstDash val="solid"/>
+                      <a:round/>
+                      <a:headEnd type="none" w="med" len="med"/>
+                      <a:tailEnd type="none" w="med" len="med"/>
+                    </a:lnT>
+                  </a:tcPr>
+                </a:tc>
+                <a:tc>
+                  <a:txBody>
+                    <a:bodyPr/>
+                    <a:lstStyle/>
+                    <a:p>
+                      <a:pPr algn="ctr"/>
+                      <a:r>
+                        <a:rPr lang="en-US" sz="1000" b="0" i="0" dirty="0" smtClean="0">
+                          <a:latin typeface="Source Sans Pro Light" charset="0"/>
+                          <a:ea typeface="Source Sans Pro Light" charset="0"/>
+                          <a:cs typeface="Source Sans Pro Light" charset="0"/>
+                        </a:rPr>
+                        <a:t>owl</a:t>
+                      </a:r>
+                      <a:endParaRPr lang="en-US" sz="1000" b="0" i="0" dirty="0">
+                        <a:latin typeface="Source Sans Pro Light" charset="0"/>
+                        <a:ea typeface="Source Sans Pro Light" charset="0"/>
+                        <a:cs typeface="Source Sans Pro Light" charset="0"/>
+                      </a:endParaRPr>
+                    </a:p>
+                  </a:txBody>
+                  <a:tcPr marL="0" marR="0" marT="26915" marB="26915">
+                    <a:lnT w="28575" cap="flat" cmpd="sng" algn="ctr">
+                      <a:solidFill>
+                        <a:schemeClr val="accent6"/>
+                      </a:solidFill>
+                      <a:prstDash val="solid"/>
+                      <a:round/>
+                      <a:headEnd type="none" w="med" len="med"/>
+                      <a:tailEnd type="none" w="med" len="med"/>
+                    </a:lnT>
+                  </a:tcPr>
+                </a:tc>
+                <a:tc>
+                  <a:txBody>
+                    <a:bodyPr/>
+                    <a:lstStyle/>
+                    <a:p>
+                      <a:pPr algn="ctr"/>
+                      <a:r>
+                        <a:rPr lang="en-US" sz="1000" b="0" i="0" dirty="0" smtClean="0">
+                          <a:latin typeface="Source Sans Pro Light" charset="0"/>
+                          <a:ea typeface="Source Sans Pro Light" charset="0"/>
+                          <a:cs typeface="Source Sans Pro Light" charset="0"/>
+                        </a:rPr>
+                        <a:t>1</a:t>
+                      </a:r>
+                      <a:endParaRPr lang="en-US" sz="1000" b="0" i="0" dirty="0">
+                        <a:latin typeface="Source Sans Pro Light" charset="0"/>
+                        <a:ea typeface="Source Sans Pro Light" charset="0"/>
+                        <a:cs typeface="Source Sans Pro Light" charset="0"/>
+                      </a:endParaRPr>
+                    </a:p>
+                  </a:txBody>
+                  <a:tcPr marL="0" marR="0" marT="26915" marB="26915">
+                    <a:lnR w="28575" cap="flat" cmpd="sng" algn="ctr">
+                      <a:solidFill>
+                        <a:schemeClr val="accent6"/>
+                      </a:solidFill>
+                      <a:prstDash val="solid"/>
+                      <a:round/>
+                      <a:headEnd type="none" w="med" len="med"/>
+                      <a:tailEnd type="none" w="med" len="med"/>
+                    </a:lnR>
+                    <a:lnT w="28575" cap="flat" cmpd="sng" algn="ctr">
+                      <a:solidFill>
+                        <a:schemeClr val="accent6"/>
+                      </a:solidFill>
+                      <a:prstDash val="solid"/>
+                      <a:round/>
+                      <a:headEnd type="none" w="med" len="med"/>
+                      <a:tailEnd type="none" w="med" len="med"/>
+                    </a:lnT>
+                  </a:tcPr>
+                </a:tc>
+              </a:tr>
+              <a:tr h="230076">
+                <a:tc>
+                  <a:txBody>
+                    <a:bodyPr/>
+                    <a:lstStyle/>
+                    <a:p>
+                      <a:pPr marL="0" marR="0" indent="0" algn="ctr" defTabSz="914400" rtl="0" eaLnBrk="1" fontAlgn="auto" latinLnBrk="0" hangingPunct="1">
+                        <a:lnSpc>
+                          <a:spcPct val="100000"/>
+                        </a:lnSpc>
+                        <a:spcBef>
+                          <a:spcPts val="0"/>
+                        </a:spcBef>
+                        <a:spcAft>
+                          <a:spcPts val="0"/>
+                        </a:spcAft>
+                        <a:buClrTx/>
+                        <a:buSzTx/>
+                        <a:buFontTx/>
+                        <a:buNone/>
+                        <a:tabLst/>
+                        <a:defRPr/>
+                      </a:pPr>
+                      <a:r>
+                        <a:rPr lang="en-US" sz="1000" b="0" i="0" dirty="0" smtClean="0">
+                          <a:latin typeface="Source Sans Pro Light" charset="0"/>
+                          <a:ea typeface="Source Sans Pro Light" charset="0"/>
+                          <a:cs typeface="Source Sans Pro Light" charset="0"/>
+                        </a:rPr>
+                        <a:t>12:00</a:t>
+                      </a:r>
+                      <a:r>
+                        <a:rPr lang="en-US" sz="1000" b="0" i="0" baseline="0" dirty="0" smtClean="0">
+                          <a:latin typeface="Source Sans Pro Light" charset="0"/>
+                          <a:ea typeface="Source Sans Pro Light" charset="0"/>
+                          <a:cs typeface="Source Sans Pro Light" charset="0"/>
+                        </a:rPr>
+                        <a:t> - 12:10</a:t>
+                      </a:r>
+                      <a:endParaRPr lang="en-US" sz="1000" b="0" i="0" dirty="0" smtClean="0">
+                        <a:latin typeface="Source Sans Pro Light" charset="0"/>
+                        <a:ea typeface="Source Sans Pro Light" charset="0"/>
+                        <a:cs typeface="Source Sans Pro Light" charset="0"/>
+                      </a:endParaRPr>
+                    </a:p>
+                  </a:txBody>
+                  <a:tcPr marL="0" marR="0" marT="26915" marB="26915">
+                    <a:lnL w="28575" cap="flat" cmpd="sng" algn="ctr">
+                      <a:solidFill>
+                        <a:schemeClr val="accent6"/>
+                      </a:solidFill>
+                      <a:prstDash val="solid"/>
+                      <a:round/>
+                      <a:headEnd type="none" w="med" len="med"/>
+                      <a:tailEnd type="none" w="med" len="med"/>
+                    </a:lnL>
+                  </a:tcPr>
+                </a:tc>
+                <a:tc>
+                  <a:txBody>
+                    <a:bodyPr/>
+                    <a:lstStyle/>
+                    <a:p>
+                      <a:pPr algn="ctr"/>
+                      <a:r>
+                        <a:rPr lang="en-US" sz="1000" b="0" i="0" dirty="0" smtClean="0">
+                          <a:latin typeface="Source Sans Pro Light" charset="0"/>
+                          <a:ea typeface="Source Sans Pro Light" charset="0"/>
+                          <a:cs typeface="Source Sans Pro Light" charset="0"/>
+                        </a:rPr>
+                        <a:t>cat</a:t>
+                      </a:r>
+                      <a:endParaRPr lang="en-US" sz="1000" b="0" i="0" dirty="0">
+                        <a:latin typeface="Source Sans Pro Light" charset="0"/>
+                        <a:ea typeface="Source Sans Pro Light" charset="0"/>
+                        <a:cs typeface="Source Sans Pro Light" charset="0"/>
+                      </a:endParaRPr>
+                    </a:p>
+                  </a:txBody>
+                  <a:tcPr marL="0" marR="0" marT="26915" marB="26915"/>
+                </a:tc>
+                <a:tc>
+                  <a:txBody>
+                    <a:bodyPr/>
+                    <a:lstStyle/>
+                    <a:p>
+                      <a:pPr algn="ctr"/>
+                      <a:r>
+                        <a:rPr lang="en-US" sz="1000" b="0" i="0" dirty="0" smtClean="0">
+                          <a:latin typeface="Source Sans Pro Light" charset="0"/>
+                          <a:ea typeface="Source Sans Pro Light" charset="0"/>
+                          <a:cs typeface="Source Sans Pro Light" charset="0"/>
+                        </a:rPr>
+                        <a:t>1</a:t>
+                      </a:r>
+                      <a:endParaRPr lang="en-US" sz="1000" b="0" i="0" dirty="0">
+                        <a:latin typeface="Source Sans Pro Light" charset="0"/>
+                        <a:ea typeface="Source Sans Pro Light" charset="0"/>
+                        <a:cs typeface="Source Sans Pro Light" charset="0"/>
+                      </a:endParaRPr>
+                    </a:p>
+                  </a:txBody>
+                  <a:tcPr marL="0" marR="0" marT="26915" marB="26915">
+                    <a:lnR w="28575" cap="flat" cmpd="sng" algn="ctr">
+                      <a:solidFill>
+                        <a:schemeClr val="accent6"/>
+                      </a:solidFill>
+                      <a:prstDash val="solid"/>
+                      <a:round/>
+                      <a:headEnd type="none" w="med" len="med"/>
+                      <a:tailEnd type="none" w="med" len="med"/>
+                    </a:lnR>
+                  </a:tcPr>
+                </a:tc>
+              </a:tr>
+              <a:tr h="230076">
+                <a:tc>
+                  <a:txBody>
+                    <a:bodyPr/>
+                    <a:lstStyle/>
+                    <a:p>
+                      <a:pPr algn="ctr"/>
+                      <a:r>
+                        <a:rPr lang="en-US" sz="1000" b="0" i="0" dirty="0" smtClean="0">
+                          <a:latin typeface="Source Sans Pro Light" charset="0"/>
+                          <a:ea typeface="Source Sans Pro Light" charset="0"/>
+                          <a:cs typeface="Source Sans Pro Light" charset="0"/>
+                        </a:rPr>
+                        <a:t>12:00</a:t>
+                      </a:r>
+                      <a:r>
+                        <a:rPr lang="en-US" sz="1000" b="0" i="0" baseline="0" dirty="0" smtClean="0">
+                          <a:latin typeface="Source Sans Pro Light" charset="0"/>
+                          <a:ea typeface="Source Sans Pro Light" charset="0"/>
+                          <a:cs typeface="Source Sans Pro Light" charset="0"/>
+                        </a:rPr>
+                        <a:t> - 12:10</a:t>
+                      </a:r>
+                      <a:endParaRPr lang="en-US" sz="1000" b="0" i="0" dirty="0">
+                        <a:latin typeface="Source Sans Pro Light" charset="0"/>
+                        <a:ea typeface="Source Sans Pro Light" charset="0"/>
+                        <a:cs typeface="Source Sans Pro Light" charset="0"/>
+                      </a:endParaRPr>
+                    </a:p>
+                  </a:txBody>
+                  <a:tcPr marL="0" marR="0" marT="26915" marB="26915">
+                    <a:lnL w="28575" cap="flat" cmpd="sng" algn="ctr">
+                      <a:solidFill>
+                        <a:schemeClr val="accent6"/>
+                      </a:solidFill>
+                      <a:prstDash val="solid"/>
+                      <a:round/>
+                      <a:headEnd type="none" w="med" len="med"/>
+                      <a:tailEnd type="none" w="med" len="med"/>
+                    </a:lnL>
+                    <a:lnB w="28575" cap="flat" cmpd="sng" algn="ctr">
+                      <a:solidFill>
+                        <a:schemeClr val="accent6"/>
+                      </a:solidFill>
+                      <a:prstDash val="solid"/>
+                      <a:round/>
+                      <a:headEnd type="none" w="med" len="med"/>
+                      <a:tailEnd type="none" w="med" len="med"/>
+                    </a:lnB>
+                  </a:tcPr>
+                </a:tc>
+                <a:tc>
+                  <a:txBody>
+                    <a:bodyPr/>
+                    <a:lstStyle/>
+                    <a:p>
+                      <a:pPr algn="ctr"/>
+                      <a:r>
+                        <a:rPr lang="en-US" sz="1000" b="0" i="0" dirty="0" smtClean="0">
+                          <a:latin typeface="Source Sans Pro Light" charset="0"/>
+                          <a:ea typeface="Source Sans Pro Light" charset="0"/>
+                          <a:cs typeface="Source Sans Pro Light" charset="0"/>
+                        </a:rPr>
+                        <a:t>dog</a:t>
+                      </a:r>
+                      <a:endParaRPr lang="en-US" sz="1000" b="0" i="0" dirty="0">
+                        <a:latin typeface="Source Sans Pro Light" charset="0"/>
+                        <a:ea typeface="Source Sans Pro Light" charset="0"/>
+                        <a:cs typeface="Source Sans Pro Light" charset="0"/>
+                      </a:endParaRPr>
+                    </a:p>
+                  </a:txBody>
+                  <a:tcPr marL="0" marR="0" marT="26915" marB="26915">
+                    <a:lnB w="28575" cap="flat" cmpd="sng" algn="ctr">
+                      <a:solidFill>
+                        <a:schemeClr val="accent6"/>
+                      </a:solidFill>
+                      <a:prstDash val="solid"/>
+                      <a:round/>
+                      <a:headEnd type="none" w="med" len="med"/>
+                      <a:tailEnd type="none" w="med" len="med"/>
+                    </a:lnB>
+                  </a:tcPr>
+                </a:tc>
+                <a:tc>
+                  <a:txBody>
+                    <a:bodyPr/>
+                    <a:lstStyle/>
+                    <a:p>
+                      <a:pPr algn="ctr"/>
+                      <a:r>
+                        <a:rPr lang="en-US" sz="1000" b="0" i="0" dirty="0" smtClean="0">
+                          <a:latin typeface="Source Sans Pro Light" charset="0"/>
+                          <a:ea typeface="Source Sans Pro Light" charset="0"/>
+                          <a:cs typeface="Source Sans Pro Light" charset="0"/>
+                        </a:rPr>
+                        <a:t>2</a:t>
+                      </a:r>
+                      <a:endParaRPr lang="en-US" sz="1000" b="0" i="0" dirty="0">
+                        <a:latin typeface="Source Sans Pro Light" charset="0"/>
+                        <a:ea typeface="Source Sans Pro Light" charset="0"/>
+                        <a:cs typeface="Source Sans Pro Light" charset="0"/>
+                      </a:endParaRPr>
+                    </a:p>
+                  </a:txBody>
+                  <a:tcPr marL="0" marR="0" marT="26915" marB="26915">
+                    <a:lnR w="28575" cap="flat" cmpd="sng" algn="ctr">
+                      <a:solidFill>
+                        <a:schemeClr val="accent6"/>
+                      </a:solidFill>
+                      <a:prstDash val="solid"/>
+                      <a:round/>
+                      <a:headEnd type="none" w="med" len="med"/>
+                      <a:tailEnd type="none" w="med" len="med"/>
+                    </a:lnR>
+                    <a:lnB w="28575" cap="flat" cmpd="sng" algn="ctr">
+                      <a:solidFill>
+                        <a:schemeClr val="accent6"/>
+                      </a:solidFill>
+                      <a:prstDash val="solid"/>
+                      <a:round/>
+                      <a:headEnd type="none" w="med" len="med"/>
+                      <a:tailEnd type="none" w="med" len="med"/>
+                    </a:lnB>
+                  </a:tcPr>
+                </a:tc>
+              </a:tr>
+            </a:tbl>
+          </a:graphicData>
+        </a:graphic>
+      </p:graphicFrame>
+      <p:cxnSp>
+        <p:nvCxnSpPr>
+          <p:cNvPr id="52" name="Shape 138"/>
+          <p:cNvCxnSpPr/>
+          <p:nvPr/>
+        </p:nvCxnSpPr>
+        <p:spPr>
+          <a:xfrm>
+            <a:off x="8982887" y="500752"/>
+            <a:ext cx="0" cy="3945923"/>
+          </a:xfrm>
+          <a:prstGeom prst="straightConnector1">
+            <a:avLst/>
+          </a:prstGeom>
+          <a:noFill/>
+          <a:ln w="12700" cap="flat" cmpd="sng">
+            <a:solidFill>
+              <a:schemeClr val="bg1">
+                <a:lumMod val="75000"/>
+              </a:schemeClr>
+            </a:solidFill>
+            <a:prstDash val="sysDot"/>
+            <a:round/>
+            <a:headEnd type="none" w="lg" len="lg"/>
+            <a:tailEnd type="stealth" w="lg" len="lg"/>
+          </a:ln>
+        </p:spPr>
+      </p:cxnSp>
+      <p:sp>
+        <p:nvSpPr>
+          <p:cNvPr id="54" name="Rectangle 53"/>
+          <p:cNvSpPr/>
+          <p:nvPr/>
+        </p:nvSpPr>
+        <p:spPr>
+          <a:xfrm>
+            <a:off x="3171822" y="4437907"/>
+            <a:ext cx="4828624" cy="523220"/>
+          </a:xfrm>
+          <a:prstGeom prst="rect">
+            <a:avLst/>
+          </a:prstGeom>
+        </p:spPr>
+        <p:txBody>
+          <a:bodyPr wrap="square">
+            <a:spAutoFit/>
+          </a:bodyPr>
+          <a:lstStyle/>
+          <a:p>
+            <a:pPr algn="ctr"/>
+            <a:r>
+              <a:rPr lang="en-US" sz="1400" dirty="0" smtClean="0">
+                <a:solidFill>
+                  <a:srgbClr val="C00000"/>
+                </a:solidFill>
+                <a:latin typeface="Source Sans Pro Light" charset="0"/>
+                <a:ea typeface="Source Sans Pro Light" charset="0"/>
+                <a:cs typeface="Source Sans Pro Light" charset="0"/>
+              </a:rPr>
+              <a:t>partial counts for window 12:00-12:10 maintained as internal state while waiting for late data, so not yet added  to result table</a:t>
+            </a:r>
+            <a:endParaRPr lang="en-US" sz="1400" b="0" i="0" dirty="0">
+              <a:solidFill>
+                <a:srgbClr val="C00000"/>
+              </a:solidFill>
+              <a:latin typeface="Source Sans Pro Light" charset="0"/>
+              <a:ea typeface="Source Sans Pro Light" charset="0"/>
+              <a:cs typeface="Source Sans Pro Light" charset="0"/>
+            </a:endParaRPr>
+          </a:p>
+        </p:txBody>
+      </p:sp>
+      <p:cxnSp>
+        <p:nvCxnSpPr>
+          <p:cNvPr id="58" name="Shape 128"/>
+          <p:cNvCxnSpPr/>
+          <p:nvPr/>
+        </p:nvCxnSpPr>
+        <p:spPr>
+          <a:xfrm flipV="1">
+            <a:off x="2245241" y="307322"/>
+            <a:ext cx="27128" cy="3656482"/>
+          </a:xfrm>
+          <a:prstGeom prst="straightConnector1">
+            <a:avLst/>
+          </a:prstGeom>
+          <a:noFill/>
+          <a:ln w="28575" cap="flat" cmpd="sng">
+            <a:solidFill>
+              <a:srgbClr val="000000"/>
+            </a:solidFill>
+            <a:prstDash val="solid"/>
+            <a:round/>
+            <a:headEnd type="none" w="lg" len="lg"/>
+            <a:tailEnd type="triangle" w="lg" len="lg"/>
+          </a:ln>
+        </p:spPr>
+      </p:cxnSp>
+      <p:sp>
+        <p:nvSpPr>
+          <p:cNvPr id="59" name="Rectangle 58"/>
+          <p:cNvSpPr/>
+          <p:nvPr/>
+        </p:nvSpPr>
+        <p:spPr>
+          <a:xfrm>
+            <a:off x="1655301" y="3132117"/>
+            <a:ext cx="570989" cy="307777"/>
+          </a:xfrm>
+          <a:prstGeom prst="rect">
+            <a:avLst/>
+          </a:prstGeom>
+        </p:spPr>
+        <p:txBody>
+          <a:bodyPr wrap="none">
+            <a:spAutoFit/>
+          </a:bodyPr>
+          <a:lstStyle/>
+          <a:p>
+            <a:pPr algn="ctr"/>
+            <a:r>
+              <a:rPr lang="en-US" sz="1400" b="0" i="0" dirty="0" smtClean="0">
+                <a:latin typeface="Source Sans Pro Light" charset="0"/>
+                <a:ea typeface="Source Sans Pro Light" charset="0"/>
+                <a:cs typeface="Source Sans Pro Light" charset="0"/>
+              </a:rPr>
+              <a:t>12:05</a:t>
+            </a:r>
+            <a:endParaRPr lang="en-US" sz="1400" b="0" i="0" dirty="0">
+              <a:latin typeface="Source Sans Pro Light" charset="0"/>
+              <a:ea typeface="Source Sans Pro Light" charset="0"/>
+              <a:cs typeface="Source Sans Pro Light" charset="0"/>
+            </a:endParaRPr>
+          </a:p>
+        </p:txBody>
+      </p:sp>
+      <p:sp>
+        <p:nvSpPr>
+          <p:cNvPr id="60" name="Rectangle 59"/>
+          <p:cNvSpPr/>
+          <p:nvPr/>
+        </p:nvSpPr>
+        <p:spPr>
+          <a:xfrm>
+            <a:off x="1660637" y="2477219"/>
+            <a:ext cx="570989" cy="307777"/>
+          </a:xfrm>
+          <a:prstGeom prst="rect">
+            <a:avLst/>
+          </a:prstGeom>
+        </p:spPr>
+        <p:txBody>
+          <a:bodyPr wrap="none">
+            <a:spAutoFit/>
+          </a:bodyPr>
+          <a:lstStyle/>
+          <a:p>
+            <a:pPr algn="ctr"/>
+            <a:r>
+              <a:rPr lang="en-US" sz="1400" b="0" i="0" dirty="0" smtClean="0">
+                <a:latin typeface="Source Sans Pro Light" charset="0"/>
+                <a:ea typeface="Source Sans Pro Light" charset="0"/>
+                <a:cs typeface="Source Sans Pro Light" charset="0"/>
+              </a:rPr>
+              <a:t>12:10</a:t>
+            </a:r>
+            <a:endParaRPr lang="en-US" sz="1400" b="0" i="0" dirty="0">
+              <a:latin typeface="Source Sans Pro Light" charset="0"/>
+              <a:ea typeface="Source Sans Pro Light" charset="0"/>
+              <a:cs typeface="Source Sans Pro Light" charset="0"/>
+            </a:endParaRPr>
+          </a:p>
+        </p:txBody>
+      </p:sp>
+      <p:sp>
+        <p:nvSpPr>
+          <p:cNvPr id="61" name="Rectangle 60"/>
+          <p:cNvSpPr/>
+          <p:nvPr/>
+        </p:nvSpPr>
+        <p:spPr>
+          <a:xfrm>
+            <a:off x="1655301" y="1822321"/>
+            <a:ext cx="570989" cy="307777"/>
+          </a:xfrm>
+          <a:prstGeom prst="rect">
+            <a:avLst/>
+          </a:prstGeom>
+        </p:spPr>
+        <p:txBody>
+          <a:bodyPr wrap="none">
+            <a:spAutoFit/>
+          </a:bodyPr>
+          <a:lstStyle/>
+          <a:p>
+            <a:pPr algn="ctr"/>
+            <a:r>
+              <a:rPr lang="en-US" sz="1400" b="0" i="0" dirty="0" smtClean="0">
+                <a:latin typeface="Source Sans Pro Light" charset="0"/>
+                <a:ea typeface="Source Sans Pro Light" charset="0"/>
+                <a:cs typeface="Source Sans Pro Light" charset="0"/>
+              </a:rPr>
+              <a:t>12:15</a:t>
+            </a:r>
+            <a:endParaRPr lang="en-US" sz="1400" b="0" i="0" dirty="0">
+              <a:latin typeface="Source Sans Pro Light" charset="0"/>
+              <a:ea typeface="Source Sans Pro Light" charset="0"/>
+              <a:cs typeface="Source Sans Pro Light" charset="0"/>
+            </a:endParaRPr>
+          </a:p>
+        </p:txBody>
+      </p:sp>
+      <p:sp>
+        <p:nvSpPr>
+          <p:cNvPr id="63" name="Rectangle 62"/>
+          <p:cNvSpPr/>
+          <p:nvPr/>
+        </p:nvSpPr>
+        <p:spPr>
+          <a:xfrm>
+            <a:off x="1655301" y="1180732"/>
+            <a:ext cx="570989" cy="307777"/>
+          </a:xfrm>
+          <a:prstGeom prst="rect">
+            <a:avLst/>
+          </a:prstGeom>
+        </p:spPr>
+        <p:txBody>
+          <a:bodyPr wrap="none">
+            <a:spAutoFit/>
+          </a:bodyPr>
+          <a:lstStyle/>
+          <a:p>
+            <a:pPr algn="ctr"/>
+            <a:r>
+              <a:rPr lang="en-US" sz="1400" b="0" i="0" dirty="0" smtClean="0">
+                <a:latin typeface="Source Sans Pro Light" charset="0"/>
+                <a:ea typeface="Source Sans Pro Light" charset="0"/>
+                <a:cs typeface="Source Sans Pro Light" charset="0"/>
+              </a:rPr>
+              <a:t>12:20</a:t>
+            </a:r>
+            <a:endParaRPr lang="en-US" sz="1400" b="0" i="0" dirty="0">
+              <a:latin typeface="Source Sans Pro Light" charset="0"/>
+              <a:ea typeface="Source Sans Pro Light" charset="0"/>
+              <a:cs typeface="Source Sans Pro Light" charset="0"/>
+            </a:endParaRPr>
+          </a:p>
+        </p:txBody>
+      </p:sp>
+      <p:sp>
+        <p:nvSpPr>
+          <p:cNvPr id="158" name="Rectangle 157"/>
+          <p:cNvSpPr/>
+          <p:nvPr/>
+        </p:nvSpPr>
+        <p:spPr>
+          <a:xfrm>
+            <a:off x="2321902" y="1082635"/>
+            <a:ext cx="2517791" cy="1468222"/>
+          </a:xfrm>
+          <a:prstGeom prst="rect">
+            <a:avLst/>
+          </a:prstGeom>
+          <a:solidFill>
+            <a:schemeClr val="bg1"/>
+          </a:solidFill>
+          <a:ln>
+            <a:solidFill>
+              <a:schemeClr val="bg1">
+                <a:lumMod val="65000"/>
+              </a:schemeClr>
+            </a:solidFill>
+          </a:ln>
+        </p:spPr>
+        <p:style>
+          <a:lnRef idx="2">
+            <a:schemeClr val="accent1">
+              <a:shade val="50000"/>
+            </a:schemeClr>
+          </a:lnRef>
+          <a:fillRef idx="1">
+            <a:schemeClr val="accent1"/>
+          </a:fillRef>
+          <a:effectRef idx="0">
+            <a:schemeClr val="accent1"/>
+          </a:effectRef>
+          <a:fontRef idx="minor">
+            <a:schemeClr val="lt1"/>
+          </a:fontRef>
+        </p:style>
+        <p:txBody>
+          <a:bodyPr rtlCol="0" anchor="ctr"/>
+          <a:lstStyle/>
+          <a:p>
+            <a:pPr algn="ctr"/>
+            <a:endParaRPr lang="en-US"/>
+          </a:p>
+        </p:txBody>
+      </p:sp>
+      <p:sp>
+        <p:nvSpPr>
+          <p:cNvPr id="5" name="Rectangle 4"/>
+          <p:cNvSpPr/>
+          <p:nvPr/>
+        </p:nvSpPr>
+        <p:spPr>
+          <a:xfrm>
+            <a:off x="3242312" y="4000442"/>
+            <a:ext cx="678392" cy="243892"/>
+          </a:xfrm>
+          <a:prstGeom prst="rect">
+            <a:avLst/>
+          </a:prstGeom>
+          <a:solidFill>
+            <a:schemeClr val="bg1">
+              <a:alpha val="67000"/>
+            </a:schemeClr>
+          </a:solidFill>
+        </p:spPr>
+        <p:txBody>
+          <a:bodyPr wrap="none" anchor="ctr">
+            <a:noAutofit/>
+          </a:bodyPr>
+          <a:lstStyle/>
+          <a:p>
+            <a:pPr algn="ctr"/>
+            <a:r>
+              <a:rPr lang="en-US" sz="1400" b="0" i="0" dirty="0" smtClean="0">
+                <a:latin typeface="Source Sans Pro Light" charset="0"/>
+                <a:ea typeface="Source Sans Pro Light" charset="0"/>
+                <a:cs typeface="Source Sans Pro Light" charset="0"/>
+              </a:rPr>
+              <a:t>12:05</a:t>
+            </a:r>
+            <a:endParaRPr lang="en-US" sz="1400" b="0" i="0" dirty="0">
+              <a:latin typeface="Source Sans Pro Light" charset="0"/>
+              <a:ea typeface="Source Sans Pro Light" charset="0"/>
+              <a:cs typeface="Source Sans Pro Light" charset="0"/>
+            </a:endParaRPr>
+          </a:p>
+        </p:txBody>
+      </p:sp>
+      <p:sp>
+        <p:nvSpPr>
+          <p:cNvPr id="6" name="Rectangle 5"/>
+          <p:cNvSpPr/>
+          <p:nvPr/>
+        </p:nvSpPr>
+        <p:spPr>
+          <a:xfrm>
+            <a:off x="4592657" y="4000442"/>
+            <a:ext cx="678392" cy="243892"/>
+          </a:xfrm>
+          <a:prstGeom prst="rect">
+            <a:avLst/>
+          </a:prstGeom>
+          <a:solidFill>
+            <a:schemeClr val="bg1">
+              <a:alpha val="67000"/>
+            </a:schemeClr>
+          </a:solidFill>
+        </p:spPr>
+        <p:txBody>
+          <a:bodyPr wrap="none" anchor="ctr">
+            <a:noAutofit/>
+          </a:bodyPr>
+          <a:lstStyle/>
+          <a:p>
+            <a:pPr algn="ctr"/>
+            <a:r>
+              <a:rPr lang="en-US" sz="1400" b="0" i="0" dirty="0" smtClean="0">
+                <a:latin typeface="Source Sans Pro Light" charset="0"/>
+                <a:ea typeface="Source Sans Pro Light" charset="0"/>
+                <a:cs typeface="Source Sans Pro Light" charset="0"/>
+              </a:rPr>
+              <a:t>12:10</a:t>
+            </a:r>
+            <a:endParaRPr lang="en-US" sz="1400" b="0" i="0" dirty="0">
+              <a:latin typeface="Source Sans Pro Light" charset="0"/>
+              <a:ea typeface="Source Sans Pro Light" charset="0"/>
+              <a:cs typeface="Source Sans Pro Light" charset="0"/>
+            </a:endParaRPr>
+          </a:p>
+        </p:txBody>
+      </p:sp>
+      <p:sp>
+        <p:nvSpPr>
+          <p:cNvPr id="12" name="Rectangle 11"/>
+          <p:cNvSpPr/>
+          <p:nvPr/>
+        </p:nvSpPr>
+        <p:spPr>
+          <a:xfrm>
+            <a:off x="5943002" y="4000442"/>
+            <a:ext cx="678392" cy="243892"/>
+          </a:xfrm>
+          <a:prstGeom prst="rect">
+            <a:avLst/>
+          </a:prstGeom>
+          <a:solidFill>
+            <a:schemeClr val="bg1">
+              <a:alpha val="67000"/>
+            </a:schemeClr>
+          </a:solidFill>
+        </p:spPr>
+        <p:txBody>
+          <a:bodyPr wrap="none" anchor="ctr">
+            <a:noAutofit/>
+          </a:bodyPr>
+          <a:lstStyle/>
+          <a:p>
+            <a:pPr algn="ctr"/>
+            <a:r>
+              <a:rPr lang="en-US" sz="1400" b="0" i="0" dirty="0" smtClean="0">
+                <a:latin typeface="Source Sans Pro Light" charset="0"/>
+                <a:ea typeface="Source Sans Pro Light" charset="0"/>
+                <a:cs typeface="Source Sans Pro Light" charset="0"/>
+              </a:rPr>
+              <a:t>12:15</a:t>
+            </a:r>
+            <a:endParaRPr lang="en-US" sz="1400" b="0" i="0" dirty="0">
+              <a:latin typeface="Source Sans Pro Light" charset="0"/>
+              <a:ea typeface="Source Sans Pro Light" charset="0"/>
+              <a:cs typeface="Source Sans Pro Light" charset="0"/>
+            </a:endParaRPr>
+          </a:p>
+        </p:txBody>
+      </p:sp>
+      <p:sp>
+        <p:nvSpPr>
+          <p:cNvPr id="33" name="Rectangle 32"/>
+          <p:cNvSpPr/>
+          <p:nvPr/>
+        </p:nvSpPr>
+        <p:spPr>
+          <a:xfrm>
+            <a:off x="7293347" y="3985652"/>
+            <a:ext cx="678392" cy="243892"/>
+          </a:xfrm>
+          <a:prstGeom prst="rect">
+            <a:avLst/>
+          </a:prstGeom>
+          <a:solidFill>
+            <a:schemeClr val="bg1">
+              <a:alpha val="67000"/>
+            </a:schemeClr>
+          </a:solidFill>
+        </p:spPr>
+        <p:txBody>
+          <a:bodyPr wrap="none" anchor="ctr">
+            <a:noAutofit/>
+          </a:bodyPr>
+          <a:lstStyle/>
+          <a:p>
+            <a:pPr algn="ctr"/>
+            <a:r>
+              <a:rPr lang="en-US" sz="1400" b="0" i="0" dirty="0" smtClean="0">
+                <a:latin typeface="Source Sans Pro Light" charset="0"/>
+                <a:ea typeface="Source Sans Pro Light" charset="0"/>
+                <a:cs typeface="Source Sans Pro Light" charset="0"/>
+              </a:rPr>
+              <a:t>12:20</a:t>
+            </a:r>
+            <a:endParaRPr lang="en-US" sz="1400" b="0" i="0" dirty="0">
+              <a:latin typeface="Source Sans Pro Light" charset="0"/>
+              <a:ea typeface="Source Sans Pro Light" charset="0"/>
+              <a:cs typeface="Source Sans Pro Light" charset="0"/>
+            </a:endParaRPr>
+          </a:p>
+        </p:txBody>
+      </p:sp>
+      <p:sp>
+        <p:nvSpPr>
+          <p:cNvPr id="50" name="Rectangle 49"/>
+          <p:cNvSpPr/>
+          <p:nvPr/>
+        </p:nvSpPr>
+        <p:spPr>
+          <a:xfrm>
+            <a:off x="8643691" y="3998868"/>
+            <a:ext cx="678392" cy="243892"/>
+          </a:xfrm>
+          <a:prstGeom prst="rect">
+            <a:avLst/>
+          </a:prstGeom>
+          <a:solidFill>
+            <a:schemeClr val="bg1">
+              <a:alpha val="67000"/>
+            </a:schemeClr>
+          </a:solidFill>
+        </p:spPr>
+        <p:txBody>
+          <a:bodyPr wrap="none" anchor="ctr">
+            <a:noAutofit/>
+          </a:bodyPr>
+          <a:lstStyle/>
+          <a:p>
+            <a:pPr algn="ctr"/>
+            <a:r>
+              <a:rPr lang="en-US" sz="1400" b="0" i="0" dirty="0" smtClean="0">
+                <a:latin typeface="Source Sans Pro Light" charset="0"/>
+                <a:ea typeface="Source Sans Pro Light" charset="0"/>
+                <a:cs typeface="Source Sans Pro Light" charset="0"/>
+              </a:rPr>
+              <a:t>12:25</a:t>
+            </a:r>
+            <a:endParaRPr lang="en-US" sz="1400" b="0" i="0" dirty="0">
+              <a:latin typeface="Source Sans Pro Light" charset="0"/>
+              <a:ea typeface="Source Sans Pro Light" charset="0"/>
+              <a:cs typeface="Source Sans Pro Light" charset="0"/>
+            </a:endParaRPr>
+          </a:p>
+        </p:txBody>
+      </p:sp>
+      <p:cxnSp>
+        <p:nvCxnSpPr>
+          <p:cNvPr id="187" name="Straight Connector 186"/>
+          <p:cNvCxnSpPr/>
+          <p:nvPr/>
+        </p:nvCxnSpPr>
+        <p:spPr>
+          <a:xfrm>
+            <a:off x="6279522" y="1827272"/>
+            <a:ext cx="2676" cy="2494"/>
+          </a:xfrm>
+          <a:prstGeom prst="line">
+            <a:avLst/>
+          </a:prstGeom>
+          <a:ln>
+            <a:prstDash val="sysDot"/>
+          </a:ln>
+        </p:spPr>
+        <p:style>
+          <a:lnRef idx="2">
+            <a:schemeClr val="accent1"/>
+          </a:lnRef>
+          <a:fillRef idx="0">
+            <a:schemeClr val="accent1"/>
+          </a:fillRef>
+          <a:effectRef idx="1">
+            <a:schemeClr val="accent1"/>
+          </a:effectRef>
+          <a:fontRef idx="minor">
+            <a:schemeClr val="tx1"/>
+          </a:fontRef>
+        </p:style>
+      </p:cxnSp>
+      <p:grpSp>
+        <p:nvGrpSpPr>
+          <p:cNvPr id="293" name="Group 292"/>
+          <p:cNvGrpSpPr/>
+          <p:nvPr/>
+        </p:nvGrpSpPr>
+        <p:grpSpPr>
+          <a:xfrm>
+            <a:off x="2454942" y="1129805"/>
+            <a:ext cx="2468750" cy="1429952"/>
+            <a:chOff x="2473109" y="2015663"/>
+            <a:chExt cx="2468750" cy="1429952"/>
+          </a:xfrm>
+        </p:grpSpPr>
+        <p:sp>
+          <p:nvSpPr>
+            <p:cNvPr id="159" name="Oval 158"/>
+            <p:cNvSpPr/>
+            <p:nvPr/>
+          </p:nvSpPr>
+          <p:spPr>
+            <a:xfrm>
+              <a:off x="2510090" y="2070225"/>
+              <a:ext cx="138633" cy="138633"/>
+            </a:xfrm>
+            <a:prstGeom prst="ellipse">
+              <a:avLst/>
+            </a:prstGeom>
+          </p:spPr>
+          <p:style>
+            <a:lnRef idx="1">
+              <a:schemeClr val="accent4"/>
+            </a:lnRef>
+            <a:fillRef idx="2">
+              <a:schemeClr val="accent4"/>
+            </a:fillRef>
+            <a:effectRef idx="1">
+              <a:schemeClr val="accent4"/>
+            </a:effectRef>
+            <a:fontRef idx="minor">
+              <a:schemeClr val="dk1"/>
+            </a:fontRef>
+          </p:style>
+          <p:txBody>
+            <a:bodyPr rtlCol="0" anchor="ctr"/>
+            <a:lstStyle/>
+            <a:p>
+              <a:pPr algn="ctr"/>
+              <a:endParaRPr lang="en-US" sz="1200">
+                <a:solidFill>
+                  <a:schemeClr val="accent4">
+                    <a:lumMod val="50000"/>
+                  </a:schemeClr>
+                </a:solidFill>
+              </a:endParaRPr>
+            </a:p>
+          </p:txBody>
+        </p:sp>
+        <p:sp>
+          <p:nvSpPr>
+            <p:cNvPr id="160" name="Rectangle 159"/>
+            <p:cNvSpPr/>
+            <p:nvPr/>
+          </p:nvSpPr>
+          <p:spPr>
+            <a:xfrm>
+              <a:off x="2665274" y="2015663"/>
+              <a:ext cx="1806905" cy="276999"/>
+            </a:xfrm>
+            <a:prstGeom prst="rect">
+              <a:avLst/>
+            </a:prstGeom>
+          </p:spPr>
+          <p:txBody>
+            <a:bodyPr wrap="none">
+              <a:spAutoFit/>
+            </a:bodyPr>
+            <a:lstStyle/>
+            <a:p>
+              <a:pPr lvl="0"/>
+              <a:r>
+                <a:rPr lang="en-US" sz="1200" dirty="0" smtClean="0">
+                  <a:latin typeface="Source Sans Pro Light" charset="0"/>
+                  <a:ea typeface="Source Sans Pro Light" charset="0"/>
+                  <a:cs typeface="Source Sans Pro Light" charset="0"/>
+                </a:rPr>
+                <a:t>Data as (event time, word)</a:t>
+              </a:r>
+              <a:endParaRPr lang="en-US" sz="1200" dirty="0">
+                <a:latin typeface="Source Sans Pro Light" charset="0"/>
+                <a:ea typeface="Source Sans Pro Light" charset="0"/>
+                <a:cs typeface="Source Sans Pro Light" charset="0"/>
+              </a:endParaRPr>
+            </a:p>
+          </p:txBody>
+        </p:sp>
+        <p:sp>
+          <p:nvSpPr>
+            <p:cNvPr id="161" name="Oval 160"/>
+            <p:cNvSpPr/>
+            <p:nvPr/>
+          </p:nvSpPr>
+          <p:spPr>
+            <a:xfrm>
+              <a:off x="2510090" y="2312941"/>
+              <a:ext cx="138633" cy="138633"/>
+            </a:xfrm>
+            <a:prstGeom prst="ellipse">
+              <a:avLst/>
+            </a:prstGeom>
+          </p:spPr>
+          <p:style>
+            <a:lnRef idx="1">
+              <a:schemeClr val="accent2"/>
+            </a:lnRef>
+            <a:fillRef idx="2">
+              <a:schemeClr val="accent2"/>
+            </a:fillRef>
+            <a:effectRef idx="1">
+              <a:schemeClr val="accent2"/>
+            </a:effectRef>
+            <a:fontRef idx="minor">
+              <a:schemeClr val="dk1"/>
+            </a:fontRef>
+          </p:style>
+          <p:txBody>
+            <a:bodyPr rtlCol="0" anchor="ctr"/>
+            <a:lstStyle/>
+            <a:p>
+              <a:pPr algn="ctr"/>
+              <a:endParaRPr lang="en-US" sz="1200">
+                <a:solidFill>
+                  <a:schemeClr val="accent4">
+                    <a:lumMod val="50000"/>
+                  </a:schemeClr>
+                </a:solidFill>
+              </a:endParaRPr>
+            </a:p>
+          </p:txBody>
+        </p:sp>
+        <p:sp>
+          <p:nvSpPr>
+            <p:cNvPr id="162" name="Rectangle 161"/>
+            <p:cNvSpPr/>
+            <p:nvPr/>
+          </p:nvSpPr>
+          <p:spPr>
+            <a:xfrm>
+              <a:off x="2665274" y="2257620"/>
+              <a:ext cx="2113079" cy="276999"/>
+            </a:xfrm>
+            <a:prstGeom prst="rect">
+              <a:avLst/>
+            </a:prstGeom>
+          </p:spPr>
+          <p:txBody>
+            <a:bodyPr wrap="none">
+              <a:spAutoFit/>
+            </a:bodyPr>
+            <a:lstStyle/>
+            <a:p>
+              <a:pPr lvl="0"/>
+              <a:r>
+                <a:rPr lang="en-US" sz="1200" dirty="0" smtClean="0">
+                  <a:latin typeface="Source Sans Pro Light" charset="0"/>
+                  <a:ea typeface="Source Sans Pro Light" charset="0"/>
+                  <a:cs typeface="Source Sans Pro Light" charset="0"/>
+                </a:rPr>
+                <a:t>Data late but within watermark</a:t>
+              </a:r>
+              <a:endParaRPr lang="en-US" sz="1200" dirty="0">
+                <a:latin typeface="Source Sans Pro Light" charset="0"/>
+                <a:ea typeface="Source Sans Pro Light" charset="0"/>
+                <a:cs typeface="Source Sans Pro Light" charset="0"/>
+              </a:endParaRPr>
+            </a:p>
+          </p:txBody>
+        </p:sp>
+        <p:sp>
+          <p:nvSpPr>
+            <p:cNvPr id="165" name="Oval 164"/>
+            <p:cNvSpPr/>
+            <p:nvPr/>
+          </p:nvSpPr>
+          <p:spPr>
+            <a:xfrm>
+              <a:off x="2510090" y="2532538"/>
+              <a:ext cx="138633" cy="138633"/>
+            </a:xfrm>
+            <a:prstGeom prst="ellipse">
+              <a:avLst/>
+            </a:prstGeom>
+            <a:solidFill>
+              <a:schemeClr val="bg1"/>
+            </a:solidFill>
+            <a:ln w="19050"/>
+          </p:spPr>
+          <p:style>
+            <a:lnRef idx="1">
+              <a:schemeClr val="accent2"/>
+            </a:lnRef>
+            <a:fillRef idx="3">
+              <a:schemeClr val="accent2"/>
+            </a:fillRef>
+            <a:effectRef idx="2">
+              <a:schemeClr val="accent2"/>
+            </a:effectRef>
+            <a:fontRef idx="minor">
+              <a:schemeClr val="lt1"/>
+            </a:fontRef>
+          </p:style>
+          <p:txBody>
+            <a:bodyPr rtlCol="0" anchor="ctr"/>
+            <a:lstStyle/>
+            <a:p>
+              <a:pPr algn="ctr"/>
+              <a:endParaRPr lang="en-US" sz="1200">
+                <a:solidFill>
+                  <a:schemeClr val="accent4">
+                    <a:lumMod val="50000"/>
+                  </a:schemeClr>
+                </a:solidFill>
+              </a:endParaRPr>
+            </a:p>
+          </p:txBody>
+        </p:sp>
+        <p:sp>
+          <p:nvSpPr>
+            <p:cNvPr id="166" name="Rectangle 165"/>
+            <p:cNvSpPr/>
+            <p:nvPr/>
+          </p:nvSpPr>
+          <p:spPr>
+            <a:xfrm>
+              <a:off x="2665274" y="2477217"/>
+              <a:ext cx="2190023" cy="276999"/>
+            </a:xfrm>
+            <a:prstGeom prst="rect">
+              <a:avLst/>
+            </a:prstGeom>
+          </p:spPr>
+          <p:txBody>
+            <a:bodyPr wrap="none">
+              <a:spAutoFit/>
+            </a:bodyPr>
+            <a:lstStyle/>
+            <a:p>
+              <a:pPr lvl="0"/>
+              <a:r>
+                <a:rPr lang="en-US" sz="1200" dirty="0" smtClean="0">
+                  <a:latin typeface="Source Sans Pro Light" charset="0"/>
+                  <a:ea typeface="Source Sans Pro Light" charset="0"/>
+                  <a:cs typeface="Source Sans Pro Light" charset="0"/>
+                </a:rPr>
+                <a:t>Data too late outside watermark</a:t>
+              </a:r>
+              <a:endParaRPr lang="en-US" sz="1200" dirty="0">
+                <a:latin typeface="Source Sans Pro Light" charset="0"/>
+                <a:ea typeface="Source Sans Pro Light" charset="0"/>
+                <a:cs typeface="Source Sans Pro Light" charset="0"/>
+              </a:endParaRPr>
+            </a:p>
+          </p:txBody>
+        </p:sp>
+        <p:cxnSp>
+          <p:nvCxnSpPr>
+            <p:cNvPr id="191" name="Straight Connector 190"/>
+            <p:cNvCxnSpPr/>
+            <p:nvPr/>
+          </p:nvCxnSpPr>
+          <p:spPr>
+            <a:xfrm>
+              <a:off x="2473109" y="2916375"/>
+              <a:ext cx="212595" cy="0"/>
+            </a:xfrm>
+            <a:prstGeom prst="line">
+              <a:avLst/>
+            </a:prstGeom>
+            <a:ln w="28575">
+              <a:prstDash val="sysDot"/>
+            </a:ln>
+          </p:spPr>
+          <p:style>
+            <a:lnRef idx="2">
+              <a:schemeClr val="accent1"/>
+            </a:lnRef>
+            <a:fillRef idx="0">
+              <a:schemeClr val="accent1"/>
+            </a:fillRef>
+            <a:effectRef idx="1">
+              <a:schemeClr val="accent1"/>
+            </a:effectRef>
+            <a:fontRef idx="minor">
+              <a:schemeClr val="tx1"/>
+            </a:fontRef>
+          </p:style>
+        </p:cxnSp>
+        <p:sp>
+          <p:nvSpPr>
+            <p:cNvPr id="193" name="Rectangle 192"/>
+            <p:cNvSpPr/>
+            <p:nvPr/>
+          </p:nvSpPr>
+          <p:spPr>
+            <a:xfrm>
+              <a:off x="2665274" y="2790762"/>
+              <a:ext cx="1930337" cy="276999"/>
+            </a:xfrm>
+            <a:prstGeom prst="rect">
+              <a:avLst/>
+            </a:prstGeom>
+          </p:spPr>
+          <p:txBody>
+            <a:bodyPr wrap="none">
+              <a:spAutoFit/>
+            </a:bodyPr>
+            <a:lstStyle/>
+            <a:p>
+              <a:pPr lvl="0"/>
+              <a:r>
+                <a:rPr lang="en-US" sz="1200" dirty="0" smtClean="0">
+                  <a:latin typeface="Source Sans Pro Light" charset="0"/>
+                  <a:ea typeface="Source Sans Pro Light" charset="0"/>
+                  <a:cs typeface="Source Sans Pro Light" charset="0"/>
+                </a:rPr>
+                <a:t>Max event time seen till now</a:t>
+              </a:r>
+              <a:endParaRPr lang="en-US" sz="1200" dirty="0">
+                <a:latin typeface="Source Sans Pro Light" charset="0"/>
+                <a:ea typeface="Source Sans Pro Light" charset="0"/>
+                <a:cs typeface="Source Sans Pro Light" charset="0"/>
+              </a:endParaRPr>
+            </a:p>
+          </p:txBody>
+        </p:sp>
+        <p:cxnSp>
+          <p:nvCxnSpPr>
+            <p:cNvPr id="194" name="Straight Connector 193"/>
+            <p:cNvCxnSpPr/>
+            <p:nvPr/>
+          </p:nvCxnSpPr>
+          <p:spPr>
+            <a:xfrm>
+              <a:off x="2473109" y="3201794"/>
+              <a:ext cx="212595" cy="0"/>
+            </a:xfrm>
+            <a:prstGeom prst="line">
+              <a:avLst/>
+            </a:prstGeom>
+            <a:effectLst/>
+          </p:spPr>
+          <p:style>
+            <a:lnRef idx="3">
+              <a:schemeClr val="accent2"/>
+            </a:lnRef>
+            <a:fillRef idx="0">
+              <a:schemeClr val="accent2"/>
+            </a:fillRef>
+            <a:effectRef idx="2">
+              <a:schemeClr val="accent2"/>
+            </a:effectRef>
+            <a:fontRef idx="minor">
+              <a:schemeClr val="tx1"/>
+            </a:fontRef>
+          </p:style>
+        </p:cxnSp>
+        <p:sp>
+          <p:nvSpPr>
+            <p:cNvPr id="196" name="Rectangle 195"/>
+            <p:cNvSpPr/>
+            <p:nvPr/>
+          </p:nvSpPr>
+          <p:spPr>
+            <a:xfrm>
+              <a:off x="2665274" y="2983950"/>
+              <a:ext cx="2276585" cy="461665"/>
+            </a:xfrm>
+            <a:prstGeom prst="rect">
+              <a:avLst/>
+            </a:prstGeom>
+          </p:spPr>
+          <p:txBody>
+            <a:bodyPr wrap="none">
+              <a:spAutoFit/>
+            </a:bodyPr>
+            <a:lstStyle/>
+            <a:p>
+              <a:pPr lvl="0"/>
+              <a:r>
+                <a:rPr lang="en-US" sz="1200" dirty="0" smtClean="0">
+                  <a:latin typeface="Source Sans Pro Light" charset="0"/>
+                  <a:ea typeface="Source Sans Pro Light" charset="0"/>
+                  <a:cs typeface="Source Sans Pro Light" charset="0"/>
+                </a:rPr>
+                <a:t>Watermark = </a:t>
+              </a:r>
+            </a:p>
+            <a:p>
+              <a:pPr lvl="0"/>
+              <a:r>
+                <a:rPr lang="en-US" sz="1200" dirty="0" smtClean="0">
+                  <a:latin typeface="Source Sans Pro Light" charset="0"/>
+                  <a:ea typeface="Source Sans Pro Light" charset="0"/>
+                  <a:cs typeface="Source Sans Pro Light" charset="0"/>
+                </a:rPr>
+                <a:t>    max event time -- late threshold</a:t>
+              </a:r>
+              <a:endParaRPr lang="en-US" sz="1200" dirty="0">
+                <a:latin typeface="Source Sans Pro Light" charset="0"/>
+                <a:ea typeface="Source Sans Pro Light" charset="0"/>
+                <a:cs typeface="Source Sans Pro Light" charset="0"/>
+              </a:endParaRPr>
+            </a:p>
+          </p:txBody>
+        </p:sp>
+      </p:grpSp>
+      <p:cxnSp>
+        <p:nvCxnSpPr>
+          <p:cNvPr id="198" name="Straight Arrow Connector 197"/>
+          <p:cNvCxnSpPr/>
+          <p:nvPr/>
+        </p:nvCxnSpPr>
+        <p:spPr>
+          <a:xfrm>
+            <a:off x="6283393" y="2166514"/>
+            <a:ext cx="0" cy="1256867"/>
+          </a:xfrm>
+          <a:prstGeom prst="straightConnector1">
+            <a:avLst/>
+          </a:prstGeom>
+          <a:ln>
+            <a:solidFill>
+              <a:schemeClr val="tx1">
+                <a:lumMod val="50000"/>
+                <a:lumOff val="50000"/>
+              </a:schemeClr>
+            </a:solidFill>
+            <a:headEnd type="arrow" w="med" len="med"/>
+            <a:tailEnd type="arrow" w="med" len="med"/>
+          </a:ln>
+        </p:spPr>
+        <p:style>
+          <a:lnRef idx="3">
+            <a:schemeClr val="dk1"/>
+          </a:lnRef>
+          <a:fillRef idx="0">
+            <a:schemeClr val="dk1"/>
+          </a:fillRef>
+          <a:effectRef idx="2">
+            <a:schemeClr val="dk1"/>
+          </a:effectRef>
+          <a:fontRef idx="minor">
+            <a:schemeClr val="tx1"/>
+          </a:fontRef>
+        </p:style>
+      </p:cxnSp>
+      <p:sp>
+        <p:nvSpPr>
+          <p:cNvPr id="199" name="Rectangle 198"/>
+          <p:cNvSpPr/>
+          <p:nvPr/>
+        </p:nvSpPr>
+        <p:spPr>
+          <a:xfrm>
+            <a:off x="4613616" y="3164187"/>
+            <a:ext cx="1531470" cy="573413"/>
+          </a:xfrm>
+          <a:prstGeom prst="rect">
+            <a:avLst/>
+          </a:prstGeom>
+          <a:solidFill>
+            <a:schemeClr val="bg1">
+              <a:alpha val="72000"/>
+            </a:schemeClr>
+          </a:solidFill>
+        </p:spPr>
+        <p:txBody>
+          <a:bodyPr wrap="square" rIns="0">
+            <a:noAutofit/>
+          </a:bodyPr>
+          <a:lstStyle/>
+          <a:p>
+            <a:pPr lvl="0" algn="r"/>
+            <a:r>
+              <a:rPr lang="en-US" sz="1200" dirty="0" smtClean="0">
+                <a:solidFill>
+                  <a:schemeClr val="tx1">
+                    <a:lumMod val="95000"/>
+                    <a:lumOff val="5000"/>
+                  </a:schemeClr>
+                </a:solidFill>
+                <a:latin typeface="Source Sans Pro Light" charset="0"/>
+                <a:ea typeface="Source Sans Pro Light" charset="0"/>
+                <a:cs typeface="Source Sans Pro Light" charset="0"/>
+              </a:rPr>
+              <a:t>watermark updated every trigger using late threshold = 10 min</a:t>
+            </a:r>
+          </a:p>
+        </p:txBody>
+      </p:sp>
+      <p:grpSp>
+        <p:nvGrpSpPr>
+          <p:cNvPr id="111" name="Group 110"/>
+          <p:cNvGrpSpPr/>
+          <p:nvPr/>
+        </p:nvGrpSpPr>
+        <p:grpSpPr>
+          <a:xfrm>
+            <a:off x="7734446" y="3318449"/>
+            <a:ext cx="898003" cy="325887"/>
+            <a:chOff x="2647737" y="2729624"/>
+            <a:chExt cx="898003" cy="325887"/>
+          </a:xfrm>
+        </p:grpSpPr>
+        <p:sp>
+          <p:nvSpPr>
+            <p:cNvPr id="112" name="Oval 111"/>
+            <p:cNvSpPr/>
+            <p:nvPr/>
+          </p:nvSpPr>
+          <p:spPr>
+            <a:xfrm>
+              <a:off x="3022115" y="2729624"/>
+              <a:ext cx="138633" cy="138633"/>
+            </a:xfrm>
+            <a:prstGeom prst="ellipse">
+              <a:avLst/>
+            </a:prstGeom>
+            <a:solidFill>
+              <a:schemeClr val="bg1"/>
+            </a:solidFill>
+            <a:ln w="19050"/>
+          </p:spPr>
+          <p:style>
+            <a:lnRef idx="1">
+              <a:schemeClr val="accent2"/>
+            </a:lnRef>
+            <a:fillRef idx="3">
+              <a:schemeClr val="accent2"/>
+            </a:fillRef>
+            <a:effectRef idx="2">
+              <a:schemeClr val="accent2"/>
+            </a:effectRef>
+            <a:fontRef idx="minor">
+              <a:schemeClr val="lt1"/>
+            </a:fontRef>
+          </p:style>
+          <p:txBody>
+            <a:bodyPr rtlCol="0" anchor="ctr"/>
+            <a:lstStyle/>
+            <a:p>
+              <a:pPr algn="ctr"/>
+              <a:endParaRPr lang="en-US" sz="1000">
+                <a:solidFill>
+                  <a:schemeClr val="accent4">
+                    <a:lumMod val="50000"/>
+                  </a:schemeClr>
+                </a:solidFill>
+              </a:endParaRPr>
+            </a:p>
+          </p:txBody>
+        </p:sp>
+        <p:sp>
+          <p:nvSpPr>
+            <p:cNvPr id="113" name="Rectangle 112"/>
+            <p:cNvSpPr/>
+            <p:nvPr/>
+          </p:nvSpPr>
+          <p:spPr>
+            <a:xfrm>
+              <a:off x="2647737" y="2809290"/>
+              <a:ext cx="898003" cy="246221"/>
+            </a:xfrm>
+            <a:prstGeom prst="rect">
+              <a:avLst/>
+            </a:prstGeom>
+          </p:spPr>
+          <p:txBody>
+            <a:bodyPr wrap="none">
+              <a:spAutoFit/>
+            </a:bodyPr>
+            <a:lstStyle/>
+            <a:p>
+              <a:pPr lvl="0" algn="ctr"/>
+              <a:r>
+                <a:rPr lang="en-US" sz="1000" dirty="0" smtClean="0">
+                  <a:solidFill>
+                    <a:schemeClr val="accent4">
+                      <a:lumMod val="50000"/>
+                    </a:schemeClr>
+                  </a:solidFill>
+                  <a:latin typeface="Source Sans Pro Light" charset="0"/>
+                  <a:ea typeface="Source Sans Pro Light" charset="0"/>
+                  <a:cs typeface="Source Sans Pro Light" charset="0"/>
+                </a:rPr>
+                <a:t>12:04, donkey</a:t>
+              </a:r>
+              <a:endParaRPr lang="en-US" sz="1000" dirty="0">
+                <a:solidFill>
+                  <a:schemeClr val="accent4">
+                    <a:lumMod val="50000"/>
+                  </a:schemeClr>
+                </a:solidFill>
+                <a:latin typeface="Source Sans Pro Light" charset="0"/>
+                <a:ea typeface="Source Sans Pro Light" charset="0"/>
+                <a:cs typeface="Source Sans Pro Light" charset="0"/>
+              </a:endParaRPr>
+            </a:p>
+          </p:txBody>
+        </p:sp>
+      </p:grpSp>
+      <p:grpSp>
+        <p:nvGrpSpPr>
+          <p:cNvPr id="76" name="Group 75"/>
+          <p:cNvGrpSpPr/>
+          <p:nvPr/>
+        </p:nvGrpSpPr>
+        <p:grpSpPr>
+          <a:xfrm>
+            <a:off x="3637942" y="2941187"/>
+            <a:ext cx="713658" cy="325887"/>
+            <a:chOff x="2739907" y="2729624"/>
+            <a:chExt cx="713658" cy="325887"/>
+          </a:xfrm>
+        </p:grpSpPr>
+        <p:sp>
+          <p:nvSpPr>
+            <p:cNvPr id="77" name="Oval 76"/>
+            <p:cNvSpPr/>
+            <p:nvPr/>
+          </p:nvSpPr>
+          <p:spPr>
+            <a:xfrm>
+              <a:off x="3022115" y="2729624"/>
+              <a:ext cx="138633" cy="138633"/>
+            </a:xfrm>
+            <a:prstGeom prst="ellipse">
+              <a:avLst/>
+            </a:prstGeom>
+          </p:spPr>
+          <p:style>
+            <a:lnRef idx="1">
+              <a:schemeClr val="accent4"/>
+            </a:lnRef>
+            <a:fillRef idx="2">
+              <a:schemeClr val="accent4"/>
+            </a:fillRef>
+            <a:effectRef idx="1">
+              <a:schemeClr val="accent4"/>
+            </a:effectRef>
+            <a:fontRef idx="minor">
+              <a:schemeClr val="dk1"/>
+            </a:fontRef>
+          </p:style>
+          <p:txBody>
+            <a:bodyPr rtlCol="0" anchor="ctr"/>
+            <a:lstStyle/>
+            <a:p>
+              <a:pPr algn="ctr"/>
+              <a:endParaRPr lang="en-US" sz="1000">
+                <a:solidFill>
+                  <a:schemeClr val="accent4">
+                    <a:lumMod val="50000"/>
+                  </a:schemeClr>
+                </a:solidFill>
+              </a:endParaRPr>
+            </a:p>
+          </p:txBody>
+        </p:sp>
+        <p:sp>
+          <p:nvSpPr>
+            <p:cNvPr id="78" name="Rectangle 77"/>
+            <p:cNvSpPr/>
+            <p:nvPr/>
+          </p:nvSpPr>
+          <p:spPr>
+            <a:xfrm>
+              <a:off x="2739907" y="2809290"/>
+              <a:ext cx="713658" cy="246221"/>
+            </a:xfrm>
+            <a:prstGeom prst="rect">
+              <a:avLst/>
+            </a:prstGeom>
+          </p:spPr>
+          <p:txBody>
+            <a:bodyPr wrap="none">
+              <a:spAutoFit/>
+            </a:bodyPr>
+            <a:lstStyle/>
+            <a:p>
+              <a:pPr lvl="0" algn="ctr"/>
+              <a:r>
+                <a:rPr lang="en-US" sz="1000" dirty="0" smtClean="0">
+                  <a:solidFill>
+                    <a:schemeClr val="accent4">
+                      <a:lumMod val="50000"/>
+                    </a:schemeClr>
+                  </a:solidFill>
+                  <a:latin typeface="Source Sans Pro Light" charset="0"/>
+                  <a:ea typeface="Source Sans Pro Light" charset="0"/>
+                  <a:cs typeface="Source Sans Pro Light" charset="0"/>
+                </a:rPr>
+                <a:t>12:07, dog</a:t>
+              </a:r>
+              <a:endParaRPr lang="en-US" sz="1000" dirty="0">
+                <a:solidFill>
+                  <a:schemeClr val="accent4">
+                    <a:lumMod val="50000"/>
+                  </a:schemeClr>
+                </a:solidFill>
+                <a:latin typeface="Source Sans Pro Light" charset="0"/>
+                <a:ea typeface="Source Sans Pro Light" charset="0"/>
+                <a:cs typeface="Source Sans Pro Light" charset="0"/>
+              </a:endParaRPr>
+            </a:p>
+          </p:txBody>
+        </p:sp>
+      </p:grpSp>
+      <p:grpSp>
+        <p:nvGrpSpPr>
+          <p:cNvPr id="79" name="Group 78"/>
+          <p:cNvGrpSpPr/>
+          <p:nvPr/>
+        </p:nvGrpSpPr>
+        <p:grpSpPr>
+          <a:xfrm>
+            <a:off x="5012165" y="2051575"/>
+            <a:ext cx="713658" cy="325887"/>
+            <a:chOff x="2739907" y="2729624"/>
+            <a:chExt cx="713658" cy="325887"/>
+          </a:xfrm>
+        </p:grpSpPr>
+        <p:sp>
+          <p:nvSpPr>
+            <p:cNvPr id="80" name="Oval 79"/>
+            <p:cNvSpPr/>
+            <p:nvPr/>
+          </p:nvSpPr>
+          <p:spPr>
+            <a:xfrm>
+              <a:off x="3022115" y="2729624"/>
+              <a:ext cx="138633" cy="138633"/>
+            </a:xfrm>
+            <a:prstGeom prst="ellipse">
+              <a:avLst/>
+            </a:prstGeom>
+          </p:spPr>
+          <p:style>
+            <a:lnRef idx="1">
+              <a:schemeClr val="accent4"/>
+            </a:lnRef>
+            <a:fillRef idx="2">
+              <a:schemeClr val="accent4"/>
+            </a:fillRef>
+            <a:effectRef idx="1">
+              <a:schemeClr val="accent4"/>
+            </a:effectRef>
+            <a:fontRef idx="minor">
+              <a:schemeClr val="dk1"/>
+            </a:fontRef>
+          </p:style>
+          <p:txBody>
+            <a:bodyPr rtlCol="0" anchor="ctr"/>
+            <a:lstStyle/>
+            <a:p>
+              <a:pPr algn="ctr"/>
+              <a:endParaRPr lang="en-US" sz="1000">
+                <a:solidFill>
+                  <a:schemeClr val="accent4">
+                    <a:lumMod val="50000"/>
+                  </a:schemeClr>
+                </a:solidFill>
+              </a:endParaRPr>
+            </a:p>
+          </p:txBody>
+        </p:sp>
+        <p:sp>
+          <p:nvSpPr>
+            <p:cNvPr id="81" name="Rectangle 80"/>
+            <p:cNvSpPr/>
+            <p:nvPr/>
+          </p:nvSpPr>
+          <p:spPr>
+            <a:xfrm>
+              <a:off x="2739907" y="2809290"/>
+              <a:ext cx="713658" cy="246221"/>
+            </a:xfrm>
+            <a:prstGeom prst="rect">
+              <a:avLst/>
+            </a:prstGeom>
+          </p:spPr>
+          <p:txBody>
+            <a:bodyPr wrap="none">
+              <a:spAutoFit/>
+            </a:bodyPr>
+            <a:lstStyle/>
+            <a:p>
+              <a:pPr lvl="0" algn="ctr"/>
+              <a:r>
+                <a:rPr lang="en-US" sz="1000" dirty="0" smtClean="0">
+                  <a:solidFill>
+                    <a:schemeClr val="accent4">
+                      <a:lumMod val="50000"/>
+                    </a:schemeClr>
+                  </a:solidFill>
+                  <a:latin typeface="Source Sans Pro Light" charset="0"/>
+                  <a:ea typeface="Source Sans Pro Light" charset="0"/>
+                  <a:cs typeface="Source Sans Pro Light" charset="0"/>
+                </a:rPr>
+                <a:t>12:14, dog</a:t>
+              </a:r>
+              <a:endParaRPr lang="en-US" sz="1000" dirty="0">
+                <a:solidFill>
+                  <a:schemeClr val="accent4">
+                    <a:lumMod val="50000"/>
+                  </a:schemeClr>
+                </a:solidFill>
+                <a:latin typeface="Source Sans Pro Light" charset="0"/>
+                <a:ea typeface="Source Sans Pro Light" charset="0"/>
+                <a:cs typeface="Source Sans Pro Light" charset="0"/>
+              </a:endParaRPr>
+            </a:p>
+          </p:txBody>
+        </p:sp>
+      </p:grpSp>
+      <p:grpSp>
+        <p:nvGrpSpPr>
+          <p:cNvPr id="85" name="Group 84"/>
+          <p:cNvGrpSpPr/>
+          <p:nvPr/>
+        </p:nvGrpSpPr>
+        <p:grpSpPr>
+          <a:xfrm>
+            <a:off x="4229757" y="2821128"/>
+            <a:ext cx="699230" cy="325887"/>
+            <a:chOff x="2747122" y="2729624"/>
+            <a:chExt cx="699230" cy="325887"/>
+          </a:xfrm>
+        </p:grpSpPr>
+        <p:sp>
+          <p:nvSpPr>
+            <p:cNvPr id="86" name="Oval 85"/>
+            <p:cNvSpPr/>
+            <p:nvPr/>
+          </p:nvSpPr>
+          <p:spPr>
+            <a:xfrm>
+              <a:off x="3022115" y="2729624"/>
+              <a:ext cx="138633" cy="138633"/>
+            </a:xfrm>
+            <a:prstGeom prst="ellipse">
+              <a:avLst/>
+            </a:prstGeom>
+          </p:spPr>
+          <p:style>
+            <a:lnRef idx="1">
+              <a:schemeClr val="accent4"/>
+            </a:lnRef>
+            <a:fillRef idx="2">
+              <a:schemeClr val="accent4"/>
+            </a:fillRef>
+            <a:effectRef idx="1">
+              <a:schemeClr val="accent4"/>
+            </a:effectRef>
+            <a:fontRef idx="minor">
+              <a:schemeClr val="dk1"/>
+            </a:fontRef>
+          </p:style>
+          <p:txBody>
+            <a:bodyPr rtlCol="0" anchor="ctr"/>
+            <a:lstStyle/>
+            <a:p>
+              <a:pPr algn="ctr"/>
+              <a:endParaRPr lang="en-US" sz="1000">
+                <a:solidFill>
+                  <a:schemeClr val="accent4">
+                    <a:lumMod val="50000"/>
+                  </a:schemeClr>
+                </a:solidFill>
+              </a:endParaRPr>
+            </a:p>
+          </p:txBody>
+        </p:sp>
+        <p:sp>
+          <p:nvSpPr>
+            <p:cNvPr id="87" name="Rectangle 86"/>
+            <p:cNvSpPr/>
+            <p:nvPr/>
+          </p:nvSpPr>
+          <p:spPr>
+            <a:xfrm>
+              <a:off x="2747122" y="2809290"/>
+              <a:ext cx="699230" cy="246221"/>
+            </a:xfrm>
+            <a:prstGeom prst="rect">
+              <a:avLst/>
+            </a:prstGeom>
+          </p:spPr>
+          <p:txBody>
+            <a:bodyPr wrap="none">
+              <a:spAutoFit/>
+            </a:bodyPr>
+            <a:lstStyle/>
+            <a:p>
+              <a:pPr lvl="0" algn="ctr"/>
+              <a:r>
+                <a:rPr lang="en-US" sz="1000" dirty="0" smtClean="0">
+                  <a:solidFill>
+                    <a:schemeClr val="accent4">
+                      <a:lumMod val="50000"/>
+                    </a:schemeClr>
+                  </a:solidFill>
+                  <a:latin typeface="Source Sans Pro Light" charset="0"/>
+                  <a:ea typeface="Source Sans Pro Light" charset="0"/>
+                  <a:cs typeface="Source Sans Pro Light" charset="0"/>
+                </a:rPr>
+                <a:t>12:08, owl</a:t>
+              </a:r>
+              <a:endParaRPr lang="en-US" sz="1000" dirty="0">
+                <a:solidFill>
+                  <a:schemeClr val="accent4">
+                    <a:lumMod val="50000"/>
+                  </a:schemeClr>
+                </a:solidFill>
+                <a:latin typeface="Source Sans Pro Light" charset="0"/>
+                <a:ea typeface="Source Sans Pro Light" charset="0"/>
+                <a:cs typeface="Source Sans Pro Light" charset="0"/>
+              </a:endParaRPr>
+            </a:p>
+          </p:txBody>
+        </p:sp>
+      </p:grpSp>
+      <p:grpSp>
+        <p:nvGrpSpPr>
+          <p:cNvPr id="88" name="Group 87"/>
+          <p:cNvGrpSpPr/>
+          <p:nvPr/>
+        </p:nvGrpSpPr>
+        <p:grpSpPr>
+          <a:xfrm>
+            <a:off x="5412541" y="2659932"/>
+            <a:ext cx="673582" cy="325887"/>
+            <a:chOff x="2759945" y="2729624"/>
+            <a:chExt cx="673582" cy="325887"/>
+          </a:xfrm>
+        </p:grpSpPr>
+        <p:sp>
+          <p:nvSpPr>
+            <p:cNvPr id="89" name="Oval 88"/>
+            <p:cNvSpPr/>
+            <p:nvPr/>
+          </p:nvSpPr>
+          <p:spPr>
+            <a:xfrm>
+              <a:off x="3022115" y="2729624"/>
+              <a:ext cx="138633" cy="138633"/>
+            </a:xfrm>
+            <a:prstGeom prst="ellipse">
+              <a:avLst/>
+            </a:prstGeom>
+          </p:spPr>
+          <p:style>
+            <a:lnRef idx="1">
+              <a:schemeClr val="accent2"/>
+            </a:lnRef>
+            <a:fillRef idx="2">
+              <a:schemeClr val="accent2"/>
+            </a:fillRef>
+            <a:effectRef idx="1">
+              <a:schemeClr val="accent2"/>
+            </a:effectRef>
+            <a:fontRef idx="minor">
+              <a:schemeClr val="dk1"/>
+            </a:fontRef>
+          </p:style>
+          <p:txBody>
+            <a:bodyPr rtlCol="0" anchor="ctr"/>
+            <a:lstStyle/>
+            <a:p>
+              <a:pPr algn="ctr"/>
+              <a:endParaRPr lang="en-US" sz="1000">
+                <a:solidFill>
+                  <a:schemeClr val="accent4">
+                    <a:lumMod val="50000"/>
+                  </a:schemeClr>
+                </a:solidFill>
+              </a:endParaRPr>
+            </a:p>
+          </p:txBody>
+        </p:sp>
+        <p:sp>
+          <p:nvSpPr>
+            <p:cNvPr id="90" name="Rectangle 89"/>
+            <p:cNvSpPr/>
+            <p:nvPr/>
+          </p:nvSpPr>
+          <p:spPr>
+            <a:xfrm>
+              <a:off x="2759945" y="2809290"/>
+              <a:ext cx="673582" cy="246221"/>
+            </a:xfrm>
+            <a:prstGeom prst="rect">
+              <a:avLst/>
+            </a:prstGeom>
+          </p:spPr>
+          <p:txBody>
+            <a:bodyPr wrap="none">
+              <a:spAutoFit/>
+            </a:bodyPr>
+            <a:lstStyle/>
+            <a:p>
+              <a:pPr lvl="0" algn="ctr"/>
+              <a:r>
+                <a:rPr lang="en-US" sz="1000" dirty="0" smtClean="0">
+                  <a:solidFill>
+                    <a:schemeClr val="accent4">
+                      <a:lumMod val="50000"/>
+                    </a:schemeClr>
+                  </a:solidFill>
+                  <a:latin typeface="Source Sans Pro Light" charset="0"/>
+                  <a:ea typeface="Source Sans Pro Light" charset="0"/>
+                  <a:cs typeface="Source Sans Pro Light" charset="0"/>
+                </a:rPr>
+                <a:t>12:09, cat</a:t>
+              </a:r>
+              <a:endParaRPr lang="en-US" sz="1000" dirty="0">
+                <a:solidFill>
+                  <a:schemeClr val="accent4">
+                    <a:lumMod val="50000"/>
+                  </a:schemeClr>
+                </a:solidFill>
+                <a:latin typeface="Source Sans Pro Light" charset="0"/>
+                <a:ea typeface="Source Sans Pro Light" charset="0"/>
+                <a:cs typeface="Source Sans Pro Light" charset="0"/>
+              </a:endParaRPr>
+            </a:p>
+          </p:txBody>
+        </p:sp>
+      </p:grpSp>
+      <p:grpSp>
+        <p:nvGrpSpPr>
+          <p:cNvPr id="91" name="Group 90"/>
+          <p:cNvGrpSpPr/>
+          <p:nvPr/>
+        </p:nvGrpSpPr>
+        <p:grpSpPr>
+          <a:xfrm>
+            <a:off x="6470151" y="1906007"/>
+            <a:ext cx="673582" cy="325887"/>
+            <a:chOff x="2759946" y="2729624"/>
+            <a:chExt cx="673582" cy="325887"/>
+          </a:xfrm>
+        </p:grpSpPr>
+        <p:sp>
+          <p:nvSpPr>
+            <p:cNvPr id="92" name="Oval 91"/>
+            <p:cNvSpPr/>
+            <p:nvPr/>
+          </p:nvSpPr>
+          <p:spPr>
+            <a:xfrm>
+              <a:off x="3022115" y="2729624"/>
+              <a:ext cx="138633" cy="138633"/>
+            </a:xfrm>
+            <a:prstGeom prst="ellipse">
+              <a:avLst/>
+            </a:prstGeom>
+          </p:spPr>
+          <p:style>
+            <a:lnRef idx="1">
+              <a:schemeClr val="accent4"/>
+            </a:lnRef>
+            <a:fillRef idx="2">
+              <a:schemeClr val="accent4"/>
+            </a:fillRef>
+            <a:effectRef idx="1">
+              <a:schemeClr val="accent4"/>
+            </a:effectRef>
+            <a:fontRef idx="minor">
+              <a:schemeClr val="dk1"/>
+            </a:fontRef>
+          </p:style>
+          <p:txBody>
+            <a:bodyPr rtlCol="0" anchor="ctr"/>
+            <a:lstStyle/>
+            <a:p>
+              <a:pPr algn="ctr"/>
+              <a:endParaRPr lang="en-US" sz="1000">
+                <a:solidFill>
+                  <a:schemeClr val="accent4">
+                    <a:lumMod val="50000"/>
+                  </a:schemeClr>
+                </a:solidFill>
+              </a:endParaRPr>
+            </a:p>
+          </p:txBody>
+        </p:sp>
+        <p:sp>
+          <p:nvSpPr>
+            <p:cNvPr id="93" name="Rectangle 92"/>
+            <p:cNvSpPr/>
+            <p:nvPr/>
+          </p:nvSpPr>
+          <p:spPr>
+            <a:xfrm>
+              <a:off x="2759946" y="2809290"/>
+              <a:ext cx="673582" cy="246221"/>
+            </a:xfrm>
+            <a:prstGeom prst="rect">
+              <a:avLst/>
+            </a:prstGeom>
+          </p:spPr>
+          <p:txBody>
+            <a:bodyPr wrap="none">
+              <a:spAutoFit/>
+            </a:bodyPr>
+            <a:lstStyle/>
+            <a:p>
+              <a:pPr lvl="0" algn="ctr"/>
+              <a:r>
+                <a:rPr lang="en-US" sz="1000" dirty="0" smtClean="0">
+                  <a:solidFill>
+                    <a:schemeClr val="accent4">
+                      <a:lumMod val="50000"/>
+                    </a:schemeClr>
+                  </a:solidFill>
+                  <a:latin typeface="Source Sans Pro Light" charset="0"/>
+                  <a:ea typeface="Source Sans Pro Light" charset="0"/>
+                  <a:cs typeface="Source Sans Pro Light" charset="0"/>
+                </a:rPr>
+                <a:t>12:15, cat</a:t>
+              </a:r>
+              <a:endParaRPr lang="en-US" sz="1000" dirty="0">
+                <a:solidFill>
+                  <a:schemeClr val="accent4">
+                    <a:lumMod val="50000"/>
+                  </a:schemeClr>
+                </a:solidFill>
+                <a:latin typeface="Source Sans Pro Light" charset="0"/>
+                <a:ea typeface="Source Sans Pro Light" charset="0"/>
+                <a:cs typeface="Source Sans Pro Light" charset="0"/>
+              </a:endParaRPr>
+            </a:p>
+          </p:txBody>
+        </p:sp>
+      </p:grpSp>
+      <p:grpSp>
+        <p:nvGrpSpPr>
+          <p:cNvPr id="94" name="Group 93"/>
+          <p:cNvGrpSpPr/>
+          <p:nvPr/>
+        </p:nvGrpSpPr>
+        <p:grpSpPr>
+          <a:xfrm>
+            <a:off x="6906055" y="2212267"/>
+            <a:ext cx="699230" cy="325887"/>
+            <a:chOff x="2747122" y="2729624"/>
+            <a:chExt cx="699230" cy="325887"/>
+          </a:xfrm>
+        </p:grpSpPr>
+        <p:sp>
+          <p:nvSpPr>
+            <p:cNvPr id="95" name="Oval 94"/>
+            <p:cNvSpPr/>
+            <p:nvPr/>
+          </p:nvSpPr>
+          <p:spPr>
+            <a:xfrm>
+              <a:off x="3022115" y="2729624"/>
+              <a:ext cx="138633" cy="138633"/>
+            </a:xfrm>
+            <a:prstGeom prst="ellipse">
+              <a:avLst/>
+            </a:prstGeom>
+          </p:spPr>
+          <p:style>
+            <a:lnRef idx="1">
+              <a:schemeClr val="accent2"/>
+            </a:lnRef>
+            <a:fillRef idx="2">
+              <a:schemeClr val="accent2"/>
+            </a:fillRef>
+            <a:effectRef idx="1">
+              <a:schemeClr val="accent2"/>
+            </a:effectRef>
+            <a:fontRef idx="minor">
+              <a:schemeClr val="dk1"/>
+            </a:fontRef>
+          </p:style>
+          <p:txBody>
+            <a:bodyPr rtlCol="0" anchor="ctr"/>
+            <a:lstStyle/>
+            <a:p>
+              <a:pPr algn="ctr"/>
+              <a:endParaRPr lang="en-US" sz="1000">
+                <a:solidFill>
+                  <a:schemeClr val="accent4">
+                    <a:lumMod val="50000"/>
+                  </a:schemeClr>
+                </a:solidFill>
+              </a:endParaRPr>
+            </a:p>
+          </p:txBody>
+        </p:sp>
+        <p:sp>
+          <p:nvSpPr>
+            <p:cNvPr id="96" name="Rectangle 95"/>
+            <p:cNvSpPr/>
+            <p:nvPr/>
+          </p:nvSpPr>
+          <p:spPr>
+            <a:xfrm>
+              <a:off x="2747122" y="2809290"/>
+              <a:ext cx="699230" cy="246221"/>
+            </a:xfrm>
+            <a:prstGeom prst="rect">
+              <a:avLst/>
+            </a:prstGeom>
+          </p:spPr>
+          <p:txBody>
+            <a:bodyPr wrap="none">
+              <a:spAutoFit/>
+            </a:bodyPr>
+            <a:lstStyle/>
+            <a:p>
+              <a:pPr lvl="0" algn="ctr"/>
+              <a:r>
+                <a:rPr lang="en-US" sz="1000" dirty="0" smtClean="0">
+                  <a:solidFill>
+                    <a:schemeClr val="accent4">
+                      <a:lumMod val="50000"/>
+                    </a:schemeClr>
+                  </a:solidFill>
+                  <a:latin typeface="Source Sans Pro Light" charset="0"/>
+                  <a:ea typeface="Source Sans Pro Light" charset="0"/>
+                  <a:cs typeface="Source Sans Pro Light" charset="0"/>
+                </a:rPr>
+                <a:t>12:13, owl</a:t>
+              </a:r>
+              <a:endParaRPr lang="en-US" sz="1000" dirty="0">
+                <a:solidFill>
+                  <a:schemeClr val="accent4">
+                    <a:lumMod val="50000"/>
+                  </a:schemeClr>
+                </a:solidFill>
+                <a:latin typeface="Source Sans Pro Light" charset="0"/>
+                <a:ea typeface="Source Sans Pro Light" charset="0"/>
+                <a:cs typeface="Source Sans Pro Light" charset="0"/>
+              </a:endParaRPr>
+            </a:p>
+          </p:txBody>
+        </p:sp>
+      </p:grpSp>
+      <p:grpSp>
+        <p:nvGrpSpPr>
+          <p:cNvPr id="97" name="Group 96"/>
+          <p:cNvGrpSpPr/>
+          <p:nvPr/>
+        </p:nvGrpSpPr>
+        <p:grpSpPr>
+          <a:xfrm>
+            <a:off x="6560116" y="2824982"/>
+            <a:ext cx="713658" cy="325887"/>
+            <a:chOff x="2739909" y="2729624"/>
+            <a:chExt cx="713658" cy="325887"/>
+          </a:xfrm>
+        </p:grpSpPr>
+        <p:sp>
+          <p:nvSpPr>
+            <p:cNvPr id="98" name="Oval 97"/>
+            <p:cNvSpPr/>
+            <p:nvPr/>
+          </p:nvSpPr>
+          <p:spPr>
+            <a:xfrm>
+              <a:off x="3022115" y="2729624"/>
+              <a:ext cx="138633" cy="138633"/>
+            </a:xfrm>
+            <a:prstGeom prst="ellipse">
+              <a:avLst/>
+            </a:prstGeom>
+          </p:spPr>
+          <p:style>
+            <a:lnRef idx="1">
+              <a:schemeClr val="accent2"/>
+            </a:lnRef>
+            <a:fillRef idx="2">
+              <a:schemeClr val="accent2"/>
+            </a:fillRef>
+            <a:effectRef idx="1">
+              <a:schemeClr val="accent2"/>
+            </a:effectRef>
+            <a:fontRef idx="minor">
+              <a:schemeClr val="dk1"/>
+            </a:fontRef>
+          </p:style>
+          <p:txBody>
+            <a:bodyPr rtlCol="0" anchor="ctr"/>
+            <a:lstStyle/>
+            <a:p>
+              <a:pPr algn="ctr"/>
+              <a:endParaRPr lang="en-US" sz="1000">
+                <a:solidFill>
+                  <a:schemeClr val="accent4">
+                    <a:lumMod val="50000"/>
+                  </a:schemeClr>
+                </a:solidFill>
+              </a:endParaRPr>
+            </a:p>
+          </p:txBody>
+        </p:sp>
+        <p:sp>
+          <p:nvSpPr>
+            <p:cNvPr id="99" name="Rectangle 98"/>
+            <p:cNvSpPr/>
+            <p:nvPr/>
+          </p:nvSpPr>
+          <p:spPr>
+            <a:xfrm>
+              <a:off x="2739909" y="2809290"/>
+              <a:ext cx="713658" cy="246221"/>
+            </a:xfrm>
+            <a:prstGeom prst="rect">
+              <a:avLst/>
+            </a:prstGeom>
+          </p:spPr>
+          <p:txBody>
+            <a:bodyPr wrap="none">
+              <a:spAutoFit/>
+            </a:bodyPr>
+            <a:lstStyle/>
+            <a:p>
+              <a:pPr lvl="0" algn="ctr"/>
+              <a:r>
+                <a:rPr lang="en-US" sz="1000" dirty="0" smtClean="0">
+                  <a:solidFill>
+                    <a:schemeClr val="accent4">
+                      <a:lumMod val="50000"/>
+                    </a:schemeClr>
+                  </a:solidFill>
+                  <a:latin typeface="Source Sans Pro Light" charset="0"/>
+                  <a:ea typeface="Source Sans Pro Light" charset="0"/>
+                  <a:cs typeface="Source Sans Pro Light" charset="0"/>
+                </a:rPr>
+                <a:t>12:08, dog</a:t>
+              </a:r>
+              <a:endParaRPr lang="en-US" sz="1000" dirty="0">
+                <a:solidFill>
+                  <a:schemeClr val="accent4">
+                    <a:lumMod val="50000"/>
+                  </a:schemeClr>
+                </a:solidFill>
+                <a:latin typeface="Source Sans Pro Light" charset="0"/>
+                <a:ea typeface="Source Sans Pro Light" charset="0"/>
+                <a:cs typeface="Source Sans Pro Light" charset="0"/>
+              </a:endParaRPr>
+            </a:p>
+          </p:txBody>
+        </p:sp>
+      </p:grpSp>
+      <p:sp>
+        <p:nvSpPr>
+          <p:cNvPr id="205" name="Shape 127"/>
+          <p:cNvSpPr txBox="1"/>
+          <p:nvPr/>
+        </p:nvSpPr>
+        <p:spPr>
+          <a:xfrm rot="16200000">
+            <a:off x="810845" y="2076895"/>
+            <a:ext cx="1327564" cy="445876"/>
+          </a:xfrm>
+          <a:prstGeom prst="rect">
+            <a:avLst/>
+          </a:prstGeom>
+          <a:noFill/>
+          <a:ln>
+            <a:noFill/>
+          </a:ln>
+        </p:spPr>
+        <p:txBody>
+          <a:bodyPr lIns="91425" tIns="91425" rIns="91425" bIns="91425" anchor="t" anchorCtr="0">
+            <a:noAutofit/>
+          </a:bodyPr>
+          <a:lstStyle/>
+          <a:p>
+            <a:pPr lvl="0" rtl="0">
+              <a:spcBef>
+                <a:spcPts val="0"/>
+              </a:spcBef>
+              <a:buNone/>
+            </a:pPr>
+            <a:r>
+              <a:rPr lang="en-US" sz="1800" dirty="0" smtClean="0">
+                <a:latin typeface="Source Sans Pro Light" charset="0"/>
+                <a:ea typeface="Source Sans Pro Light" charset="0"/>
+                <a:cs typeface="Source Sans Pro Light" charset="0"/>
+              </a:rPr>
+              <a:t>Event Time</a:t>
+            </a:r>
+            <a:endParaRPr lang="en" sz="1800" dirty="0">
+              <a:latin typeface="Source Sans Pro Light" charset="0"/>
+              <a:ea typeface="Source Sans Pro Light" charset="0"/>
+              <a:cs typeface="Source Sans Pro Light" charset="0"/>
+            </a:endParaRPr>
+          </a:p>
+        </p:txBody>
+      </p:sp>
+      <p:sp>
+        <p:nvSpPr>
+          <p:cNvPr id="209" name="Rectangle 208"/>
+          <p:cNvSpPr/>
+          <p:nvPr/>
+        </p:nvSpPr>
+        <p:spPr>
+          <a:xfrm>
+            <a:off x="8899984" y="3409557"/>
+            <a:ext cx="1430572" cy="461665"/>
+          </a:xfrm>
+          <a:prstGeom prst="rect">
+            <a:avLst/>
+          </a:prstGeom>
+          <a:solidFill>
+            <a:schemeClr val="bg1">
+              <a:alpha val="60000"/>
+            </a:schemeClr>
+          </a:solidFill>
+        </p:spPr>
+        <p:txBody>
+          <a:bodyPr wrap="square">
+            <a:spAutoFit/>
+          </a:bodyPr>
+          <a:lstStyle/>
+          <a:p>
+            <a:pPr lvl="0" algn="ctr"/>
+            <a:r>
+              <a:rPr lang="en-US" sz="1200" dirty="0" smtClean="0">
+                <a:solidFill>
+                  <a:schemeClr val="tx1">
+                    <a:lumMod val="95000"/>
+                    <a:lumOff val="5000"/>
+                  </a:schemeClr>
+                </a:solidFill>
+                <a:latin typeface="Source Sans Pro Light" charset="0"/>
+                <a:ea typeface="Source Sans Pro Light" charset="0"/>
+                <a:cs typeface="Source Sans Pro Light" charset="0"/>
+              </a:rPr>
+              <a:t>data too late, ignored in counts</a:t>
+            </a:r>
+            <a:endParaRPr lang="en-US" sz="1200" dirty="0">
+              <a:solidFill>
+                <a:schemeClr val="tx1">
+                  <a:lumMod val="95000"/>
+                  <a:lumOff val="5000"/>
+                </a:schemeClr>
+              </a:solidFill>
+              <a:latin typeface="Source Sans Pro Light" charset="0"/>
+              <a:ea typeface="Source Sans Pro Light" charset="0"/>
+              <a:cs typeface="Source Sans Pro Light" charset="0"/>
+            </a:endParaRPr>
+          </a:p>
+        </p:txBody>
+      </p:sp>
+      <p:grpSp>
+        <p:nvGrpSpPr>
+          <p:cNvPr id="224" name="Group 223"/>
+          <p:cNvGrpSpPr/>
+          <p:nvPr/>
+        </p:nvGrpSpPr>
+        <p:grpSpPr>
+          <a:xfrm>
+            <a:off x="7282927" y="1115623"/>
+            <a:ext cx="699230" cy="339919"/>
+            <a:chOff x="2957494" y="2729624"/>
+            <a:chExt cx="699230" cy="339919"/>
+          </a:xfrm>
+        </p:grpSpPr>
+        <p:sp>
+          <p:nvSpPr>
+            <p:cNvPr id="225" name="Oval 224"/>
+            <p:cNvSpPr/>
+            <p:nvPr/>
+          </p:nvSpPr>
+          <p:spPr>
+            <a:xfrm>
+              <a:off x="3022115" y="2729624"/>
+              <a:ext cx="138633" cy="138633"/>
+            </a:xfrm>
+            <a:prstGeom prst="ellipse">
+              <a:avLst/>
+            </a:prstGeom>
+          </p:spPr>
+          <p:style>
+            <a:lnRef idx="1">
+              <a:schemeClr val="accent4"/>
+            </a:lnRef>
+            <a:fillRef idx="2">
+              <a:schemeClr val="accent4"/>
+            </a:fillRef>
+            <a:effectRef idx="1">
+              <a:schemeClr val="accent4"/>
+            </a:effectRef>
+            <a:fontRef idx="minor">
+              <a:schemeClr val="dk1"/>
+            </a:fontRef>
+          </p:style>
+          <p:txBody>
+            <a:bodyPr rtlCol="0" anchor="ctr"/>
+            <a:lstStyle/>
+            <a:p>
+              <a:pPr algn="ctr"/>
+              <a:endParaRPr lang="en-US" sz="1000">
+                <a:solidFill>
+                  <a:schemeClr val="accent4">
+                    <a:lumMod val="50000"/>
+                  </a:schemeClr>
+                </a:solidFill>
+              </a:endParaRPr>
+            </a:p>
+          </p:txBody>
+        </p:sp>
+        <p:sp>
+          <p:nvSpPr>
+            <p:cNvPr id="226" name="Rectangle 225"/>
+            <p:cNvSpPr/>
+            <p:nvPr/>
+          </p:nvSpPr>
+          <p:spPr>
+            <a:xfrm>
+              <a:off x="2957494" y="2823322"/>
+              <a:ext cx="699230" cy="246221"/>
+            </a:xfrm>
+            <a:prstGeom prst="rect">
+              <a:avLst/>
+            </a:prstGeom>
+          </p:spPr>
+          <p:txBody>
+            <a:bodyPr wrap="none">
+              <a:spAutoFit/>
+            </a:bodyPr>
+            <a:lstStyle/>
+            <a:p>
+              <a:pPr lvl="0" algn="ctr"/>
+              <a:r>
+                <a:rPr lang="en-US" sz="1000" dirty="0" smtClean="0">
+                  <a:solidFill>
+                    <a:schemeClr val="accent4">
+                      <a:lumMod val="50000"/>
+                    </a:schemeClr>
+                  </a:solidFill>
+                  <a:latin typeface="Source Sans Pro Light" charset="0"/>
+                  <a:ea typeface="Source Sans Pro Light" charset="0"/>
+                  <a:cs typeface="Source Sans Pro Light" charset="0"/>
+                </a:rPr>
+                <a:t>12:21, owl</a:t>
+              </a:r>
+              <a:endParaRPr lang="en-US" sz="1000" dirty="0">
+                <a:solidFill>
+                  <a:schemeClr val="accent4">
+                    <a:lumMod val="50000"/>
+                  </a:schemeClr>
+                </a:solidFill>
+                <a:latin typeface="Source Sans Pro Light" charset="0"/>
+                <a:ea typeface="Source Sans Pro Light" charset="0"/>
+                <a:cs typeface="Source Sans Pro Light" charset="0"/>
+              </a:endParaRPr>
+            </a:p>
+          </p:txBody>
+        </p:sp>
+      </p:grpSp>
+      <p:sp>
+        <p:nvSpPr>
+          <p:cNvPr id="250" name="Rectangle 249"/>
+          <p:cNvSpPr/>
+          <p:nvPr/>
+        </p:nvSpPr>
+        <p:spPr>
+          <a:xfrm>
+            <a:off x="6228314" y="3439792"/>
+            <a:ext cx="1436612" cy="246221"/>
+          </a:xfrm>
+          <a:prstGeom prst="rect">
+            <a:avLst/>
+          </a:prstGeom>
+        </p:spPr>
+        <p:txBody>
+          <a:bodyPr wrap="none">
+            <a:spAutoFit/>
+          </a:bodyPr>
+          <a:lstStyle/>
+          <a:p>
+            <a:pPr lvl="0" algn="r"/>
+            <a:r>
+              <a:rPr lang="en-US" sz="1000" dirty="0" err="1" smtClean="0">
+                <a:solidFill>
+                  <a:schemeClr val="accent2">
+                    <a:lumMod val="75000"/>
+                  </a:schemeClr>
+                </a:solidFill>
+                <a:latin typeface="Source Sans Pro Light" charset="0"/>
+                <a:ea typeface="Source Sans Pro Light" charset="0"/>
+                <a:cs typeface="Source Sans Pro Light" charset="0"/>
+              </a:rPr>
+              <a:t>wm</a:t>
+            </a:r>
+            <a:r>
+              <a:rPr lang="en-US" sz="1000" dirty="0" smtClean="0">
+                <a:solidFill>
+                  <a:schemeClr val="accent2">
+                    <a:lumMod val="75000"/>
+                  </a:schemeClr>
+                </a:solidFill>
+                <a:latin typeface="Source Sans Pro Light" charset="0"/>
+                <a:ea typeface="Source Sans Pro Light" charset="0"/>
+                <a:cs typeface="Source Sans Pro Light" charset="0"/>
+              </a:rPr>
+              <a:t> = 12:14 </a:t>
+            </a:r>
+            <a:r>
+              <a:rPr lang="en-US" sz="1000" dirty="0">
+                <a:solidFill>
+                  <a:schemeClr val="accent2">
+                    <a:lumMod val="75000"/>
+                  </a:schemeClr>
+                </a:solidFill>
+                <a:latin typeface="Source Sans Pro Light" charset="0"/>
+                <a:ea typeface="Source Sans Pro Light" charset="0"/>
+                <a:cs typeface="Source Sans Pro Light" charset="0"/>
+              </a:rPr>
+              <a:t>- 10m =12:04</a:t>
+            </a:r>
+          </a:p>
+        </p:txBody>
+      </p:sp>
+      <p:sp>
+        <p:nvSpPr>
+          <p:cNvPr id="251" name="Rectangle 250"/>
+          <p:cNvSpPr/>
+          <p:nvPr/>
+        </p:nvSpPr>
+        <p:spPr>
+          <a:xfrm>
+            <a:off x="7702776" y="2544518"/>
+            <a:ext cx="1209876" cy="205380"/>
+          </a:xfrm>
+          <a:prstGeom prst="rect">
+            <a:avLst/>
+          </a:prstGeom>
+          <a:solidFill>
+            <a:schemeClr val="bg1">
+              <a:alpha val="77000"/>
+            </a:schemeClr>
+          </a:solidFill>
+        </p:spPr>
+        <p:txBody>
+          <a:bodyPr wrap="none">
+            <a:noAutofit/>
+          </a:bodyPr>
+          <a:lstStyle/>
+          <a:p>
+            <a:pPr lvl="0" algn="ctr"/>
+            <a:r>
+              <a:rPr lang="en-US" sz="1000" dirty="0" err="1" smtClean="0">
+                <a:solidFill>
+                  <a:schemeClr val="accent2">
+                    <a:lumMod val="75000"/>
+                  </a:schemeClr>
+                </a:solidFill>
+                <a:latin typeface="Source Sans Pro Light" charset="0"/>
+                <a:ea typeface="Source Sans Pro Light" charset="0"/>
+                <a:cs typeface="Source Sans Pro Light" charset="0"/>
+              </a:rPr>
+              <a:t>wm</a:t>
+            </a:r>
+            <a:r>
+              <a:rPr lang="en-US" sz="1000" dirty="0" smtClean="0">
+                <a:solidFill>
+                  <a:schemeClr val="accent2">
+                    <a:lumMod val="75000"/>
+                  </a:schemeClr>
+                </a:solidFill>
+                <a:latin typeface="Source Sans Pro Light" charset="0"/>
+                <a:ea typeface="Source Sans Pro Light" charset="0"/>
+                <a:cs typeface="Source Sans Pro Light" charset="0"/>
+              </a:rPr>
+              <a:t> = 12:21 </a:t>
+            </a:r>
+            <a:r>
+              <a:rPr lang="en-US" sz="1000" dirty="0">
+                <a:solidFill>
+                  <a:schemeClr val="accent2">
+                    <a:lumMod val="75000"/>
+                  </a:schemeClr>
+                </a:solidFill>
+                <a:latin typeface="Source Sans Pro Light" charset="0"/>
+                <a:ea typeface="Source Sans Pro Light" charset="0"/>
+                <a:cs typeface="Source Sans Pro Light" charset="0"/>
+              </a:rPr>
+              <a:t>- </a:t>
+            </a:r>
+            <a:r>
+              <a:rPr lang="en-US" sz="1000" dirty="0" smtClean="0">
+                <a:solidFill>
+                  <a:schemeClr val="accent2">
+                    <a:lumMod val="75000"/>
+                  </a:schemeClr>
+                </a:solidFill>
+                <a:latin typeface="Source Sans Pro Light" charset="0"/>
+                <a:ea typeface="Source Sans Pro Light" charset="0"/>
+                <a:cs typeface="Source Sans Pro Light" charset="0"/>
+              </a:rPr>
+              <a:t>10m =12:11</a:t>
+            </a:r>
+            <a:endParaRPr lang="en-US" sz="1000" dirty="0">
+              <a:solidFill>
+                <a:schemeClr val="accent2">
+                  <a:lumMod val="75000"/>
+                </a:schemeClr>
+              </a:solidFill>
+              <a:latin typeface="Source Sans Pro Light" charset="0"/>
+              <a:ea typeface="Source Sans Pro Light" charset="0"/>
+              <a:cs typeface="Source Sans Pro Light" charset="0"/>
+            </a:endParaRPr>
+          </a:p>
+        </p:txBody>
+      </p:sp>
+      <p:cxnSp>
+        <p:nvCxnSpPr>
+          <p:cNvPr id="252" name="Straight Arrow Connector 251"/>
+          <p:cNvCxnSpPr/>
+          <p:nvPr/>
+        </p:nvCxnSpPr>
+        <p:spPr>
+          <a:xfrm>
+            <a:off x="8538654" y="3462704"/>
+            <a:ext cx="612326" cy="122260"/>
+          </a:xfrm>
+          <a:prstGeom prst="straightConnector1">
+            <a:avLst/>
+          </a:prstGeom>
+          <a:ln>
+            <a:solidFill>
+              <a:schemeClr val="tx1">
+                <a:lumMod val="50000"/>
+                <a:lumOff val="50000"/>
+              </a:schemeClr>
+            </a:solidFill>
+            <a:headEnd type="arrow" w="med" len="med"/>
+            <a:tailEnd type="none" w="med" len="med"/>
+          </a:ln>
+        </p:spPr>
+        <p:style>
+          <a:lnRef idx="3">
+            <a:schemeClr val="dk1"/>
+          </a:lnRef>
+          <a:fillRef idx="0">
+            <a:schemeClr val="dk1"/>
+          </a:fillRef>
+          <a:effectRef idx="2">
+            <a:schemeClr val="dk1"/>
+          </a:effectRef>
+          <a:fontRef idx="minor">
+            <a:schemeClr val="tx1"/>
+          </a:fontRef>
+        </p:style>
+      </p:cxnSp>
+      <p:cxnSp>
+        <p:nvCxnSpPr>
+          <p:cNvPr id="259" name="Shape 138"/>
+          <p:cNvCxnSpPr/>
+          <p:nvPr/>
+        </p:nvCxnSpPr>
+        <p:spPr>
+          <a:xfrm>
+            <a:off x="10197262" y="500752"/>
+            <a:ext cx="0" cy="3937112"/>
+          </a:xfrm>
+          <a:prstGeom prst="straightConnector1">
+            <a:avLst/>
+          </a:prstGeom>
+          <a:noFill/>
+          <a:ln w="12700" cap="flat" cmpd="sng">
+            <a:solidFill>
+              <a:schemeClr val="bg1">
+                <a:lumMod val="75000"/>
+              </a:schemeClr>
+            </a:solidFill>
+            <a:prstDash val="sysDot"/>
+            <a:round/>
+            <a:headEnd type="none" w="lg" len="lg"/>
+            <a:tailEnd type="stealth" w="lg" len="lg"/>
+          </a:ln>
+        </p:spPr>
+      </p:cxnSp>
+      <p:cxnSp>
+        <p:nvCxnSpPr>
+          <p:cNvPr id="262" name="Straight Connector 261"/>
+          <p:cNvCxnSpPr/>
+          <p:nvPr/>
+        </p:nvCxnSpPr>
+        <p:spPr>
+          <a:xfrm>
+            <a:off x="2165157" y="788915"/>
+            <a:ext cx="8562550" cy="0"/>
+          </a:xfrm>
+          <a:prstGeom prst="line">
+            <a:avLst/>
+          </a:prstGeom>
+          <a:ln>
+            <a:solidFill>
+              <a:schemeClr val="bg1">
+                <a:lumMod val="85000"/>
+              </a:schemeClr>
+            </a:solidFill>
+            <a:prstDash val="sysDot"/>
+          </a:ln>
+        </p:spPr>
+        <p:style>
+          <a:lnRef idx="2">
+            <a:schemeClr val="dk1"/>
+          </a:lnRef>
+          <a:fillRef idx="0">
+            <a:schemeClr val="dk1"/>
+          </a:fillRef>
+          <a:effectRef idx="1">
+            <a:schemeClr val="dk1"/>
+          </a:effectRef>
+          <a:fontRef idx="minor">
+            <a:schemeClr val="tx1"/>
+          </a:fontRef>
+        </p:style>
+      </p:cxnSp>
+      <p:sp>
+        <p:nvSpPr>
+          <p:cNvPr id="263" name="Rectangle 262"/>
+          <p:cNvSpPr/>
+          <p:nvPr/>
+        </p:nvSpPr>
+        <p:spPr>
+          <a:xfrm>
+            <a:off x="1685405" y="619857"/>
+            <a:ext cx="570989" cy="307777"/>
+          </a:xfrm>
+          <a:prstGeom prst="rect">
+            <a:avLst/>
+          </a:prstGeom>
+        </p:spPr>
+        <p:txBody>
+          <a:bodyPr wrap="none">
+            <a:spAutoFit/>
+          </a:bodyPr>
+          <a:lstStyle/>
+          <a:p>
+            <a:pPr algn="ctr"/>
+            <a:r>
+              <a:rPr lang="en-US" sz="1400" b="0" i="0" dirty="0" smtClean="0">
+                <a:latin typeface="Source Sans Pro Light" charset="0"/>
+                <a:ea typeface="Source Sans Pro Light" charset="0"/>
+                <a:cs typeface="Source Sans Pro Light" charset="0"/>
+              </a:rPr>
+              <a:t>12:25</a:t>
+            </a:r>
+            <a:endParaRPr lang="en-US" sz="1400" b="0" i="0" dirty="0">
+              <a:latin typeface="Source Sans Pro Light" charset="0"/>
+              <a:ea typeface="Source Sans Pro Light" charset="0"/>
+              <a:cs typeface="Source Sans Pro Light" charset="0"/>
+            </a:endParaRPr>
+          </a:p>
+        </p:txBody>
+      </p:sp>
+      <p:grpSp>
+        <p:nvGrpSpPr>
+          <p:cNvPr id="3" name="Group 2"/>
+          <p:cNvGrpSpPr/>
+          <p:nvPr/>
+        </p:nvGrpSpPr>
+        <p:grpSpPr>
+          <a:xfrm>
+            <a:off x="4643383" y="580418"/>
+            <a:ext cx="5557911" cy="2310027"/>
+            <a:chOff x="4643383" y="580418"/>
+            <a:chExt cx="5557911" cy="2310027"/>
+          </a:xfrm>
+        </p:grpSpPr>
+        <p:cxnSp>
+          <p:nvCxnSpPr>
+            <p:cNvPr id="101" name="Straight Connector 100"/>
+            <p:cNvCxnSpPr>
+              <a:stCxn id="80" idx="6"/>
+            </p:cNvCxnSpPr>
+            <p:nvPr/>
+          </p:nvCxnSpPr>
+          <p:spPr>
+            <a:xfrm>
+              <a:off x="5433006" y="2120892"/>
+              <a:ext cx="836383" cy="10349"/>
+            </a:xfrm>
+            <a:prstGeom prst="line">
+              <a:avLst/>
+            </a:prstGeom>
+            <a:ln w="28575">
+              <a:solidFill>
+                <a:schemeClr val="accent1"/>
+              </a:solidFill>
+              <a:prstDash val="sysDot"/>
+            </a:ln>
+          </p:spPr>
+          <p:style>
+            <a:lnRef idx="2">
+              <a:schemeClr val="accent1"/>
+            </a:lnRef>
+            <a:fillRef idx="0">
+              <a:schemeClr val="accent1"/>
+            </a:fillRef>
+            <a:effectRef idx="1">
+              <a:schemeClr val="accent1"/>
+            </a:effectRef>
+            <a:fontRef idx="minor">
+              <a:schemeClr val="tx1"/>
+            </a:fontRef>
+          </p:style>
+        </p:cxnSp>
+        <p:cxnSp>
+          <p:nvCxnSpPr>
+            <p:cNvPr id="156" name="Straight Connector 155"/>
+            <p:cNvCxnSpPr/>
+            <p:nvPr/>
+          </p:nvCxnSpPr>
+          <p:spPr>
+            <a:xfrm>
+              <a:off x="7416864" y="1184367"/>
+              <a:ext cx="213002" cy="0"/>
+            </a:xfrm>
+            <a:prstGeom prst="line">
+              <a:avLst/>
+            </a:prstGeom>
+            <a:ln w="28575">
+              <a:solidFill>
+                <a:schemeClr val="accent1"/>
+              </a:solidFill>
+              <a:prstDash val="sysDot"/>
+            </a:ln>
+          </p:spPr>
+          <p:style>
+            <a:lnRef idx="2">
+              <a:schemeClr val="accent1"/>
+            </a:lnRef>
+            <a:fillRef idx="0">
+              <a:schemeClr val="accent1"/>
+            </a:fillRef>
+            <a:effectRef idx="1">
+              <a:schemeClr val="accent1"/>
+            </a:effectRef>
+            <a:fontRef idx="minor">
+              <a:schemeClr val="tx1"/>
+            </a:fontRef>
+          </p:style>
+        </p:cxnSp>
+        <p:cxnSp>
+          <p:nvCxnSpPr>
+            <p:cNvPr id="172" name="Straight Connector 171"/>
+            <p:cNvCxnSpPr>
+              <a:stCxn id="86" idx="6"/>
+            </p:cNvCxnSpPr>
+            <p:nvPr/>
+          </p:nvCxnSpPr>
+          <p:spPr>
+            <a:xfrm flipV="1">
+              <a:off x="4643383" y="2890444"/>
+              <a:ext cx="292138" cy="1"/>
+            </a:xfrm>
+            <a:prstGeom prst="line">
+              <a:avLst/>
+            </a:prstGeom>
+            <a:ln w="28575">
+              <a:solidFill>
+                <a:schemeClr val="accent1"/>
+              </a:solidFill>
+              <a:prstDash val="sysDot"/>
+            </a:ln>
+          </p:spPr>
+          <p:style>
+            <a:lnRef idx="2">
+              <a:schemeClr val="accent1"/>
+            </a:lnRef>
+            <a:fillRef idx="0">
+              <a:schemeClr val="accent1"/>
+            </a:fillRef>
+            <a:effectRef idx="1">
+              <a:schemeClr val="accent1"/>
+            </a:effectRef>
+            <a:fontRef idx="minor">
+              <a:schemeClr val="tx1"/>
+            </a:fontRef>
+          </p:style>
+        </p:cxnSp>
+        <p:cxnSp>
+          <p:nvCxnSpPr>
+            <p:cNvPr id="185" name="Straight Connector 184"/>
+            <p:cNvCxnSpPr>
+              <a:endCxn id="92" idx="3"/>
+            </p:cNvCxnSpPr>
+            <p:nvPr/>
+          </p:nvCxnSpPr>
+          <p:spPr>
+            <a:xfrm flipV="1">
+              <a:off x="6284540" y="2024338"/>
+              <a:ext cx="468082" cy="106904"/>
+            </a:xfrm>
+            <a:prstGeom prst="line">
+              <a:avLst/>
+            </a:prstGeom>
+            <a:ln w="28575">
+              <a:solidFill>
+                <a:schemeClr val="accent1"/>
+              </a:solidFill>
+              <a:prstDash val="sysDot"/>
+            </a:ln>
+          </p:spPr>
+          <p:style>
+            <a:lnRef idx="2">
+              <a:schemeClr val="accent1"/>
+            </a:lnRef>
+            <a:fillRef idx="0">
+              <a:schemeClr val="accent1"/>
+            </a:fillRef>
+            <a:effectRef idx="1">
+              <a:schemeClr val="accent1"/>
+            </a:effectRef>
+            <a:fontRef idx="minor">
+              <a:schemeClr val="tx1"/>
+            </a:fontRef>
+          </p:style>
+        </p:cxnSp>
+        <p:cxnSp>
+          <p:nvCxnSpPr>
+            <p:cNvPr id="189" name="Straight Connector 188"/>
+            <p:cNvCxnSpPr>
+              <a:endCxn id="80" idx="3"/>
+            </p:cNvCxnSpPr>
+            <p:nvPr/>
+          </p:nvCxnSpPr>
+          <p:spPr>
+            <a:xfrm flipV="1">
+              <a:off x="4938197" y="2169906"/>
+              <a:ext cx="376478" cy="718959"/>
+            </a:xfrm>
+            <a:prstGeom prst="line">
+              <a:avLst/>
+            </a:prstGeom>
+            <a:ln w="28575">
+              <a:solidFill>
+                <a:schemeClr val="accent1"/>
+              </a:solidFill>
+              <a:prstDash val="sysDot"/>
+            </a:ln>
+          </p:spPr>
+          <p:style>
+            <a:lnRef idx="2">
+              <a:schemeClr val="accent1"/>
+            </a:lnRef>
+            <a:fillRef idx="0">
+              <a:schemeClr val="accent1"/>
+            </a:fillRef>
+            <a:effectRef idx="1">
+              <a:schemeClr val="accent1"/>
+            </a:effectRef>
+            <a:fontRef idx="minor">
+              <a:schemeClr val="tx1"/>
+            </a:fontRef>
+          </p:style>
+        </p:cxnSp>
+        <p:cxnSp>
+          <p:nvCxnSpPr>
+            <p:cNvPr id="238" name="Straight Connector 237"/>
+            <p:cNvCxnSpPr>
+              <a:stCxn id="92" idx="7"/>
+              <a:endCxn id="225" idx="3"/>
+            </p:cNvCxnSpPr>
+            <p:nvPr/>
+          </p:nvCxnSpPr>
+          <p:spPr>
+            <a:xfrm flipV="1">
+              <a:off x="6850651" y="1233954"/>
+              <a:ext cx="517199" cy="692355"/>
+            </a:xfrm>
+            <a:prstGeom prst="line">
+              <a:avLst/>
+            </a:prstGeom>
+            <a:ln w="28575">
+              <a:solidFill>
+                <a:schemeClr val="accent1"/>
+              </a:solidFill>
+              <a:prstDash val="sysDot"/>
+            </a:ln>
+          </p:spPr>
+          <p:style>
+            <a:lnRef idx="2">
+              <a:schemeClr val="accent1"/>
+            </a:lnRef>
+            <a:fillRef idx="0">
+              <a:schemeClr val="accent1"/>
+            </a:fillRef>
+            <a:effectRef idx="1">
+              <a:schemeClr val="accent1"/>
+            </a:effectRef>
+            <a:fontRef idx="minor">
+              <a:schemeClr val="tx1"/>
+            </a:fontRef>
+          </p:style>
+        </p:cxnSp>
+        <p:cxnSp>
+          <p:nvCxnSpPr>
+            <p:cNvPr id="265" name="Straight Connector 264"/>
+            <p:cNvCxnSpPr>
+              <a:stCxn id="151" idx="3"/>
+            </p:cNvCxnSpPr>
+            <p:nvPr/>
+          </p:nvCxnSpPr>
+          <p:spPr>
+            <a:xfrm flipH="1">
+              <a:off x="7636416" y="619083"/>
+              <a:ext cx="603340" cy="557015"/>
+            </a:xfrm>
+            <a:prstGeom prst="line">
+              <a:avLst/>
+            </a:prstGeom>
+            <a:ln w="28575">
+              <a:solidFill>
+                <a:schemeClr val="accent1"/>
+              </a:solidFill>
+              <a:prstDash val="sysDot"/>
+            </a:ln>
+          </p:spPr>
+          <p:style>
+            <a:lnRef idx="2">
+              <a:schemeClr val="accent1"/>
+            </a:lnRef>
+            <a:fillRef idx="0">
+              <a:schemeClr val="accent1"/>
+            </a:fillRef>
+            <a:effectRef idx="1">
+              <a:schemeClr val="accent1"/>
+            </a:effectRef>
+            <a:fontRef idx="minor">
+              <a:schemeClr val="tx1"/>
+            </a:fontRef>
+          </p:style>
+        </p:cxnSp>
+        <p:cxnSp>
+          <p:nvCxnSpPr>
+            <p:cNvPr id="268" name="Straight Connector 267"/>
+            <p:cNvCxnSpPr/>
+            <p:nvPr/>
+          </p:nvCxnSpPr>
+          <p:spPr>
+            <a:xfrm>
+              <a:off x="8350105" y="580418"/>
+              <a:ext cx="1851189" cy="0"/>
+            </a:xfrm>
+            <a:prstGeom prst="line">
+              <a:avLst/>
+            </a:prstGeom>
+            <a:ln w="28575">
+              <a:solidFill>
+                <a:schemeClr val="accent1"/>
+              </a:solidFill>
+              <a:prstDash val="sysDot"/>
+            </a:ln>
+          </p:spPr>
+          <p:style>
+            <a:lnRef idx="2">
+              <a:schemeClr val="accent1"/>
+            </a:lnRef>
+            <a:fillRef idx="0">
+              <a:schemeClr val="accent1"/>
+            </a:fillRef>
+            <a:effectRef idx="1">
+              <a:schemeClr val="accent1"/>
+            </a:effectRef>
+            <a:fontRef idx="minor">
+              <a:schemeClr val="tx1"/>
+            </a:fontRef>
+          </p:style>
+        </p:cxnSp>
+      </p:grpSp>
+      <p:sp>
+        <p:nvSpPr>
+          <p:cNvPr id="279" name="Rectangle 278"/>
+          <p:cNvSpPr/>
+          <p:nvPr/>
+        </p:nvSpPr>
+        <p:spPr>
+          <a:xfrm>
+            <a:off x="9854188" y="3995167"/>
+            <a:ext cx="678392" cy="243892"/>
+          </a:xfrm>
+          <a:prstGeom prst="rect">
+            <a:avLst/>
+          </a:prstGeom>
+          <a:solidFill>
+            <a:schemeClr val="bg1">
+              <a:alpha val="67000"/>
+            </a:schemeClr>
+          </a:solidFill>
+        </p:spPr>
+        <p:txBody>
+          <a:bodyPr wrap="none" anchor="ctr">
+            <a:noAutofit/>
+          </a:bodyPr>
+          <a:lstStyle/>
+          <a:p>
+            <a:pPr algn="ctr"/>
+            <a:r>
+              <a:rPr lang="en-US" sz="1400" b="0" i="0" dirty="0" smtClean="0">
+                <a:latin typeface="Source Sans Pro Light" charset="0"/>
+                <a:ea typeface="Source Sans Pro Light" charset="0"/>
+                <a:cs typeface="Source Sans Pro Light" charset="0"/>
+              </a:rPr>
+              <a:t>12:30</a:t>
+            </a:r>
+            <a:endParaRPr lang="en-US" sz="1400" b="0" i="0" dirty="0">
+              <a:latin typeface="Source Sans Pro Light" charset="0"/>
+              <a:ea typeface="Source Sans Pro Light" charset="0"/>
+              <a:cs typeface="Source Sans Pro Light" charset="0"/>
+            </a:endParaRPr>
+          </a:p>
+        </p:txBody>
+      </p:sp>
+      <p:grpSp>
+        <p:nvGrpSpPr>
+          <p:cNvPr id="2" name="Group 1"/>
+          <p:cNvGrpSpPr/>
+          <p:nvPr/>
+        </p:nvGrpSpPr>
+        <p:grpSpPr>
+          <a:xfrm>
+            <a:off x="6282198" y="1825797"/>
+            <a:ext cx="4445509" cy="2147926"/>
+            <a:chOff x="6282198" y="1825797"/>
+            <a:chExt cx="4445509" cy="2147926"/>
+          </a:xfrm>
+        </p:grpSpPr>
+        <p:cxnSp>
+          <p:nvCxnSpPr>
+            <p:cNvPr id="102" name="Straight Connector 101"/>
+            <p:cNvCxnSpPr/>
+            <p:nvPr/>
+          </p:nvCxnSpPr>
+          <p:spPr>
+            <a:xfrm>
+              <a:off x="6282198" y="3459182"/>
+              <a:ext cx="1350345" cy="0"/>
+            </a:xfrm>
+            <a:prstGeom prst="line">
+              <a:avLst/>
+            </a:prstGeom>
+            <a:ln w="28575" cap="rnd"/>
+            <a:effectLst/>
+          </p:spPr>
+          <p:style>
+            <a:lnRef idx="3">
+              <a:schemeClr val="accent2"/>
+            </a:lnRef>
+            <a:fillRef idx="0">
+              <a:schemeClr val="accent2"/>
+            </a:fillRef>
+            <a:effectRef idx="2">
+              <a:schemeClr val="accent2"/>
+            </a:effectRef>
+            <a:fontRef idx="minor">
+              <a:schemeClr val="tx1"/>
+            </a:fontRef>
+          </p:style>
+        </p:cxnSp>
+        <p:cxnSp>
+          <p:nvCxnSpPr>
+            <p:cNvPr id="110" name="Straight Connector 109"/>
+            <p:cNvCxnSpPr/>
+            <p:nvPr/>
+          </p:nvCxnSpPr>
+          <p:spPr>
+            <a:xfrm>
+              <a:off x="7632542" y="2513133"/>
+              <a:ext cx="1346151" cy="0"/>
+            </a:xfrm>
+            <a:prstGeom prst="line">
+              <a:avLst/>
+            </a:prstGeom>
+            <a:ln w="28575" cap="rnd"/>
+          </p:spPr>
+          <p:style>
+            <a:lnRef idx="3">
+              <a:schemeClr val="accent2"/>
+            </a:lnRef>
+            <a:fillRef idx="0">
+              <a:schemeClr val="accent2"/>
+            </a:fillRef>
+            <a:effectRef idx="2">
+              <a:schemeClr val="accent2"/>
+            </a:effectRef>
+            <a:fontRef idx="minor">
+              <a:schemeClr val="tx1"/>
+            </a:fontRef>
+          </p:style>
+        </p:cxnSp>
+        <p:cxnSp>
+          <p:nvCxnSpPr>
+            <p:cNvPr id="146" name="Straight Connector 145"/>
+            <p:cNvCxnSpPr/>
+            <p:nvPr/>
+          </p:nvCxnSpPr>
+          <p:spPr>
+            <a:xfrm flipV="1">
+              <a:off x="7632542" y="2513133"/>
+              <a:ext cx="0" cy="946049"/>
+            </a:xfrm>
+            <a:prstGeom prst="line">
+              <a:avLst/>
+            </a:prstGeom>
+            <a:ln w="28575" cap="rnd"/>
+            <a:effectLst/>
+          </p:spPr>
+          <p:style>
+            <a:lnRef idx="3">
+              <a:schemeClr val="accent2"/>
+            </a:lnRef>
+            <a:fillRef idx="0">
+              <a:schemeClr val="accent2"/>
+            </a:fillRef>
+            <a:effectRef idx="2">
+              <a:schemeClr val="accent2"/>
+            </a:effectRef>
+            <a:fontRef idx="minor">
+              <a:schemeClr val="tx1"/>
+            </a:fontRef>
+          </p:style>
+        </p:cxnSp>
+        <p:cxnSp>
+          <p:nvCxnSpPr>
+            <p:cNvPr id="170" name="Straight Connector 169"/>
+            <p:cNvCxnSpPr/>
+            <p:nvPr/>
+          </p:nvCxnSpPr>
+          <p:spPr>
+            <a:xfrm flipH="1" flipV="1">
+              <a:off x="6282198" y="3454406"/>
+              <a:ext cx="2677" cy="519317"/>
+            </a:xfrm>
+            <a:prstGeom prst="line">
+              <a:avLst/>
+            </a:prstGeom>
+            <a:ln w="28575" cap="rnd"/>
+            <a:effectLst/>
+          </p:spPr>
+          <p:style>
+            <a:lnRef idx="3">
+              <a:schemeClr val="accent2"/>
+            </a:lnRef>
+            <a:fillRef idx="0">
+              <a:schemeClr val="accent2"/>
+            </a:fillRef>
+            <a:effectRef idx="2">
+              <a:schemeClr val="accent2"/>
+            </a:effectRef>
+            <a:fontRef idx="minor">
+              <a:schemeClr val="tx1"/>
+            </a:fontRef>
+          </p:style>
+        </p:cxnSp>
+        <p:cxnSp>
+          <p:nvCxnSpPr>
+            <p:cNvPr id="282" name="Straight Connector 281"/>
+            <p:cNvCxnSpPr/>
+            <p:nvPr/>
+          </p:nvCxnSpPr>
+          <p:spPr>
+            <a:xfrm>
+              <a:off x="8978693" y="1825797"/>
+              <a:ext cx="1749014" cy="0"/>
+            </a:xfrm>
+            <a:prstGeom prst="line">
+              <a:avLst/>
+            </a:prstGeom>
+            <a:ln w="28575" cap="rnd"/>
+          </p:spPr>
+          <p:style>
+            <a:lnRef idx="3">
+              <a:schemeClr val="accent2"/>
+            </a:lnRef>
+            <a:fillRef idx="0">
+              <a:schemeClr val="accent2"/>
+            </a:fillRef>
+            <a:effectRef idx="2">
+              <a:schemeClr val="accent2"/>
+            </a:effectRef>
+            <a:fontRef idx="minor">
+              <a:schemeClr val="tx1"/>
+            </a:fontRef>
+          </p:style>
+        </p:cxnSp>
+        <p:cxnSp>
+          <p:nvCxnSpPr>
+            <p:cNvPr id="283" name="Straight Connector 282"/>
+            <p:cNvCxnSpPr/>
+            <p:nvPr/>
+          </p:nvCxnSpPr>
+          <p:spPr>
+            <a:xfrm flipV="1">
+              <a:off x="8978693" y="1827272"/>
+              <a:ext cx="0" cy="684494"/>
+            </a:xfrm>
+            <a:prstGeom prst="line">
+              <a:avLst/>
+            </a:prstGeom>
+            <a:ln w="28575" cap="rnd"/>
+            <a:effectLst/>
+          </p:spPr>
+          <p:style>
+            <a:lnRef idx="3">
+              <a:schemeClr val="accent2"/>
+            </a:lnRef>
+            <a:fillRef idx="0">
+              <a:schemeClr val="accent2"/>
+            </a:fillRef>
+            <a:effectRef idx="2">
+              <a:schemeClr val="accent2"/>
+            </a:effectRef>
+            <a:fontRef idx="minor">
+              <a:schemeClr val="tx1"/>
+            </a:fontRef>
+          </p:style>
+        </p:cxnSp>
+      </p:grpSp>
+      <p:grpSp>
+        <p:nvGrpSpPr>
+          <p:cNvPr id="284" name="Group 283"/>
+          <p:cNvGrpSpPr/>
+          <p:nvPr/>
+        </p:nvGrpSpPr>
+        <p:grpSpPr>
+          <a:xfrm>
+            <a:off x="8896966" y="2706362"/>
+            <a:ext cx="673582" cy="325887"/>
+            <a:chOff x="2795387" y="2729624"/>
+            <a:chExt cx="673582" cy="325887"/>
+          </a:xfrm>
+        </p:grpSpPr>
+        <p:sp>
+          <p:nvSpPr>
+            <p:cNvPr id="285" name="Oval 284"/>
+            <p:cNvSpPr/>
+            <p:nvPr/>
+          </p:nvSpPr>
+          <p:spPr>
+            <a:xfrm>
+              <a:off x="3022115" y="2729624"/>
+              <a:ext cx="138633" cy="138633"/>
+            </a:xfrm>
+            <a:prstGeom prst="ellipse">
+              <a:avLst/>
+            </a:prstGeom>
+            <a:solidFill>
+              <a:schemeClr val="bg1"/>
+            </a:solidFill>
+            <a:ln w="19050"/>
+          </p:spPr>
+          <p:style>
+            <a:lnRef idx="1">
+              <a:schemeClr val="accent2"/>
+            </a:lnRef>
+            <a:fillRef idx="3">
+              <a:schemeClr val="accent2"/>
+            </a:fillRef>
+            <a:effectRef idx="2">
+              <a:schemeClr val="accent2"/>
+            </a:effectRef>
+            <a:fontRef idx="minor">
+              <a:schemeClr val="lt1"/>
+            </a:fontRef>
+          </p:style>
+          <p:txBody>
+            <a:bodyPr rtlCol="0" anchor="ctr"/>
+            <a:lstStyle/>
+            <a:p>
+              <a:pPr algn="ctr"/>
+              <a:endParaRPr lang="en-US" sz="1000">
+                <a:solidFill>
+                  <a:schemeClr val="accent4">
+                    <a:lumMod val="50000"/>
+                  </a:schemeClr>
+                </a:solidFill>
+              </a:endParaRPr>
+            </a:p>
+          </p:txBody>
+        </p:sp>
+        <p:sp>
+          <p:nvSpPr>
+            <p:cNvPr id="286" name="Rectangle 285"/>
+            <p:cNvSpPr/>
+            <p:nvPr/>
+          </p:nvSpPr>
+          <p:spPr>
+            <a:xfrm>
+              <a:off x="2795387" y="2809290"/>
+              <a:ext cx="673582" cy="246221"/>
+            </a:xfrm>
+            <a:prstGeom prst="rect">
+              <a:avLst/>
+            </a:prstGeom>
+          </p:spPr>
+          <p:txBody>
+            <a:bodyPr wrap="none">
+              <a:spAutoFit/>
+            </a:bodyPr>
+            <a:lstStyle/>
+            <a:p>
+              <a:pPr lvl="0" algn="ctr"/>
+              <a:r>
+                <a:rPr lang="en-US" sz="1000" dirty="0" smtClean="0">
+                  <a:solidFill>
+                    <a:schemeClr val="accent4">
+                      <a:lumMod val="50000"/>
+                    </a:schemeClr>
+                  </a:solidFill>
+                  <a:latin typeface="Source Sans Pro Light" charset="0"/>
+                  <a:ea typeface="Source Sans Pro Light" charset="0"/>
+                  <a:cs typeface="Source Sans Pro Light" charset="0"/>
+                </a:rPr>
+                <a:t>12:09, cat</a:t>
+              </a:r>
+              <a:endParaRPr lang="en-US" sz="1000" dirty="0">
+                <a:solidFill>
+                  <a:schemeClr val="accent4">
+                    <a:lumMod val="50000"/>
+                  </a:schemeClr>
+                </a:solidFill>
+                <a:latin typeface="Source Sans Pro Light" charset="0"/>
+                <a:ea typeface="Source Sans Pro Light" charset="0"/>
+                <a:cs typeface="Source Sans Pro Light" charset="0"/>
+              </a:endParaRPr>
+            </a:p>
+          </p:txBody>
+        </p:sp>
+      </p:grpSp>
+      <p:cxnSp>
+        <p:nvCxnSpPr>
+          <p:cNvPr id="287" name="Straight Arrow Connector 286"/>
+          <p:cNvCxnSpPr>
+            <a:stCxn id="286" idx="2"/>
+          </p:cNvCxnSpPr>
+          <p:nvPr/>
+        </p:nvCxnSpPr>
+        <p:spPr>
+          <a:xfrm>
+            <a:off x="9233757" y="3032249"/>
+            <a:ext cx="219229" cy="407543"/>
+          </a:xfrm>
+          <a:prstGeom prst="straightConnector1">
+            <a:avLst/>
+          </a:prstGeom>
+          <a:ln>
+            <a:solidFill>
+              <a:schemeClr val="tx1">
+                <a:lumMod val="50000"/>
+                <a:lumOff val="50000"/>
+              </a:schemeClr>
+            </a:solidFill>
+            <a:headEnd type="arrow" w="med" len="med"/>
+            <a:tailEnd type="none" w="med" len="med"/>
+          </a:ln>
+        </p:spPr>
+        <p:style>
+          <a:lnRef idx="3">
+            <a:schemeClr val="dk1"/>
+          </a:lnRef>
+          <a:fillRef idx="0">
+            <a:schemeClr val="dk1"/>
+          </a:fillRef>
+          <a:effectRef idx="2">
+            <a:schemeClr val="dk1"/>
+          </a:effectRef>
+          <a:fontRef idx="minor">
+            <a:schemeClr val="tx1"/>
+          </a:fontRef>
+        </p:style>
+      </p:cxnSp>
+      <p:grpSp>
+        <p:nvGrpSpPr>
+          <p:cNvPr id="290" name="Group 289"/>
+          <p:cNvGrpSpPr/>
+          <p:nvPr/>
+        </p:nvGrpSpPr>
+        <p:grpSpPr>
+          <a:xfrm>
+            <a:off x="8227030" y="1561328"/>
+            <a:ext cx="699230" cy="325887"/>
+            <a:chOff x="2747122" y="2729624"/>
+            <a:chExt cx="699230" cy="325887"/>
+          </a:xfrm>
+        </p:grpSpPr>
+        <p:sp>
+          <p:nvSpPr>
+            <p:cNvPr id="291" name="Oval 290"/>
+            <p:cNvSpPr/>
+            <p:nvPr/>
+          </p:nvSpPr>
+          <p:spPr>
+            <a:xfrm>
+              <a:off x="3022115" y="2729624"/>
+              <a:ext cx="138633" cy="138633"/>
+            </a:xfrm>
+            <a:prstGeom prst="ellipse">
+              <a:avLst/>
+            </a:prstGeom>
+          </p:spPr>
+          <p:style>
+            <a:lnRef idx="1">
+              <a:schemeClr val="accent2"/>
+            </a:lnRef>
+            <a:fillRef idx="2">
+              <a:schemeClr val="accent2"/>
+            </a:fillRef>
+            <a:effectRef idx="1">
+              <a:schemeClr val="accent2"/>
+            </a:effectRef>
+            <a:fontRef idx="minor">
+              <a:schemeClr val="dk1"/>
+            </a:fontRef>
+          </p:style>
+          <p:txBody>
+            <a:bodyPr rtlCol="0" anchor="ctr"/>
+            <a:lstStyle/>
+            <a:p>
+              <a:pPr algn="ctr"/>
+              <a:endParaRPr lang="en-US" sz="1000">
+                <a:solidFill>
+                  <a:schemeClr val="accent4">
+                    <a:lumMod val="50000"/>
+                  </a:schemeClr>
+                </a:solidFill>
+              </a:endParaRPr>
+            </a:p>
+          </p:txBody>
+        </p:sp>
+        <p:sp>
+          <p:nvSpPr>
+            <p:cNvPr id="292" name="Rectangle 291"/>
+            <p:cNvSpPr/>
+            <p:nvPr/>
+          </p:nvSpPr>
+          <p:spPr>
+            <a:xfrm>
+              <a:off x="2747122" y="2809290"/>
+              <a:ext cx="699230" cy="246221"/>
+            </a:xfrm>
+            <a:prstGeom prst="rect">
+              <a:avLst/>
+            </a:prstGeom>
+          </p:spPr>
+          <p:txBody>
+            <a:bodyPr wrap="none">
+              <a:spAutoFit/>
+            </a:bodyPr>
+            <a:lstStyle/>
+            <a:p>
+              <a:pPr lvl="0" algn="ctr"/>
+              <a:r>
+                <a:rPr lang="en-US" sz="1000" dirty="0" smtClean="0">
+                  <a:solidFill>
+                    <a:schemeClr val="accent4">
+                      <a:lumMod val="50000"/>
+                    </a:schemeClr>
+                  </a:solidFill>
+                  <a:latin typeface="Source Sans Pro Light" charset="0"/>
+                  <a:ea typeface="Source Sans Pro Light" charset="0"/>
+                  <a:cs typeface="Source Sans Pro Light" charset="0"/>
+                </a:rPr>
+                <a:t>12:17, owl</a:t>
+              </a:r>
+              <a:endParaRPr lang="en-US" sz="1000" dirty="0">
+                <a:solidFill>
+                  <a:schemeClr val="accent4">
+                    <a:lumMod val="50000"/>
+                  </a:schemeClr>
+                </a:solidFill>
+                <a:latin typeface="Source Sans Pro Light" charset="0"/>
+                <a:ea typeface="Source Sans Pro Light" charset="0"/>
+                <a:cs typeface="Source Sans Pro Light" charset="0"/>
+              </a:endParaRPr>
+            </a:p>
+          </p:txBody>
+        </p:sp>
+      </p:grpSp>
+      <p:graphicFrame>
+        <p:nvGraphicFramePr>
+          <p:cNvPr id="295" name="Table 294"/>
+          <p:cNvGraphicFramePr>
+            <a:graphicFrameLocks noGrp="1"/>
+          </p:cNvGraphicFramePr>
+          <p:nvPr>
+            <p:extLst>
+              <p:ext uri="{D42A27DB-BD31-4B8C-83A1-F6EECF244321}">
+                <p14:modId xmlns:p14="http://schemas.microsoft.com/office/powerpoint/2010/main" val="809853527"/>
+              </p:ext>
+            </p:extLst>
+          </p:nvPr>
+        </p:nvGraphicFramePr>
+        <p:xfrm>
+          <a:off x="9660266" y="4460029"/>
+          <a:ext cx="1067441" cy="690228"/>
+        </p:xfrm>
+        <a:graphic>
+          <a:graphicData uri="http://schemas.openxmlformats.org/drawingml/2006/table">
+            <a:tbl>
+              <a:tblPr bandRow="1">
+                <a:tableStyleId>{16D9F66E-5EB9-4882-86FB-DCBF35E3C3E4}</a:tableStyleId>
+              </a:tblPr>
+              <a:tblGrid>
+                <a:gridCol w="730100"/>
+                <a:gridCol w="212651"/>
+                <a:gridCol w="124690"/>
+              </a:tblGrid>
+              <a:tr h="230076">
+                <a:tc>
+                  <a:txBody>
+                    <a:bodyPr/>
+                    <a:lstStyle/>
+                    <a:p>
+                      <a:pPr algn="ctr"/>
+                      <a:r>
+                        <a:rPr lang="en-US" sz="1000" b="0" i="0" dirty="0" smtClean="0">
+                          <a:latin typeface="Source Sans Pro Light" charset="0"/>
+                          <a:ea typeface="Source Sans Pro Light" charset="0"/>
+                          <a:cs typeface="Source Sans Pro Light" charset="0"/>
+                        </a:rPr>
+                        <a:t>12:00</a:t>
+                      </a:r>
+                      <a:r>
+                        <a:rPr lang="en-US" sz="1000" b="0" i="0" baseline="0" dirty="0" smtClean="0">
+                          <a:latin typeface="Source Sans Pro Light" charset="0"/>
+                          <a:ea typeface="Source Sans Pro Light" charset="0"/>
+                          <a:cs typeface="Source Sans Pro Light" charset="0"/>
+                        </a:rPr>
+                        <a:t> - 12:10</a:t>
+                      </a:r>
+                      <a:endParaRPr lang="en-US" sz="1000" b="0" i="0" dirty="0">
+                        <a:latin typeface="Source Sans Pro Light" charset="0"/>
+                        <a:ea typeface="Source Sans Pro Light" charset="0"/>
+                        <a:cs typeface="Source Sans Pro Light" charset="0"/>
+                      </a:endParaRPr>
+                    </a:p>
+                  </a:txBody>
+                  <a:tcPr marL="0" marR="0" marT="26915" marB="26915">
+                    <a:lnL w="28575" cap="flat" cmpd="sng" algn="ctr">
+                      <a:solidFill>
+                        <a:schemeClr val="accent6"/>
+                      </a:solidFill>
+                      <a:prstDash val="solid"/>
+                      <a:round/>
+                      <a:headEnd type="none" w="med" len="med"/>
+                      <a:tailEnd type="none" w="med" len="med"/>
+                    </a:lnL>
+                    <a:lnT w="28575" cap="flat" cmpd="sng" algn="ctr">
+                      <a:solidFill>
+                        <a:schemeClr val="accent6"/>
+                      </a:solidFill>
+                      <a:prstDash val="solid"/>
+                      <a:round/>
+                      <a:headEnd type="none" w="med" len="med"/>
+                      <a:tailEnd type="none" w="med" len="med"/>
+                    </a:lnT>
+                  </a:tcPr>
+                </a:tc>
+                <a:tc>
+                  <a:txBody>
+                    <a:bodyPr/>
+                    <a:lstStyle/>
+                    <a:p>
+                      <a:pPr algn="ctr"/>
+                      <a:r>
+                        <a:rPr lang="en-US" sz="1000" b="0" i="0" dirty="0" smtClean="0">
+                          <a:latin typeface="Source Sans Pro Light" charset="0"/>
+                          <a:ea typeface="Source Sans Pro Light" charset="0"/>
+                          <a:cs typeface="Source Sans Pro Light" charset="0"/>
+                        </a:rPr>
+                        <a:t>owl</a:t>
+                      </a:r>
+                      <a:endParaRPr lang="en-US" sz="1000" b="0" i="0" dirty="0">
+                        <a:latin typeface="Source Sans Pro Light" charset="0"/>
+                        <a:ea typeface="Source Sans Pro Light" charset="0"/>
+                        <a:cs typeface="Source Sans Pro Light" charset="0"/>
+                      </a:endParaRPr>
+                    </a:p>
+                  </a:txBody>
+                  <a:tcPr marL="0" marR="0" marT="26915" marB="26915">
+                    <a:lnT w="28575" cap="flat" cmpd="sng" algn="ctr">
+                      <a:solidFill>
+                        <a:schemeClr val="accent6"/>
+                      </a:solidFill>
+                      <a:prstDash val="solid"/>
+                      <a:round/>
+                      <a:headEnd type="none" w="med" len="med"/>
+                      <a:tailEnd type="none" w="med" len="med"/>
+                    </a:lnT>
+                  </a:tcPr>
+                </a:tc>
+                <a:tc>
+                  <a:txBody>
+                    <a:bodyPr/>
+                    <a:lstStyle/>
+                    <a:p>
+                      <a:pPr algn="ctr"/>
+                      <a:r>
+                        <a:rPr lang="en-US" sz="1000" b="0" i="0" dirty="0" smtClean="0">
+                          <a:latin typeface="Source Sans Pro Light" charset="0"/>
+                          <a:ea typeface="Source Sans Pro Light" charset="0"/>
+                          <a:cs typeface="Source Sans Pro Light" charset="0"/>
+                        </a:rPr>
+                        <a:t>1</a:t>
+                      </a:r>
+                      <a:endParaRPr lang="en-US" sz="1000" b="0" i="0" dirty="0">
+                        <a:latin typeface="Source Sans Pro Light" charset="0"/>
+                        <a:ea typeface="Source Sans Pro Light" charset="0"/>
+                        <a:cs typeface="Source Sans Pro Light" charset="0"/>
+                      </a:endParaRPr>
+                    </a:p>
+                  </a:txBody>
+                  <a:tcPr marL="0" marR="0" marT="26915" marB="26915">
+                    <a:lnR w="28575" cap="flat" cmpd="sng" algn="ctr">
+                      <a:solidFill>
+                        <a:schemeClr val="accent6"/>
+                      </a:solidFill>
+                      <a:prstDash val="solid"/>
+                      <a:round/>
+                      <a:headEnd type="none" w="med" len="med"/>
+                      <a:tailEnd type="none" w="med" len="med"/>
+                    </a:lnR>
+                    <a:lnT w="28575" cap="flat" cmpd="sng" algn="ctr">
+                      <a:solidFill>
+                        <a:schemeClr val="accent6"/>
+                      </a:solidFill>
+                      <a:prstDash val="solid"/>
+                      <a:round/>
+                      <a:headEnd type="none" w="med" len="med"/>
+                      <a:tailEnd type="none" w="med" len="med"/>
+                    </a:lnT>
+                  </a:tcPr>
+                </a:tc>
+              </a:tr>
+              <a:tr h="230076">
+                <a:tc>
+                  <a:txBody>
+                    <a:bodyPr/>
+                    <a:lstStyle/>
+                    <a:p>
+                      <a:pPr marL="0" marR="0" indent="0" algn="ctr" defTabSz="914400" rtl="0" eaLnBrk="1" fontAlgn="auto" latinLnBrk="0" hangingPunct="1">
+                        <a:lnSpc>
+                          <a:spcPct val="100000"/>
+                        </a:lnSpc>
+                        <a:spcBef>
+                          <a:spcPts val="0"/>
+                        </a:spcBef>
+                        <a:spcAft>
+                          <a:spcPts val="0"/>
+                        </a:spcAft>
+                        <a:buClrTx/>
+                        <a:buSzTx/>
+                        <a:buFontTx/>
+                        <a:buNone/>
+                        <a:tabLst/>
+                        <a:defRPr/>
+                      </a:pPr>
+                      <a:r>
+                        <a:rPr lang="en-US" sz="1000" b="0" i="0" dirty="0" smtClean="0">
+                          <a:latin typeface="Source Sans Pro Light" charset="0"/>
+                          <a:ea typeface="Source Sans Pro Light" charset="0"/>
+                          <a:cs typeface="Source Sans Pro Light" charset="0"/>
+                        </a:rPr>
+                        <a:t>12:00</a:t>
+                      </a:r>
+                      <a:r>
+                        <a:rPr lang="en-US" sz="1000" b="0" i="0" baseline="0" dirty="0" smtClean="0">
+                          <a:latin typeface="Source Sans Pro Light" charset="0"/>
+                          <a:ea typeface="Source Sans Pro Light" charset="0"/>
+                          <a:cs typeface="Source Sans Pro Light" charset="0"/>
+                        </a:rPr>
+                        <a:t> - 12:10</a:t>
+                      </a:r>
+                      <a:endParaRPr lang="en-US" sz="1000" b="0" i="0" dirty="0" smtClean="0">
+                        <a:latin typeface="Source Sans Pro Light" charset="0"/>
+                        <a:ea typeface="Source Sans Pro Light" charset="0"/>
+                        <a:cs typeface="Source Sans Pro Light" charset="0"/>
+                      </a:endParaRPr>
+                    </a:p>
+                  </a:txBody>
+                  <a:tcPr marL="0" marR="0" marT="26915" marB="26915">
+                    <a:lnL w="28575" cap="flat" cmpd="sng" algn="ctr">
+                      <a:solidFill>
+                        <a:schemeClr val="accent6"/>
+                      </a:solidFill>
+                      <a:prstDash val="solid"/>
+                      <a:round/>
+                      <a:headEnd type="none" w="med" len="med"/>
+                      <a:tailEnd type="none" w="med" len="med"/>
+                    </a:lnL>
+                  </a:tcPr>
+                </a:tc>
+                <a:tc>
+                  <a:txBody>
+                    <a:bodyPr/>
+                    <a:lstStyle/>
+                    <a:p>
+                      <a:pPr algn="ctr"/>
+                      <a:r>
+                        <a:rPr lang="en-US" sz="1000" b="0" i="0" dirty="0" smtClean="0">
+                          <a:latin typeface="Source Sans Pro Light" charset="0"/>
+                          <a:ea typeface="Source Sans Pro Light" charset="0"/>
+                          <a:cs typeface="Source Sans Pro Light" charset="0"/>
+                        </a:rPr>
+                        <a:t>cat</a:t>
+                      </a:r>
+                      <a:endParaRPr lang="en-US" sz="1000" b="0" i="0" dirty="0">
+                        <a:latin typeface="Source Sans Pro Light" charset="0"/>
+                        <a:ea typeface="Source Sans Pro Light" charset="0"/>
+                        <a:cs typeface="Source Sans Pro Light" charset="0"/>
+                      </a:endParaRPr>
+                    </a:p>
+                  </a:txBody>
+                  <a:tcPr marL="0" marR="0" marT="26915" marB="26915"/>
+                </a:tc>
+                <a:tc>
+                  <a:txBody>
+                    <a:bodyPr/>
+                    <a:lstStyle/>
+                    <a:p>
+                      <a:pPr algn="ctr"/>
+                      <a:r>
+                        <a:rPr lang="en-US" sz="1000" b="0" i="0" dirty="0" smtClean="0">
+                          <a:latin typeface="Source Sans Pro Light" charset="0"/>
+                          <a:ea typeface="Source Sans Pro Light" charset="0"/>
+                          <a:cs typeface="Source Sans Pro Light" charset="0"/>
+                        </a:rPr>
+                        <a:t>1</a:t>
+                      </a:r>
+                      <a:endParaRPr lang="en-US" sz="1000" b="0" i="0" dirty="0">
+                        <a:latin typeface="Source Sans Pro Light" charset="0"/>
+                        <a:ea typeface="Source Sans Pro Light" charset="0"/>
+                        <a:cs typeface="Source Sans Pro Light" charset="0"/>
+                      </a:endParaRPr>
+                    </a:p>
+                  </a:txBody>
+                  <a:tcPr marL="0" marR="0" marT="26915" marB="26915">
+                    <a:lnR w="28575" cap="flat" cmpd="sng" algn="ctr">
+                      <a:solidFill>
+                        <a:schemeClr val="accent6"/>
+                      </a:solidFill>
+                      <a:prstDash val="solid"/>
+                      <a:round/>
+                      <a:headEnd type="none" w="med" len="med"/>
+                      <a:tailEnd type="none" w="med" len="med"/>
+                    </a:lnR>
+                  </a:tcPr>
+                </a:tc>
+              </a:tr>
+              <a:tr h="230076">
+                <a:tc>
+                  <a:txBody>
+                    <a:bodyPr/>
+                    <a:lstStyle/>
+                    <a:p>
+                      <a:pPr algn="ctr"/>
+                      <a:r>
+                        <a:rPr lang="en-US" sz="1000" b="0" i="0" dirty="0" smtClean="0">
+                          <a:latin typeface="Source Sans Pro Light" charset="0"/>
+                          <a:ea typeface="Source Sans Pro Light" charset="0"/>
+                          <a:cs typeface="Source Sans Pro Light" charset="0"/>
+                        </a:rPr>
+                        <a:t>12:00</a:t>
+                      </a:r>
+                      <a:r>
+                        <a:rPr lang="en-US" sz="1000" b="0" i="0" baseline="0" dirty="0" smtClean="0">
+                          <a:latin typeface="Source Sans Pro Light" charset="0"/>
+                          <a:ea typeface="Source Sans Pro Light" charset="0"/>
+                          <a:cs typeface="Source Sans Pro Light" charset="0"/>
+                        </a:rPr>
+                        <a:t> - 12:10</a:t>
+                      </a:r>
+                      <a:endParaRPr lang="en-US" sz="1000" b="0" i="0" dirty="0">
+                        <a:latin typeface="Source Sans Pro Light" charset="0"/>
+                        <a:ea typeface="Source Sans Pro Light" charset="0"/>
+                        <a:cs typeface="Source Sans Pro Light" charset="0"/>
+                      </a:endParaRPr>
+                    </a:p>
+                  </a:txBody>
+                  <a:tcPr marL="0" marR="0" marT="26915" marB="26915">
+                    <a:lnL w="28575" cap="flat" cmpd="sng" algn="ctr">
+                      <a:solidFill>
+                        <a:schemeClr val="accent6"/>
+                      </a:solidFill>
+                      <a:prstDash val="solid"/>
+                      <a:round/>
+                      <a:headEnd type="none" w="med" len="med"/>
+                      <a:tailEnd type="none" w="med" len="med"/>
+                    </a:lnL>
+                    <a:lnB w="28575" cap="flat" cmpd="sng" algn="ctr">
+                      <a:solidFill>
+                        <a:schemeClr val="accent6"/>
+                      </a:solidFill>
+                      <a:prstDash val="solid"/>
+                      <a:round/>
+                      <a:headEnd type="none" w="med" len="med"/>
+                      <a:tailEnd type="none" w="med" len="med"/>
+                    </a:lnB>
+                  </a:tcPr>
+                </a:tc>
+                <a:tc>
+                  <a:txBody>
+                    <a:bodyPr/>
+                    <a:lstStyle/>
+                    <a:p>
+                      <a:pPr algn="ctr"/>
+                      <a:r>
+                        <a:rPr lang="en-US" sz="1000" b="0" i="0" dirty="0" smtClean="0">
+                          <a:latin typeface="Source Sans Pro Light" charset="0"/>
+                          <a:ea typeface="Source Sans Pro Light" charset="0"/>
+                          <a:cs typeface="Source Sans Pro Light" charset="0"/>
+                        </a:rPr>
+                        <a:t>dog</a:t>
+                      </a:r>
+                      <a:endParaRPr lang="en-US" sz="1000" b="0" i="0" dirty="0">
+                        <a:latin typeface="Source Sans Pro Light" charset="0"/>
+                        <a:ea typeface="Source Sans Pro Light" charset="0"/>
+                        <a:cs typeface="Source Sans Pro Light" charset="0"/>
+                      </a:endParaRPr>
+                    </a:p>
+                  </a:txBody>
+                  <a:tcPr marL="0" marR="0" marT="26915" marB="26915">
+                    <a:lnB w="28575" cap="flat" cmpd="sng" algn="ctr">
+                      <a:solidFill>
+                        <a:schemeClr val="accent6"/>
+                      </a:solidFill>
+                      <a:prstDash val="solid"/>
+                      <a:round/>
+                      <a:headEnd type="none" w="med" len="med"/>
+                      <a:tailEnd type="none" w="med" len="med"/>
+                    </a:lnB>
+                  </a:tcPr>
+                </a:tc>
+                <a:tc>
+                  <a:txBody>
+                    <a:bodyPr/>
+                    <a:lstStyle/>
+                    <a:p>
+                      <a:pPr algn="ctr"/>
+                      <a:r>
+                        <a:rPr lang="en-US" sz="1000" b="0" i="0" dirty="0" smtClean="0">
+                          <a:latin typeface="Source Sans Pro Light" charset="0"/>
+                          <a:ea typeface="Source Sans Pro Light" charset="0"/>
+                          <a:cs typeface="Source Sans Pro Light" charset="0"/>
+                        </a:rPr>
+                        <a:t>2</a:t>
+                      </a:r>
+                      <a:endParaRPr lang="en-US" sz="1000" b="0" i="0" dirty="0">
+                        <a:latin typeface="Source Sans Pro Light" charset="0"/>
+                        <a:ea typeface="Source Sans Pro Light" charset="0"/>
+                        <a:cs typeface="Source Sans Pro Light" charset="0"/>
+                      </a:endParaRPr>
+                    </a:p>
+                  </a:txBody>
+                  <a:tcPr marL="0" marR="0" marT="26915" marB="26915">
+                    <a:lnR w="28575" cap="flat" cmpd="sng" algn="ctr">
+                      <a:solidFill>
+                        <a:schemeClr val="accent6"/>
+                      </a:solidFill>
+                      <a:prstDash val="solid"/>
+                      <a:round/>
+                      <a:headEnd type="none" w="med" len="med"/>
+                      <a:tailEnd type="none" w="med" len="med"/>
+                    </a:lnR>
+                    <a:lnB w="28575" cap="flat" cmpd="sng" algn="ctr">
+                      <a:solidFill>
+                        <a:schemeClr val="accent6"/>
+                      </a:solidFill>
+                      <a:prstDash val="solid"/>
+                      <a:round/>
+                      <a:headEnd type="none" w="med" len="med"/>
+                      <a:tailEnd type="none" w="med" len="med"/>
+                    </a:lnB>
+                  </a:tcPr>
+                </a:tc>
+              </a:tr>
+            </a:tbl>
+          </a:graphicData>
+        </a:graphic>
+      </p:graphicFrame>
+      <p:graphicFrame>
+        <p:nvGraphicFramePr>
+          <p:cNvPr id="296" name="Table 295"/>
+          <p:cNvGraphicFramePr>
+            <a:graphicFrameLocks noGrp="1"/>
+          </p:cNvGraphicFramePr>
+          <p:nvPr>
+            <p:extLst>
+              <p:ext uri="{D42A27DB-BD31-4B8C-83A1-F6EECF244321}">
+                <p14:modId xmlns:p14="http://schemas.microsoft.com/office/powerpoint/2010/main" val="456873603"/>
+              </p:ext>
+            </p:extLst>
+          </p:nvPr>
+        </p:nvGraphicFramePr>
+        <p:xfrm>
+          <a:off x="9660266" y="5150257"/>
+          <a:ext cx="1067441" cy="690228"/>
+        </p:xfrm>
+        <a:graphic>
+          <a:graphicData uri="http://schemas.openxmlformats.org/drawingml/2006/table">
+            <a:tbl>
+              <a:tblPr bandRow="1">
+                <a:tableStyleId>{16D9F66E-5EB9-4882-86FB-DCBF35E3C3E4}</a:tableStyleId>
+              </a:tblPr>
+              <a:tblGrid>
+                <a:gridCol w="730100"/>
+                <a:gridCol w="212651"/>
+                <a:gridCol w="124690"/>
+              </a:tblGrid>
+              <a:tr h="230076">
+                <a:tc>
+                  <a:txBody>
+                    <a:bodyPr/>
+                    <a:lstStyle/>
+                    <a:p>
+                      <a:pPr algn="ctr"/>
+                      <a:r>
+                        <a:rPr lang="en-US" sz="1000" b="0" i="0" dirty="0" smtClean="0">
+                          <a:latin typeface="Source Sans Pro Light" charset="0"/>
+                          <a:ea typeface="Source Sans Pro Light" charset="0"/>
+                          <a:cs typeface="Source Sans Pro Light" charset="0"/>
+                        </a:rPr>
+                        <a:t>12:05</a:t>
+                      </a:r>
+                      <a:r>
+                        <a:rPr lang="en-US" sz="1000" b="0" i="0" baseline="0" dirty="0" smtClean="0">
+                          <a:latin typeface="Source Sans Pro Light" charset="0"/>
+                          <a:ea typeface="Source Sans Pro Light" charset="0"/>
+                          <a:cs typeface="Source Sans Pro Light" charset="0"/>
+                        </a:rPr>
+                        <a:t> - 12:15</a:t>
+                      </a:r>
+                      <a:endParaRPr lang="en-US" sz="1000" b="0" i="0" dirty="0">
+                        <a:latin typeface="Source Sans Pro Light" charset="0"/>
+                        <a:ea typeface="Source Sans Pro Light" charset="0"/>
+                        <a:cs typeface="Source Sans Pro Light" charset="0"/>
+                      </a:endParaRPr>
+                    </a:p>
+                  </a:txBody>
+                  <a:tcPr marL="0" marR="0" marT="26915" marB="26915">
+                    <a:lnL w="28575" cap="flat" cmpd="sng" algn="ctr">
+                      <a:solidFill>
+                        <a:schemeClr val="accent6"/>
+                      </a:solidFill>
+                      <a:prstDash val="solid"/>
+                      <a:round/>
+                      <a:headEnd type="none" w="med" len="med"/>
+                      <a:tailEnd type="none" w="med" len="med"/>
+                    </a:lnL>
+                    <a:lnT w="28575" cap="flat" cmpd="sng" algn="ctr">
+                      <a:solidFill>
+                        <a:schemeClr val="accent6"/>
+                      </a:solidFill>
+                      <a:prstDash val="solid"/>
+                      <a:round/>
+                      <a:headEnd type="none" w="med" len="med"/>
+                      <a:tailEnd type="none" w="med" len="med"/>
+                    </a:lnT>
+                  </a:tcPr>
+                </a:tc>
+                <a:tc>
+                  <a:txBody>
+                    <a:bodyPr/>
+                    <a:lstStyle/>
+                    <a:p>
+                      <a:pPr algn="ctr"/>
+                      <a:r>
+                        <a:rPr lang="en-US" sz="1000" b="0" i="0" dirty="0" smtClean="0">
+                          <a:latin typeface="Source Sans Pro Light" charset="0"/>
+                          <a:ea typeface="Source Sans Pro Light" charset="0"/>
+                          <a:cs typeface="Source Sans Pro Light" charset="0"/>
+                        </a:rPr>
+                        <a:t>owl</a:t>
+                      </a:r>
+                      <a:endParaRPr lang="en-US" sz="1000" b="0" i="0" dirty="0">
+                        <a:latin typeface="Source Sans Pro Light" charset="0"/>
+                        <a:ea typeface="Source Sans Pro Light" charset="0"/>
+                        <a:cs typeface="Source Sans Pro Light" charset="0"/>
+                      </a:endParaRPr>
+                    </a:p>
+                  </a:txBody>
+                  <a:tcPr marL="0" marR="0" marT="26915" marB="26915">
+                    <a:lnT w="28575" cap="flat" cmpd="sng" algn="ctr">
+                      <a:solidFill>
+                        <a:schemeClr val="accent6"/>
+                      </a:solidFill>
+                      <a:prstDash val="solid"/>
+                      <a:round/>
+                      <a:headEnd type="none" w="med" len="med"/>
+                      <a:tailEnd type="none" w="med" len="med"/>
+                    </a:lnT>
+                  </a:tcPr>
+                </a:tc>
+                <a:tc>
+                  <a:txBody>
+                    <a:bodyPr/>
+                    <a:lstStyle/>
+                    <a:p>
+                      <a:pPr algn="ctr"/>
+                      <a:r>
+                        <a:rPr lang="en-US" sz="1000" b="0" i="0" dirty="0" smtClean="0">
+                          <a:latin typeface="Source Sans Pro Light" charset="0"/>
+                          <a:ea typeface="Source Sans Pro Light" charset="0"/>
+                          <a:cs typeface="Source Sans Pro Light" charset="0"/>
+                        </a:rPr>
+                        <a:t>2</a:t>
+                      </a:r>
+                      <a:endParaRPr lang="en-US" sz="1000" b="0" i="0" dirty="0">
+                        <a:latin typeface="Source Sans Pro Light" charset="0"/>
+                        <a:ea typeface="Source Sans Pro Light" charset="0"/>
+                        <a:cs typeface="Source Sans Pro Light" charset="0"/>
+                      </a:endParaRPr>
+                    </a:p>
+                  </a:txBody>
+                  <a:tcPr marL="0" marR="0" marT="26915" marB="26915">
+                    <a:lnR w="28575" cap="flat" cmpd="sng" algn="ctr">
+                      <a:solidFill>
+                        <a:schemeClr val="accent6"/>
+                      </a:solidFill>
+                      <a:prstDash val="solid"/>
+                      <a:round/>
+                      <a:headEnd type="none" w="med" len="med"/>
+                      <a:tailEnd type="none" w="med" len="med"/>
+                    </a:lnR>
+                    <a:lnT w="28575" cap="flat" cmpd="sng" algn="ctr">
+                      <a:solidFill>
+                        <a:schemeClr val="accent6"/>
+                      </a:solidFill>
+                      <a:prstDash val="solid"/>
+                      <a:round/>
+                      <a:headEnd type="none" w="med" len="med"/>
+                      <a:tailEnd type="none" w="med" len="med"/>
+                    </a:lnT>
+                  </a:tcPr>
+                </a:tc>
+              </a:tr>
+              <a:tr h="230076">
+                <a:tc>
+                  <a:txBody>
+                    <a:bodyPr/>
+                    <a:lstStyle/>
+                    <a:p>
+                      <a:pPr marL="0" marR="0" indent="0" algn="ctr" defTabSz="914400" rtl="0" eaLnBrk="1" fontAlgn="auto" latinLnBrk="0" hangingPunct="1">
+                        <a:lnSpc>
+                          <a:spcPct val="100000"/>
+                        </a:lnSpc>
+                        <a:spcBef>
+                          <a:spcPts val="0"/>
+                        </a:spcBef>
+                        <a:spcAft>
+                          <a:spcPts val="0"/>
+                        </a:spcAft>
+                        <a:buClrTx/>
+                        <a:buSzTx/>
+                        <a:buFontTx/>
+                        <a:buNone/>
+                        <a:tabLst/>
+                        <a:defRPr/>
+                      </a:pPr>
+                      <a:r>
+                        <a:rPr lang="en-US" sz="1000" b="0" i="0" dirty="0" smtClean="0">
+                          <a:latin typeface="Source Sans Pro Light" charset="0"/>
+                          <a:ea typeface="Source Sans Pro Light" charset="0"/>
+                          <a:cs typeface="Source Sans Pro Light" charset="0"/>
+                        </a:rPr>
+                        <a:t>12:05</a:t>
+                      </a:r>
+                      <a:r>
+                        <a:rPr lang="en-US" sz="1000" b="0" i="0" baseline="0" dirty="0" smtClean="0">
+                          <a:latin typeface="Source Sans Pro Light" charset="0"/>
+                          <a:ea typeface="Source Sans Pro Light" charset="0"/>
+                          <a:cs typeface="Source Sans Pro Light" charset="0"/>
+                        </a:rPr>
+                        <a:t> - 12:15</a:t>
+                      </a:r>
+                      <a:endParaRPr lang="en-US" sz="1000" b="0" i="0" dirty="0" smtClean="0">
+                        <a:latin typeface="Source Sans Pro Light" charset="0"/>
+                        <a:ea typeface="Source Sans Pro Light" charset="0"/>
+                        <a:cs typeface="Source Sans Pro Light" charset="0"/>
+                      </a:endParaRPr>
+                    </a:p>
+                  </a:txBody>
+                  <a:tcPr marL="0" marR="0" marT="26915" marB="26915">
+                    <a:lnL w="28575" cap="flat" cmpd="sng" algn="ctr">
+                      <a:solidFill>
+                        <a:schemeClr val="accent6"/>
+                      </a:solidFill>
+                      <a:prstDash val="solid"/>
+                      <a:round/>
+                      <a:headEnd type="none" w="med" len="med"/>
+                      <a:tailEnd type="none" w="med" len="med"/>
+                    </a:lnL>
+                  </a:tcPr>
+                </a:tc>
+                <a:tc>
+                  <a:txBody>
+                    <a:bodyPr/>
+                    <a:lstStyle/>
+                    <a:p>
+                      <a:pPr algn="ctr"/>
+                      <a:r>
+                        <a:rPr lang="en-US" sz="1000" b="0" i="0" dirty="0" smtClean="0">
+                          <a:latin typeface="Source Sans Pro Light" charset="0"/>
+                          <a:ea typeface="Source Sans Pro Light" charset="0"/>
+                          <a:cs typeface="Source Sans Pro Light" charset="0"/>
+                        </a:rPr>
+                        <a:t>cat</a:t>
+                      </a:r>
+                      <a:endParaRPr lang="en-US" sz="1000" b="0" i="0" dirty="0">
+                        <a:latin typeface="Source Sans Pro Light" charset="0"/>
+                        <a:ea typeface="Source Sans Pro Light" charset="0"/>
+                        <a:cs typeface="Source Sans Pro Light" charset="0"/>
+                      </a:endParaRPr>
+                    </a:p>
+                  </a:txBody>
+                  <a:tcPr marL="0" marR="0" marT="26915" marB="26915"/>
+                </a:tc>
+                <a:tc>
+                  <a:txBody>
+                    <a:bodyPr/>
+                    <a:lstStyle/>
+                    <a:p>
+                      <a:pPr algn="ctr"/>
+                      <a:r>
+                        <a:rPr lang="en-US" sz="1000" b="0" i="0" dirty="0" smtClean="0">
+                          <a:latin typeface="Source Sans Pro Light" charset="0"/>
+                          <a:ea typeface="Source Sans Pro Light" charset="0"/>
+                          <a:cs typeface="Source Sans Pro Light" charset="0"/>
+                        </a:rPr>
+                        <a:t>2</a:t>
+                      </a:r>
+                      <a:endParaRPr lang="en-US" sz="1000" b="0" i="0" dirty="0">
+                        <a:latin typeface="Source Sans Pro Light" charset="0"/>
+                        <a:ea typeface="Source Sans Pro Light" charset="0"/>
+                        <a:cs typeface="Source Sans Pro Light" charset="0"/>
+                      </a:endParaRPr>
+                    </a:p>
+                  </a:txBody>
+                  <a:tcPr marL="0" marR="0" marT="26915" marB="26915">
+                    <a:lnR w="28575" cap="flat" cmpd="sng" algn="ctr">
+                      <a:solidFill>
+                        <a:schemeClr val="accent6"/>
+                      </a:solidFill>
+                      <a:prstDash val="solid"/>
+                      <a:round/>
+                      <a:headEnd type="none" w="med" len="med"/>
+                      <a:tailEnd type="none" w="med" len="med"/>
+                    </a:lnR>
+                  </a:tcPr>
+                </a:tc>
+              </a:tr>
+              <a:tr h="230076">
+                <a:tc>
+                  <a:txBody>
+                    <a:bodyPr/>
+                    <a:lstStyle/>
+                    <a:p>
+                      <a:pPr algn="ctr"/>
+                      <a:r>
+                        <a:rPr lang="en-US" sz="1000" b="0" i="0" dirty="0" smtClean="0">
+                          <a:latin typeface="Source Sans Pro Light" charset="0"/>
+                          <a:ea typeface="Source Sans Pro Light" charset="0"/>
+                          <a:cs typeface="Source Sans Pro Light" charset="0"/>
+                        </a:rPr>
+                        <a:t>12:05</a:t>
+                      </a:r>
+                      <a:r>
+                        <a:rPr lang="en-US" sz="1000" b="0" i="0" baseline="0" dirty="0" smtClean="0">
+                          <a:latin typeface="Source Sans Pro Light" charset="0"/>
+                          <a:ea typeface="Source Sans Pro Light" charset="0"/>
+                          <a:cs typeface="Source Sans Pro Light" charset="0"/>
+                        </a:rPr>
+                        <a:t> - 12:15</a:t>
+                      </a:r>
+                      <a:endParaRPr lang="en-US" sz="1000" b="0" i="0" dirty="0">
+                        <a:latin typeface="Source Sans Pro Light" charset="0"/>
+                        <a:ea typeface="Source Sans Pro Light" charset="0"/>
+                        <a:cs typeface="Source Sans Pro Light" charset="0"/>
+                      </a:endParaRPr>
+                    </a:p>
+                  </a:txBody>
+                  <a:tcPr marL="0" marR="0" marT="26915" marB="26915">
+                    <a:lnL w="28575" cap="flat" cmpd="sng" algn="ctr">
+                      <a:solidFill>
+                        <a:schemeClr val="accent6"/>
+                      </a:solidFill>
+                      <a:prstDash val="solid"/>
+                      <a:round/>
+                      <a:headEnd type="none" w="med" len="med"/>
+                      <a:tailEnd type="none" w="med" len="med"/>
+                    </a:lnL>
+                    <a:lnB w="28575" cap="flat" cmpd="sng" algn="ctr">
+                      <a:solidFill>
+                        <a:schemeClr val="accent6"/>
+                      </a:solidFill>
+                      <a:prstDash val="solid"/>
+                      <a:round/>
+                      <a:headEnd type="none" w="med" len="med"/>
+                      <a:tailEnd type="none" w="med" len="med"/>
+                    </a:lnB>
+                  </a:tcPr>
+                </a:tc>
+                <a:tc>
+                  <a:txBody>
+                    <a:bodyPr/>
+                    <a:lstStyle/>
+                    <a:p>
+                      <a:pPr algn="ctr"/>
+                      <a:r>
+                        <a:rPr lang="en-US" sz="1000" b="0" i="0" dirty="0" smtClean="0">
+                          <a:latin typeface="Source Sans Pro Light" charset="0"/>
+                          <a:ea typeface="Source Sans Pro Light" charset="0"/>
+                          <a:cs typeface="Source Sans Pro Light" charset="0"/>
+                        </a:rPr>
+                        <a:t>dog</a:t>
+                      </a:r>
+                      <a:endParaRPr lang="en-US" sz="1000" b="0" i="0" dirty="0">
+                        <a:latin typeface="Source Sans Pro Light" charset="0"/>
+                        <a:ea typeface="Source Sans Pro Light" charset="0"/>
+                        <a:cs typeface="Source Sans Pro Light" charset="0"/>
+                      </a:endParaRPr>
+                    </a:p>
+                  </a:txBody>
+                  <a:tcPr marL="0" marR="0" marT="26915" marB="26915">
+                    <a:lnB w="28575" cap="flat" cmpd="sng" algn="ctr">
+                      <a:solidFill>
+                        <a:schemeClr val="accent6"/>
+                      </a:solidFill>
+                      <a:prstDash val="solid"/>
+                      <a:round/>
+                      <a:headEnd type="none" w="med" len="med"/>
+                      <a:tailEnd type="none" w="med" len="med"/>
+                    </a:lnB>
+                  </a:tcPr>
+                </a:tc>
+                <a:tc>
+                  <a:txBody>
+                    <a:bodyPr/>
+                    <a:lstStyle/>
+                    <a:p>
+                      <a:pPr algn="ctr"/>
+                      <a:r>
+                        <a:rPr lang="en-US" sz="1000" b="0" i="0" dirty="0" smtClean="0">
+                          <a:latin typeface="Source Sans Pro Light" charset="0"/>
+                          <a:ea typeface="Source Sans Pro Light" charset="0"/>
+                          <a:cs typeface="Source Sans Pro Light" charset="0"/>
+                        </a:rPr>
+                        <a:t>3</a:t>
+                      </a:r>
+                      <a:endParaRPr lang="en-US" sz="1000" b="0" i="0" dirty="0">
+                        <a:latin typeface="Source Sans Pro Light" charset="0"/>
+                        <a:ea typeface="Source Sans Pro Light" charset="0"/>
+                        <a:cs typeface="Source Sans Pro Light" charset="0"/>
+                      </a:endParaRPr>
+                    </a:p>
+                  </a:txBody>
+                  <a:tcPr marL="0" marR="0" marT="26915" marB="26915">
+                    <a:lnR w="28575" cap="flat" cmpd="sng" algn="ctr">
+                      <a:solidFill>
+                        <a:schemeClr val="accent6"/>
+                      </a:solidFill>
+                      <a:prstDash val="solid"/>
+                      <a:round/>
+                      <a:headEnd type="none" w="med" len="med"/>
+                      <a:tailEnd type="none" w="med" len="med"/>
+                    </a:lnR>
+                    <a:lnB w="28575" cap="flat" cmpd="sng" algn="ctr">
+                      <a:solidFill>
+                        <a:schemeClr val="accent6"/>
+                      </a:solidFill>
+                      <a:prstDash val="solid"/>
+                      <a:round/>
+                      <a:headEnd type="none" w="med" len="med"/>
+                      <a:tailEnd type="none" w="med" len="med"/>
+                    </a:lnB>
+                  </a:tcPr>
+                </a:tc>
+              </a:tr>
+            </a:tbl>
+          </a:graphicData>
+        </a:graphic>
+      </p:graphicFrame>
+      <p:sp>
+        <p:nvSpPr>
+          <p:cNvPr id="304" name="Rectangle 303"/>
+          <p:cNvSpPr/>
+          <p:nvPr/>
+        </p:nvSpPr>
+        <p:spPr>
+          <a:xfrm>
+            <a:off x="9039515" y="1852513"/>
+            <a:ext cx="1209876" cy="227255"/>
+          </a:xfrm>
+          <a:prstGeom prst="rect">
+            <a:avLst/>
+          </a:prstGeom>
+          <a:solidFill>
+            <a:schemeClr val="bg1">
+              <a:alpha val="77000"/>
+            </a:schemeClr>
+          </a:solidFill>
+        </p:spPr>
+        <p:txBody>
+          <a:bodyPr wrap="none">
+            <a:noAutofit/>
+          </a:bodyPr>
+          <a:lstStyle/>
+          <a:p>
+            <a:pPr lvl="0" algn="ctr"/>
+            <a:r>
+              <a:rPr lang="en-US" sz="1000" dirty="0" err="1" smtClean="0">
+                <a:solidFill>
+                  <a:schemeClr val="accent2">
+                    <a:lumMod val="75000"/>
+                  </a:schemeClr>
+                </a:solidFill>
+                <a:latin typeface="Source Sans Pro Light" charset="0"/>
+                <a:ea typeface="Source Sans Pro Light" charset="0"/>
+                <a:cs typeface="Source Sans Pro Light" charset="0"/>
+              </a:rPr>
+              <a:t>wm</a:t>
+            </a:r>
+            <a:r>
+              <a:rPr lang="en-US" sz="1000" dirty="0" smtClean="0">
+                <a:solidFill>
+                  <a:schemeClr val="accent2">
+                    <a:lumMod val="75000"/>
+                  </a:schemeClr>
+                </a:solidFill>
+                <a:latin typeface="Source Sans Pro Light" charset="0"/>
+                <a:ea typeface="Source Sans Pro Light" charset="0"/>
+                <a:cs typeface="Source Sans Pro Light" charset="0"/>
+              </a:rPr>
+              <a:t> = 12:26 </a:t>
+            </a:r>
+            <a:r>
+              <a:rPr lang="en-US" sz="1000" dirty="0">
+                <a:solidFill>
+                  <a:schemeClr val="accent2">
+                    <a:lumMod val="75000"/>
+                  </a:schemeClr>
+                </a:solidFill>
+                <a:latin typeface="Source Sans Pro Light" charset="0"/>
+                <a:ea typeface="Source Sans Pro Light" charset="0"/>
+                <a:cs typeface="Source Sans Pro Light" charset="0"/>
+              </a:rPr>
+              <a:t>- </a:t>
+            </a:r>
+            <a:r>
+              <a:rPr lang="en-US" sz="1000" dirty="0" smtClean="0">
+                <a:solidFill>
+                  <a:schemeClr val="accent2">
+                    <a:lumMod val="75000"/>
+                  </a:schemeClr>
+                </a:solidFill>
+                <a:latin typeface="Source Sans Pro Light" charset="0"/>
+                <a:ea typeface="Source Sans Pro Light" charset="0"/>
+                <a:cs typeface="Source Sans Pro Light" charset="0"/>
+              </a:rPr>
+              <a:t>10m =12:16</a:t>
+            </a:r>
+            <a:endParaRPr lang="en-US" sz="1000" dirty="0">
+              <a:solidFill>
+                <a:schemeClr val="accent2">
+                  <a:lumMod val="75000"/>
+                </a:schemeClr>
+              </a:solidFill>
+              <a:latin typeface="Source Sans Pro Light" charset="0"/>
+              <a:ea typeface="Source Sans Pro Light" charset="0"/>
+              <a:cs typeface="Source Sans Pro Light" charset="0"/>
+            </a:endParaRPr>
+          </a:p>
+        </p:txBody>
+      </p:sp>
+      <p:grpSp>
+        <p:nvGrpSpPr>
+          <p:cNvPr id="317" name="Group 316"/>
+          <p:cNvGrpSpPr/>
+          <p:nvPr/>
+        </p:nvGrpSpPr>
+        <p:grpSpPr>
+          <a:xfrm>
+            <a:off x="8106701" y="500752"/>
+            <a:ext cx="699230" cy="345732"/>
+            <a:chOff x="2909362" y="2729624"/>
+            <a:chExt cx="699230" cy="345732"/>
+          </a:xfrm>
+        </p:grpSpPr>
+        <p:sp>
+          <p:nvSpPr>
+            <p:cNvPr id="318" name="Oval 317"/>
+            <p:cNvSpPr/>
+            <p:nvPr/>
+          </p:nvSpPr>
+          <p:spPr>
+            <a:xfrm>
+              <a:off x="3022115" y="2729624"/>
+              <a:ext cx="138633" cy="138633"/>
+            </a:xfrm>
+            <a:prstGeom prst="ellipse">
+              <a:avLst/>
+            </a:prstGeom>
+          </p:spPr>
+          <p:style>
+            <a:lnRef idx="1">
+              <a:schemeClr val="accent4"/>
+            </a:lnRef>
+            <a:fillRef idx="2">
+              <a:schemeClr val="accent4"/>
+            </a:fillRef>
+            <a:effectRef idx="1">
+              <a:schemeClr val="accent4"/>
+            </a:effectRef>
+            <a:fontRef idx="minor">
+              <a:schemeClr val="dk1"/>
+            </a:fontRef>
+          </p:style>
+          <p:txBody>
+            <a:bodyPr rtlCol="0" anchor="ctr"/>
+            <a:lstStyle/>
+            <a:p>
+              <a:pPr algn="ctr"/>
+              <a:endParaRPr lang="en-US" sz="1000">
+                <a:solidFill>
+                  <a:schemeClr val="accent4">
+                    <a:lumMod val="50000"/>
+                  </a:schemeClr>
+                </a:solidFill>
+              </a:endParaRPr>
+            </a:p>
+          </p:txBody>
+        </p:sp>
+        <p:sp>
+          <p:nvSpPr>
+            <p:cNvPr id="319" name="Rectangle 318"/>
+            <p:cNvSpPr/>
+            <p:nvPr/>
+          </p:nvSpPr>
+          <p:spPr>
+            <a:xfrm>
+              <a:off x="2909362" y="2829135"/>
+              <a:ext cx="699230" cy="246221"/>
+            </a:xfrm>
+            <a:prstGeom prst="rect">
+              <a:avLst/>
+            </a:prstGeom>
+          </p:spPr>
+          <p:txBody>
+            <a:bodyPr wrap="none">
+              <a:spAutoFit/>
+            </a:bodyPr>
+            <a:lstStyle/>
+            <a:p>
+              <a:pPr lvl="0" algn="ctr"/>
+              <a:r>
+                <a:rPr lang="en-US" sz="1000" dirty="0" smtClean="0">
+                  <a:solidFill>
+                    <a:schemeClr val="accent4">
+                      <a:lumMod val="50000"/>
+                    </a:schemeClr>
+                  </a:solidFill>
+                  <a:latin typeface="Source Sans Pro Light" charset="0"/>
+                  <a:ea typeface="Source Sans Pro Light" charset="0"/>
+                  <a:cs typeface="Source Sans Pro Light" charset="0"/>
+                </a:rPr>
+                <a:t>12:26, owl</a:t>
+              </a:r>
+              <a:endParaRPr lang="en-US" sz="1000" dirty="0">
+                <a:solidFill>
+                  <a:schemeClr val="accent4">
+                    <a:lumMod val="50000"/>
+                  </a:schemeClr>
+                </a:solidFill>
+                <a:latin typeface="Source Sans Pro Light" charset="0"/>
+                <a:ea typeface="Source Sans Pro Light" charset="0"/>
+                <a:cs typeface="Source Sans Pro Light" charset="0"/>
+              </a:endParaRPr>
+            </a:p>
+          </p:txBody>
+        </p:sp>
+      </p:grpSp>
+      <p:sp>
+        <p:nvSpPr>
+          <p:cNvPr id="109" name="Shape 127"/>
+          <p:cNvSpPr txBox="1"/>
+          <p:nvPr/>
+        </p:nvSpPr>
+        <p:spPr>
+          <a:xfrm>
+            <a:off x="8724892" y="5776200"/>
+            <a:ext cx="2100674" cy="445876"/>
+          </a:xfrm>
+          <a:prstGeom prst="rect">
+            <a:avLst/>
+          </a:prstGeom>
+          <a:noFill/>
+          <a:ln>
+            <a:noFill/>
+          </a:ln>
+        </p:spPr>
+        <p:txBody>
+          <a:bodyPr lIns="91425" tIns="91425" rIns="91425" bIns="91425" anchor="t" anchorCtr="0">
+            <a:noAutofit/>
+          </a:bodyPr>
+          <a:lstStyle/>
+          <a:p>
+            <a:pPr lvl="0" algn="ctr" rtl="0">
+              <a:spcBef>
+                <a:spcPts val="0"/>
+              </a:spcBef>
+              <a:buNone/>
+            </a:pPr>
+            <a:r>
+              <a:rPr lang="en-US" sz="1800" dirty="0" smtClean="0">
+                <a:latin typeface="Source Sans Pro Light" charset="0"/>
+                <a:ea typeface="Source Sans Pro Light" charset="0"/>
+                <a:cs typeface="Source Sans Pro Light" charset="0"/>
+              </a:rPr>
+              <a:t>Result Tables </a:t>
+            </a:r>
+            <a:r>
+              <a:rPr lang="en-US" dirty="0" smtClean="0">
+                <a:latin typeface="Source Sans Pro Light" charset="0"/>
+                <a:ea typeface="Source Sans Pro Light" charset="0"/>
+                <a:cs typeface="Source Sans Pro Light" charset="0"/>
+              </a:rPr>
+              <a:t>after </a:t>
+            </a:r>
+          </a:p>
+          <a:p>
+            <a:pPr lvl="0" algn="ctr" rtl="0">
+              <a:spcBef>
+                <a:spcPts val="0"/>
+              </a:spcBef>
+              <a:buNone/>
+            </a:pPr>
+            <a:r>
+              <a:rPr lang="en-US" dirty="0" smtClean="0">
+                <a:latin typeface="Source Sans Pro Light" charset="0"/>
+                <a:ea typeface="Source Sans Pro Light" charset="0"/>
+                <a:cs typeface="Source Sans Pro Light" charset="0"/>
+              </a:rPr>
+              <a:t>each trigger</a:t>
+            </a:r>
+            <a:endParaRPr lang="en" sz="1800" dirty="0">
+              <a:latin typeface="Source Sans Pro Light" charset="0"/>
+              <a:ea typeface="Source Sans Pro Light" charset="0"/>
+              <a:cs typeface="Source Sans Pro Light" charset="0"/>
+            </a:endParaRPr>
+          </a:p>
+        </p:txBody>
+      </p:sp>
+    </p:spTree>
+    <p:extLst>
+      <p:ext uri="{BB962C8B-B14F-4D97-AF65-F5344CB8AC3E}">
+        <p14:creationId xmlns:p14="http://schemas.microsoft.com/office/powerpoint/2010/main" val="90176117"/>
       </p:ext>
     </p:extLst>
   </p:cSld>
